--- a/Courses/Computer-Modeling-and-IT/Computer-Modeling-and-IT-6-Class/11-Print-Table/11-Print-Table.pptx
+++ b/Courses/Computer-Modeling-and-IT/Computer-Modeling-and-IT-6-Class/11-Print-Table/11-Print-Table.pptx
@@ -5,10 +5,10 @@
     <p:sldMasterId id="2147483675" r:id="rId1"/>
   </p:sldMasterIdLst>
   <p:notesMasterIdLst>
-    <p:notesMasterId r:id="rId16"/>
+    <p:notesMasterId r:id="rId22"/>
   </p:notesMasterIdLst>
   <p:handoutMasterIdLst>
-    <p:handoutMasterId r:id="rId17"/>
+    <p:handoutMasterId r:id="rId23"/>
   </p:handoutMasterIdLst>
   <p:sldIdLst>
     <p:sldId id="503" r:id="rId2"/>
@@ -22,9 +22,15 @@
     <p:sldId id="593" r:id="rId10"/>
     <p:sldId id="594" r:id="rId11"/>
     <p:sldId id="595" r:id="rId12"/>
-    <p:sldId id="586" r:id="rId13"/>
-    <p:sldId id="504" r:id="rId14"/>
-    <p:sldId id="505" r:id="rId15"/>
+    <p:sldId id="596" r:id="rId13"/>
+    <p:sldId id="597" r:id="rId14"/>
+    <p:sldId id="598" r:id="rId15"/>
+    <p:sldId id="599" r:id="rId16"/>
+    <p:sldId id="601" r:id="rId17"/>
+    <p:sldId id="602" r:id="rId18"/>
+    <p:sldId id="586" r:id="rId19"/>
+    <p:sldId id="504" r:id="rId20"/>
+    <p:sldId id="505" r:id="rId21"/>
   </p:sldIdLst>
   <p:sldSz cx="12192000" cy="6858000"/>
   <p:notesSz cx="6858000" cy="9144000"/>
@@ -147,6 +153,12 @@
         <p14:section name="Отпечатване на таблица" id="{0513C316-E51D-48F6-894A-96DFD8A7CF1B}">
           <p14:sldIdLst>
             <p14:sldId id="595"/>
+            <p14:sldId id="596"/>
+            <p14:sldId id="597"/>
+            <p14:sldId id="598"/>
+            <p14:sldId id="599"/>
+            <p14:sldId id="601"/>
+            <p14:sldId id="602"/>
           </p14:sldIdLst>
         </p14:section>
         <p14:section name="Заключение" id="{E19D07F1-86E2-47E9-B2AB-7ADC4F89DC12}">
@@ -273,7 +285,7 @@
           <a:p>
             <a:fld id="{4E087215-0C8F-4762-A664-737A353EC9A4}" type="datetimeFigureOut">
               <a:rPr lang="bg-BG" smtClean="0"/>
-              <a:t>16.5.2024 г.</a:t>
+              <a:t>19.5.2024 г.</a:t>
             </a:fld>
             <a:endParaRPr lang="bg-BG"/>
           </a:p>
@@ -469,7 +481,7 @@
           <a:p>
             <a:fld id="{72D84649-876A-46C9-8472-14CB09C070D8}" type="datetimeFigureOut">
               <a:rPr lang="en-US" smtClean="0"/>
-              <a:t>5/16/2024</a:t>
+              <a:t>5/19/2024</a:t>
             </a:fld>
             <a:endParaRPr lang="en-US"/>
           </a:p>
@@ -1254,7 +1266,7 @@
             <a:fld id="{3EBA5BD7-F043-4D1B-AA17-CD412FC534DE}" type="slidenum">
               <a:rPr lang="en-US" smtClean="0"/>
               <a:pPr/>
-              <a:t>12</a:t>
+              <a:t>18</a:t>
             </a:fld>
             <a:endParaRPr lang="en-US" dirty="0"/>
           </a:p>
@@ -1445,7 +1457,7 @@
             <a:fld id="{3EBA5BD7-F043-4D1B-AA17-CD412FC534DE}" type="slidenum">
               <a:rPr lang="en-US" smtClean="0"/>
               <a:pPr/>
-              <a:t>13</a:t>
+              <a:t>19</a:t>
             </a:fld>
             <a:endParaRPr lang="en-US" dirty="0"/>
           </a:p>
@@ -1675,7 +1687,7 @@
             <a:fld id="{3EBA5BD7-F043-4D1B-AA17-CD412FC534DE}" type="slidenum">
               <a:rPr lang="en-US" smtClean="0"/>
               <a:pPr/>
-              <a:t>14</a:t>
+              <a:t>20</a:t>
             </a:fld>
             <a:endParaRPr lang="en-US" dirty="0"/>
           </a:p>
@@ -7674,25 +7686,6 @@
       </p:grpSpPr>
       <p:sp>
         <p:nvSpPr>
-          <p:cNvPr id="7" name="Subtitle 6"/>
-          <p:cNvSpPr>
-            <a:spLocks noGrp="1"/>
-          </p:cNvSpPr>
-          <p:nvPr>
-            <p:ph type="subTitle" sz="quarter" idx="11"/>
-          </p:nvPr>
-        </p:nvSpPr>
-        <p:spPr/>
-        <p:txBody>
-          <a:bodyPr/>
-          <a:lstStyle/>
-          <a:p>
-            <a:endParaRPr lang="en-US"/>
-          </a:p>
-        </p:txBody>
-      </p:sp>
-      <p:sp>
-        <p:nvSpPr>
           <p:cNvPr id="6" name="Title 5"/>
           <p:cNvSpPr>
             <a:spLocks noGrp="1"/>
@@ -7701,7 +7694,12 @@
             <p:ph type="title" sz="quarter" idx="10"/>
           </p:nvPr>
         </p:nvSpPr>
-        <p:spPr/>
+        <p:spPr>
+          <a:xfrm>
+            <a:off x="615109" y="5229000"/>
+            <a:ext cx="10961783" cy="768084"/>
+          </a:xfrm>
+        </p:spPr>
         <p:txBody>
           <a:bodyPr/>
           <a:lstStyle/>
@@ -7714,6 +7712,36 @@
           </a:p>
         </p:txBody>
       </p:sp>
+      <p:pic>
+        <p:nvPicPr>
+          <p:cNvPr id="2" name="Picture 1"/>
+          <p:cNvPicPr>
+            <a:picLocks noChangeAspect="1"/>
+          </p:cNvPicPr>
+          <p:nvPr/>
+        </p:nvPicPr>
+        <p:blipFill>
+          <a:blip r:embed="rId2">
+            <a:extLst>
+              <a:ext uri="{28A0092B-C50C-407E-A947-70E740481C1C}">
+                <a14:useLocalDpi xmlns:a14="http://schemas.microsoft.com/office/drawing/2010/main" val="0"/>
+              </a:ext>
+            </a:extLst>
+          </a:blip>
+          <a:stretch>
+            <a:fillRect/>
+          </a:stretch>
+        </p:blipFill>
+        <p:spPr>
+          <a:xfrm>
+            <a:off x="5024437" y="1629000"/>
+            <a:ext cx="2143125" cy="2143125"/>
+          </a:xfrm>
+          <a:prstGeom prst="rect">
+            <a:avLst/>
+          </a:prstGeom>
+        </p:spPr>
+      </p:pic>
     </p:spTree>
     <p:extLst>
       <p:ext uri="{BB962C8B-B14F-4D97-AF65-F5344CB8AC3E}">
@@ -7743,6 +7771,5014 @@
 </file>
 
 <file path=ppt/slides/slide12.xml><?xml version="1.0" encoding="utf-8"?>
+<p:sld xmlns:a="http://schemas.openxmlformats.org/drawingml/2006/main" xmlns:r="http://schemas.openxmlformats.org/officeDocument/2006/relationships" xmlns:p="http://schemas.openxmlformats.org/presentationml/2006/main">
+  <p:cSld>
+    <p:spTree>
+      <p:nvGrpSpPr>
+        <p:cNvPr id="1" name=""/>
+        <p:cNvGrpSpPr/>
+        <p:nvPr/>
+      </p:nvGrpSpPr>
+      <p:grpSpPr>
+        <a:xfrm>
+          <a:off x="0" y="0"/>
+          <a:ext cx="0" cy="0"/>
+          <a:chOff x="0" y="0"/>
+          <a:chExt cx="0" cy="0"/>
+        </a:xfrm>
+      </p:grpSpPr>
+      <p:sp>
+        <p:nvSpPr>
+          <p:cNvPr id="4" name="Title 3"/>
+          <p:cNvSpPr>
+            <a:spLocks noGrp="1"/>
+          </p:cNvSpPr>
+          <p:nvPr>
+            <p:ph type="title"/>
+          </p:nvPr>
+        </p:nvSpPr>
+        <p:spPr/>
+        <p:txBody>
+          <a:bodyPr/>
+          <a:lstStyle/>
+          <a:p>
+            <a:r>
+              <a:rPr lang="bg-BG" dirty="0" smtClean="0"/>
+              <a:t>Отпечатване на таблица</a:t>
+            </a:r>
+            <a:endParaRPr lang="en-US" dirty="0"/>
+          </a:p>
+        </p:txBody>
+      </p:sp>
+      <p:pic>
+        <p:nvPicPr>
+          <p:cNvPr id="6" name="Picture 5"/>
+          <p:cNvPicPr>
+            <a:picLocks noChangeAspect="1"/>
+          </p:cNvPicPr>
+          <p:nvPr/>
+        </p:nvPicPr>
+        <p:blipFill>
+          <a:blip r:embed="rId2"/>
+          <a:stretch>
+            <a:fillRect/>
+          </a:stretch>
+        </p:blipFill>
+        <p:spPr>
+          <a:xfrm>
+            <a:off x="1641000" y="1359000"/>
+            <a:ext cx="8910000" cy="5240592"/>
+          </a:xfrm>
+          <a:prstGeom prst="rect">
+            <a:avLst/>
+          </a:prstGeom>
+          <a:ln>
+            <a:solidFill>
+              <a:schemeClr val="bg2">
+                <a:lumMod val="75000"/>
+              </a:schemeClr>
+            </a:solidFill>
+          </a:ln>
+        </p:spPr>
+      </p:pic>
+      <p:sp>
+        <p:nvSpPr>
+          <p:cNvPr id="7" name="Rounded Rectangular Callout 6"/>
+          <p:cNvSpPr/>
+          <p:nvPr/>
+        </p:nvSpPr>
+        <p:spPr bwMode="auto">
+          <a:xfrm>
+            <a:off x="2721000" y="2439000"/>
+            <a:ext cx="2114999" cy="1080000"/>
+          </a:xfrm>
+          <a:prstGeom prst="wedgeRoundRectCallout">
+            <a:avLst>
+              <a:gd name="adj1" fmla="val -76659"/>
+              <a:gd name="adj2" fmla="val -98613"/>
+              <a:gd name="adj3" fmla="val 16667"/>
+            </a:avLst>
+          </a:prstGeom>
+          <a:solidFill>
+            <a:schemeClr val="dk2">
+              <a:alpha val="80000"/>
+            </a:schemeClr>
+          </a:solidFill>
+          <a:ln w="19050">
+            <a:solidFill>
+              <a:schemeClr val="tx1">
+                <a:lumMod val="75000"/>
+                <a:alpha val="80000"/>
+              </a:schemeClr>
+            </a:solidFill>
+          </a:ln>
+          <a:effectLst/>
+        </p:spPr>
+        <p:style>
+          <a:lnRef idx="2">
+            <a:schemeClr val="accent1">
+              <a:shade val="50000"/>
+            </a:schemeClr>
+          </a:lnRef>
+          <a:fillRef idx="1001">
+            <a:schemeClr val="dk2"/>
+          </a:fillRef>
+          <a:effectRef idx="0">
+            <a:schemeClr val="accent1"/>
+          </a:effectRef>
+          <a:fontRef idx="minor">
+            <a:schemeClr val="lt1"/>
+          </a:fontRef>
+        </p:style>
+        <p:txBody>
+          <a:bodyPr rot="0" spcFirstLastPara="0" vertOverflow="overflow" horzOverflow="overflow" vert="horz" wrap="square" lIns="91440" tIns="45720" rIns="91440" bIns="45720" numCol="1" spcCol="0" rtlCol="0" fromWordArt="0" anchor="ctr" anchorCtr="0" forceAA="0" compatLnSpc="1">
+            <a:prstTxWarp prst="textNoShape">
+              <a:avLst/>
+            </a:prstTxWarp>
+            <a:noAutofit/>
+          </a:bodyPr>
+          <a:lstStyle/>
+          <a:p>
+            <a:pPr algn="ctr"/>
+            <a:r>
+              <a:rPr lang="bg-BG" sz="2800" b="1" dirty="0" smtClean="0">
+                <a:solidFill>
+                  <a:srgbClr val="FFFFFF"/>
+                </a:solidFill>
+                <a:effectLst>
+                  <a:outerShdw blurRad="38100" dist="38100" dir="2700000" algn="tl">
+                    <a:srgbClr val="000000">
+                      <a:alpha val="43137"/>
+                    </a:srgbClr>
+                  </a:outerShdw>
+                </a:effectLst>
+              </a:rPr>
+              <a:t>Отваряме менюто </a:t>
+            </a:r>
+            <a:r>
+              <a:rPr lang="en-US" sz="2800" b="1" dirty="0" smtClean="0">
+                <a:solidFill>
+                  <a:schemeClr val="accent1">
+                    <a:lumMod val="60000"/>
+                    <a:lumOff val="40000"/>
+                  </a:schemeClr>
+                </a:solidFill>
+                <a:effectLst>
+                  <a:outerShdw blurRad="38100" dist="38100" dir="2700000" algn="tl">
+                    <a:srgbClr val="000000">
+                      <a:alpha val="43137"/>
+                    </a:srgbClr>
+                  </a:outerShdw>
+                </a:effectLst>
+              </a:rPr>
+              <a:t>File</a:t>
+            </a:r>
+            <a:endParaRPr lang="en-US" sz="2800" b="1" dirty="0">
+              <a:solidFill>
+                <a:schemeClr val="accent1">
+                  <a:lumMod val="60000"/>
+                  <a:lumOff val="40000"/>
+                </a:schemeClr>
+              </a:solidFill>
+              <a:effectLst>
+                <a:outerShdw blurRad="38100" dist="38100" dir="2700000" algn="tl">
+                  <a:srgbClr val="000000">
+                    <a:alpha val="43137"/>
+                  </a:srgbClr>
+                </a:outerShdw>
+              </a:effectLst>
+            </a:endParaRPr>
+          </a:p>
+        </p:txBody>
+      </p:sp>
+    </p:spTree>
+    <p:extLst>
+      <p:ext uri="{BB962C8B-B14F-4D97-AF65-F5344CB8AC3E}">
+        <p14:creationId xmlns:p14="http://schemas.microsoft.com/office/powerpoint/2010/main" val="1368238178"/>
+      </p:ext>
+    </p:extLst>
+  </p:cSld>
+  <p:clrMapOvr>
+    <a:masterClrMapping/>
+  </p:clrMapOvr>
+  <mc:AlternateContent xmlns:mc="http://schemas.openxmlformats.org/markup-compatibility/2006" xmlns:p14="http://schemas.microsoft.com/office/powerpoint/2010/main">
+    <mc:Choice Requires="p14">
+      <p:transition spd="slow" p14:dur="2000" advClick="0" advTm="5000"/>
+    </mc:Choice>
+    <mc:Fallback xmlns="">
+      <p:transition spd="slow" advClick="0" advTm="5000"/>
+    </mc:Fallback>
+  </mc:AlternateContent>
+  <p:timing>
+    <p:tnLst>
+      <p:par>
+        <p:cTn id="1" dur="indefinite" restart="never" nodeType="tmRoot">
+          <p:childTnLst>
+            <p:seq concurrent="1" nextAc="seek">
+              <p:cTn id="2" dur="indefinite" nodeType="mainSeq">
+                <p:childTnLst>
+                  <p:par>
+                    <p:cTn id="3" fill="hold">
+                      <p:stCondLst>
+                        <p:cond delay="indefinite"/>
+                      </p:stCondLst>
+                      <p:childTnLst>
+                        <p:par>
+                          <p:cTn id="4" fill="hold">
+                            <p:stCondLst>
+                              <p:cond delay="0"/>
+                            </p:stCondLst>
+                            <p:childTnLst>
+                              <p:par>
+                                <p:cTn id="5" presetID="1" presetClass="entr" presetSubtype="0" fill="hold" grpId="0" nodeType="clickEffect">
+                                  <p:stCondLst>
+                                    <p:cond delay="0"/>
+                                  </p:stCondLst>
+                                  <p:childTnLst>
+                                    <p:set>
+                                      <p:cBhvr>
+                                        <p:cTn id="6" dur="1" fill="hold">
+                                          <p:stCondLst>
+                                            <p:cond delay="0"/>
+                                          </p:stCondLst>
+                                        </p:cTn>
+                                        <p:tgtEl>
+                                          <p:spTgt spid="7"/>
+                                        </p:tgtEl>
+                                        <p:attrNameLst>
+                                          <p:attrName>style.visibility</p:attrName>
+                                        </p:attrNameLst>
+                                      </p:cBhvr>
+                                      <p:to>
+                                        <p:strVal val="visible"/>
+                                      </p:to>
+                                    </p:set>
+                                  </p:childTnLst>
+                                </p:cTn>
+                              </p:par>
+                            </p:childTnLst>
+                          </p:cTn>
+                        </p:par>
+                      </p:childTnLst>
+                    </p:cTn>
+                  </p:par>
+                </p:childTnLst>
+              </p:cTn>
+              <p:prevCondLst>
+                <p:cond evt="onPrev" delay="0">
+                  <p:tgtEl>
+                    <p:sldTgt/>
+                  </p:tgtEl>
+                </p:cond>
+              </p:prevCondLst>
+              <p:nextCondLst>
+                <p:cond evt="onNext" delay="0">
+                  <p:tgtEl>
+                    <p:sldTgt/>
+                  </p:tgtEl>
+                </p:cond>
+              </p:nextCondLst>
+            </p:seq>
+          </p:childTnLst>
+        </p:cTn>
+      </p:par>
+    </p:tnLst>
+    <p:bldLst>
+      <p:bldP spid="7" grpId="0" animBg="1"/>
+    </p:bldLst>
+  </p:timing>
+</p:sld>
+</file>
+
+<file path=ppt/slides/slide13.xml><?xml version="1.0" encoding="utf-8"?>
+<p:sld xmlns:a="http://schemas.openxmlformats.org/drawingml/2006/main" xmlns:r="http://schemas.openxmlformats.org/officeDocument/2006/relationships" xmlns:p="http://schemas.openxmlformats.org/presentationml/2006/main">
+  <p:cSld>
+    <p:spTree>
+      <p:nvGrpSpPr>
+        <p:cNvPr id="1" name=""/>
+        <p:cNvGrpSpPr/>
+        <p:nvPr/>
+      </p:nvGrpSpPr>
+      <p:grpSpPr>
+        <a:xfrm>
+          <a:off x="0" y="0"/>
+          <a:ext cx="0" cy="0"/>
+          <a:chOff x="0" y="0"/>
+          <a:chExt cx="0" cy="0"/>
+        </a:xfrm>
+      </p:grpSpPr>
+      <p:sp>
+        <p:nvSpPr>
+          <p:cNvPr id="2" name="Slide Number Placeholder 1"/>
+          <p:cNvSpPr>
+            <a:spLocks noGrp="1"/>
+          </p:cNvSpPr>
+          <p:nvPr>
+            <p:ph type="sldNum" sz="quarter" idx="5"/>
+          </p:nvPr>
+        </p:nvSpPr>
+        <p:spPr/>
+        <p:txBody>
+          <a:bodyPr/>
+          <a:lstStyle/>
+          <a:p>
+            <a:fld id="{2BF067CD-8E6B-4360-9AA8-C5DF2A48A6D1}" type="slidenum">
+              <a:rPr lang="en-US" noProof="0" smtClean="0"/>
+              <a:pPr/>
+              <a:t>13</a:t>
+            </a:fld>
+            <a:endParaRPr lang="en-US" noProof="0" dirty="0"/>
+          </a:p>
+        </p:txBody>
+      </p:sp>
+      <p:sp>
+        <p:nvSpPr>
+          <p:cNvPr id="4" name="Title 3"/>
+          <p:cNvSpPr>
+            <a:spLocks noGrp="1"/>
+          </p:cNvSpPr>
+          <p:nvPr>
+            <p:ph type="title"/>
+          </p:nvPr>
+        </p:nvSpPr>
+        <p:spPr/>
+        <p:txBody>
+          <a:bodyPr/>
+          <a:lstStyle/>
+          <a:p>
+            <a:r>
+              <a:rPr lang="bg-BG" dirty="0"/>
+              <a:t>Отпечатване на таблица</a:t>
+            </a:r>
+            <a:endParaRPr lang="en-US" dirty="0"/>
+          </a:p>
+        </p:txBody>
+      </p:sp>
+      <p:pic>
+        <p:nvPicPr>
+          <p:cNvPr id="5" name="Picture 4"/>
+          <p:cNvPicPr>
+            <a:picLocks noChangeAspect="1"/>
+          </p:cNvPicPr>
+          <p:nvPr/>
+        </p:nvPicPr>
+        <p:blipFill>
+          <a:blip r:embed="rId2"/>
+          <a:stretch>
+            <a:fillRect/>
+          </a:stretch>
+        </p:blipFill>
+        <p:spPr>
+          <a:xfrm>
+            <a:off x="1762861" y="1269000"/>
+            <a:ext cx="8666279" cy="5398794"/>
+          </a:xfrm>
+          <a:prstGeom prst="rect">
+            <a:avLst/>
+          </a:prstGeom>
+          <a:ln>
+            <a:solidFill>
+              <a:schemeClr val="bg2">
+                <a:lumMod val="75000"/>
+              </a:schemeClr>
+            </a:solidFill>
+          </a:ln>
+        </p:spPr>
+      </p:pic>
+      <p:sp>
+        <p:nvSpPr>
+          <p:cNvPr id="6" name="Rounded Rectangular Callout 5"/>
+          <p:cNvSpPr/>
+          <p:nvPr/>
+        </p:nvSpPr>
+        <p:spPr bwMode="auto">
+          <a:xfrm>
+            <a:off x="3261000" y="2259000"/>
+            <a:ext cx="2925000" cy="1125000"/>
+          </a:xfrm>
+          <a:prstGeom prst="wedgeRoundRectCallout">
+            <a:avLst>
+              <a:gd name="adj1" fmla="val -79410"/>
+              <a:gd name="adj2" fmla="val 53820"/>
+              <a:gd name="adj3" fmla="val 16667"/>
+            </a:avLst>
+          </a:prstGeom>
+          <a:solidFill>
+            <a:schemeClr val="dk2">
+              <a:alpha val="80000"/>
+            </a:schemeClr>
+          </a:solidFill>
+          <a:ln w="19050">
+            <a:solidFill>
+              <a:schemeClr val="tx1">
+                <a:lumMod val="75000"/>
+                <a:alpha val="80000"/>
+              </a:schemeClr>
+            </a:solidFill>
+          </a:ln>
+          <a:effectLst/>
+        </p:spPr>
+        <p:style>
+          <a:lnRef idx="2">
+            <a:schemeClr val="accent1">
+              <a:shade val="50000"/>
+            </a:schemeClr>
+          </a:lnRef>
+          <a:fillRef idx="1001">
+            <a:schemeClr val="dk2"/>
+          </a:fillRef>
+          <a:effectRef idx="0">
+            <a:schemeClr val="accent1"/>
+          </a:effectRef>
+          <a:fontRef idx="minor">
+            <a:schemeClr val="lt1"/>
+          </a:fontRef>
+        </p:style>
+        <p:txBody>
+          <a:bodyPr rot="0" spcFirstLastPara="0" vertOverflow="overflow" horzOverflow="overflow" vert="horz" wrap="square" lIns="91440" tIns="45720" rIns="91440" bIns="45720" numCol="1" spcCol="0" rtlCol="0" fromWordArt="0" anchor="ctr" anchorCtr="0" forceAA="0" compatLnSpc="1">
+            <a:prstTxWarp prst="textNoShape">
+              <a:avLst/>
+            </a:prstTxWarp>
+            <a:noAutofit/>
+          </a:bodyPr>
+          <a:lstStyle/>
+          <a:p>
+            <a:pPr algn="ctr"/>
+            <a:r>
+              <a:rPr lang="bg-BG" sz="2800" b="1" dirty="0" smtClean="0">
+                <a:solidFill>
+                  <a:srgbClr val="FFFFFF"/>
+                </a:solidFill>
+                <a:effectLst>
+                  <a:outerShdw blurRad="38100" dist="38100" dir="2700000" algn="tl">
+                    <a:srgbClr val="000000">
+                      <a:alpha val="43137"/>
+                    </a:srgbClr>
+                  </a:outerShdw>
+                </a:effectLst>
+              </a:rPr>
+              <a:t>Избираме командата </a:t>
+            </a:r>
+            <a:r>
+              <a:rPr lang="en-US" sz="2800" b="1" dirty="0" smtClean="0">
+                <a:solidFill>
+                  <a:schemeClr val="accent1">
+                    <a:lumMod val="60000"/>
+                    <a:lumOff val="40000"/>
+                  </a:schemeClr>
+                </a:solidFill>
+                <a:effectLst>
+                  <a:outerShdw blurRad="38100" dist="38100" dir="2700000" algn="tl">
+                    <a:srgbClr val="000000">
+                      <a:alpha val="43137"/>
+                    </a:srgbClr>
+                  </a:outerShdw>
+                </a:effectLst>
+              </a:rPr>
+              <a:t>Print</a:t>
+            </a:r>
+            <a:endParaRPr lang="en-US" sz="2800" b="1" dirty="0">
+              <a:solidFill>
+                <a:schemeClr val="accent1">
+                  <a:lumMod val="60000"/>
+                  <a:lumOff val="40000"/>
+                </a:schemeClr>
+              </a:solidFill>
+              <a:effectLst>
+                <a:outerShdw blurRad="38100" dist="38100" dir="2700000" algn="tl">
+                  <a:srgbClr val="000000">
+                    <a:alpha val="43137"/>
+                  </a:srgbClr>
+                </a:outerShdw>
+              </a:effectLst>
+            </a:endParaRPr>
+          </a:p>
+        </p:txBody>
+      </p:sp>
+    </p:spTree>
+    <p:extLst>
+      <p:ext uri="{BB962C8B-B14F-4D97-AF65-F5344CB8AC3E}">
+        <p14:creationId xmlns:p14="http://schemas.microsoft.com/office/powerpoint/2010/main" val="3602851897"/>
+      </p:ext>
+    </p:extLst>
+  </p:cSld>
+  <p:clrMapOvr>
+    <a:masterClrMapping/>
+  </p:clrMapOvr>
+  <mc:AlternateContent xmlns:mc="http://schemas.openxmlformats.org/markup-compatibility/2006" xmlns:p14="http://schemas.microsoft.com/office/powerpoint/2010/main">
+    <mc:Choice Requires="p14">
+      <p:transition spd="slow" p14:dur="2000" advClick="0" advTm="5000"/>
+    </mc:Choice>
+    <mc:Fallback xmlns="">
+      <p:transition spd="slow" advClick="0" advTm="5000"/>
+    </mc:Fallback>
+  </mc:AlternateContent>
+  <p:timing>
+    <p:tnLst>
+      <p:par>
+        <p:cTn id="1" dur="indefinite" restart="never" nodeType="tmRoot"/>
+      </p:par>
+    </p:tnLst>
+  </p:timing>
+</p:sld>
+</file>
+
+<file path=ppt/slides/slide14.xml><?xml version="1.0" encoding="utf-8"?>
+<p:sld xmlns:a="http://schemas.openxmlformats.org/drawingml/2006/main" xmlns:r="http://schemas.openxmlformats.org/officeDocument/2006/relationships" xmlns:p="http://schemas.openxmlformats.org/presentationml/2006/main">
+  <p:cSld>
+    <p:spTree>
+      <p:nvGrpSpPr>
+        <p:cNvPr id="1" name=""/>
+        <p:cNvGrpSpPr/>
+        <p:nvPr/>
+      </p:nvGrpSpPr>
+      <p:grpSpPr>
+        <a:xfrm>
+          <a:off x="0" y="0"/>
+          <a:ext cx="0" cy="0"/>
+          <a:chOff x="0" y="0"/>
+          <a:chExt cx="0" cy="0"/>
+        </a:xfrm>
+      </p:grpSpPr>
+      <p:sp>
+        <p:nvSpPr>
+          <p:cNvPr id="2" name="Slide Number Placeholder 1"/>
+          <p:cNvSpPr>
+            <a:spLocks noGrp="1"/>
+          </p:cNvSpPr>
+          <p:nvPr>
+            <p:ph type="sldNum" sz="quarter" idx="5"/>
+          </p:nvPr>
+        </p:nvSpPr>
+        <p:spPr/>
+        <p:txBody>
+          <a:bodyPr/>
+          <a:lstStyle/>
+          <a:p>
+            <a:fld id="{2BF067CD-8E6B-4360-9AA8-C5DF2A48A6D1}" type="slidenum">
+              <a:rPr lang="en-US" noProof="0" smtClean="0"/>
+              <a:pPr/>
+              <a:t>14</a:t>
+            </a:fld>
+            <a:endParaRPr lang="en-US" noProof="0" dirty="0"/>
+          </a:p>
+        </p:txBody>
+      </p:sp>
+      <p:sp>
+        <p:nvSpPr>
+          <p:cNvPr id="4" name="Title 3"/>
+          <p:cNvSpPr>
+            <a:spLocks noGrp="1"/>
+          </p:cNvSpPr>
+          <p:nvPr>
+            <p:ph type="title"/>
+          </p:nvPr>
+        </p:nvSpPr>
+        <p:spPr/>
+        <p:txBody>
+          <a:bodyPr/>
+          <a:lstStyle/>
+          <a:p>
+            <a:r>
+              <a:rPr lang="bg-BG" dirty="0"/>
+              <a:t>Отпечатване на таблица</a:t>
+            </a:r>
+            <a:endParaRPr lang="en-US" dirty="0"/>
+          </a:p>
+        </p:txBody>
+      </p:sp>
+      <p:grpSp>
+        <p:nvGrpSpPr>
+          <p:cNvPr id="7" name="Group 6"/>
+          <p:cNvGrpSpPr/>
+          <p:nvPr/>
+        </p:nvGrpSpPr>
+        <p:grpSpPr>
+          <a:xfrm>
+            <a:off x="808500" y="1404000"/>
+            <a:ext cx="10575000" cy="5277904"/>
+            <a:chOff x="808500" y="1404000"/>
+            <a:chExt cx="10575000" cy="5277904"/>
+          </a:xfrm>
+        </p:grpSpPr>
+        <p:pic>
+          <p:nvPicPr>
+            <p:cNvPr id="5" name="Picture 4"/>
+            <p:cNvPicPr>
+              <a:picLocks noChangeAspect="1"/>
+            </p:cNvPicPr>
+            <p:nvPr/>
+          </p:nvPicPr>
+          <p:blipFill>
+            <a:blip r:embed="rId2"/>
+            <a:stretch>
+              <a:fillRect/>
+            </a:stretch>
+          </p:blipFill>
+          <p:spPr>
+            <a:xfrm>
+              <a:off x="808500" y="1404000"/>
+              <a:ext cx="10575000" cy="5277904"/>
+            </a:xfrm>
+            <a:prstGeom prst="rect">
+              <a:avLst/>
+            </a:prstGeom>
+            <a:ln>
+              <a:solidFill>
+                <a:schemeClr val="bg2">
+                  <a:lumMod val="75000"/>
+                </a:schemeClr>
+              </a:solidFill>
+            </a:ln>
+          </p:spPr>
+        </p:pic>
+        <p:pic>
+          <p:nvPicPr>
+            <p:cNvPr id="6" name="Picture 5"/>
+            <p:cNvPicPr>
+              <a:picLocks noChangeAspect="1"/>
+            </p:cNvPicPr>
+            <p:nvPr/>
+          </p:nvPicPr>
+          <p:blipFill rotWithShape="1">
+            <a:blip r:embed="rId2"/>
+            <a:srcRect l="9041" t="8164" r="74731" b="12387"/>
+            <a:stretch/>
+          </p:blipFill>
+          <p:spPr>
+            <a:xfrm>
+              <a:off x="1596000" y="1404000"/>
+              <a:ext cx="2160000" cy="5277904"/>
+            </a:xfrm>
+            <a:prstGeom prst="rect">
+              <a:avLst/>
+            </a:prstGeom>
+            <a:ln>
+              <a:solidFill>
+                <a:schemeClr val="bg2">
+                  <a:lumMod val="75000"/>
+                </a:schemeClr>
+              </a:solidFill>
+            </a:ln>
+          </p:spPr>
+        </p:pic>
+      </p:grpSp>
+      <p:sp>
+        <p:nvSpPr>
+          <p:cNvPr id="8" name="Rounded Rectangular Callout 7"/>
+          <p:cNvSpPr/>
+          <p:nvPr/>
+        </p:nvSpPr>
+        <p:spPr bwMode="auto">
+          <a:xfrm>
+            <a:off x="7666735" y="1461000"/>
+            <a:ext cx="4095000" cy="1035000"/>
+          </a:xfrm>
+          <a:prstGeom prst="wedgeRoundRectCallout">
+            <a:avLst>
+              <a:gd name="adj1" fmla="val -18740"/>
+              <a:gd name="adj2" fmla="val 41333"/>
+              <a:gd name="adj3" fmla="val 16667"/>
+            </a:avLst>
+          </a:prstGeom>
+          <a:solidFill>
+            <a:schemeClr val="dk2">
+              <a:alpha val="80000"/>
+            </a:schemeClr>
+          </a:solidFill>
+          <a:ln w="19050">
+            <a:solidFill>
+              <a:schemeClr val="tx1">
+                <a:lumMod val="75000"/>
+                <a:alpha val="80000"/>
+              </a:schemeClr>
+            </a:solidFill>
+          </a:ln>
+          <a:effectLst/>
+        </p:spPr>
+        <p:style>
+          <a:lnRef idx="2">
+            <a:schemeClr val="accent1">
+              <a:shade val="50000"/>
+            </a:schemeClr>
+          </a:lnRef>
+          <a:fillRef idx="1001">
+            <a:schemeClr val="dk2"/>
+          </a:fillRef>
+          <a:effectRef idx="0">
+            <a:schemeClr val="accent1"/>
+          </a:effectRef>
+          <a:fontRef idx="minor">
+            <a:schemeClr val="lt1"/>
+          </a:fontRef>
+        </p:style>
+        <p:txBody>
+          <a:bodyPr rot="0" spcFirstLastPara="0" vertOverflow="overflow" horzOverflow="overflow" vert="horz" wrap="square" lIns="91440" tIns="45720" rIns="91440" bIns="45720" numCol="1" spcCol="0" rtlCol="0" fromWordArt="0" anchor="ctr" anchorCtr="0" forceAA="0" compatLnSpc="1">
+            <a:prstTxWarp prst="textNoShape">
+              <a:avLst/>
+            </a:prstTxWarp>
+            <a:noAutofit/>
+          </a:bodyPr>
+          <a:lstStyle/>
+          <a:p>
+            <a:pPr algn="ctr"/>
+            <a:r>
+              <a:rPr lang="bg-BG" sz="2800" b="1" dirty="0" smtClean="0">
+                <a:solidFill>
+                  <a:srgbClr val="FFFFFF"/>
+                </a:solidFill>
+                <a:effectLst>
+                  <a:outerShdw blurRad="38100" dist="38100" dir="2700000" algn="tl">
+                    <a:srgbClr val="000000">
+                      <a:alpha val="43137"/>
+                    </a:srgbClr>
+                  </a:outerShdw>
+                </a:effectLst>
+              </a:rPr>
+              <a:t>Така се отваря прозорец за принтиране</a:t>
+            </a:r>
+            <a:endParaRPr lang="en-US" sz="2800" b="1" dirty="0">
+              <a:solidFill>
+                <a:srgbClr val="FFFFFF"/>
+              </a:solidFill>
+              <a:effectLst>
+                <a:outerShdw blurRad="38100" dist="38100" dir="2700000" algn="tl">
+                  <a:srgbClr val="000000">
+                    <a:alpha val="43137"/>
+                  </a:srgbClr>
+                </a:outerShdw>
+              </a:effectLst>
+            </a:endParaRPr>
+          </a:p>
+        </p:txBody>
+      </p:sp>
+      <p:sp>
+        <p:nvSpPr>
+          <p:cNvPr id="9" name="Rounded Rectangular Callout 8"/>
+          <p:cNvSpPr/>
+          <p:nvPr/>
+        </p:nvSpPr>
+        <p:spPr bwMode="auto">
+          <a:xfrm>
+            <a:off x="7483210" y="5000104"/>
+            <a:ext cx="4307030" cy="1485000"/>
+          </a:xfrm>
+          <a:prstGeom prst="wedgeRoundRectCallout">
+            <a:avLst>
+              <a:gd name="adj1" fmla="val -25813"/>
+              <a:gd name="adj2" fmla="val -32429"/>
+              <a:gd name="adj3" fmla="val 16667"/>
+            </a:avLst>
+          </a:prstGeom>
+          <a:solidFill>
+            <a:schemeClr val="dk2">
+              <a:alpha val="80000"/>
+            </a:schemeClr>
+          </a:solidFill>
+          <a:ln w="19050">
+            <a:solidFill>
+              <a:schemeClr val="tx1">
+                <a:lumMod val="75000"/>
+                <a:alpha val="80000"/>
+              </a:schemeClr>
+            </a:solidFill>
+          </a:ln>
+          <a:effectLst/>
+        </p:spPr>
+        <p:style>
+          <a:lnRef idx="2">
+            <a:schemeClr val="accent1">
+              <a:shade val="50000"/>
+            </a:schemeClr>
+          </a:lnRef>
+          <a:fillRef idx="1001">
+            <a:schemeClr val="dk2"/>
+          </a:fillRef>
+          <a:effectRef idx="0">
+            <a:schemeClr val="accent1"/>
+          </a:effectRef>
+          <a:fontRef idx="minor">
+            <a:schemeClr val="lt1"/>
+          </a:fontRef>
+        </p:style>
+        <p:txBody>
+          <a:bodyPr rot="0" spcFirstLastPara="0" vertOverflow="overflow" horzOverflow="overflow" vert="horz" wrap="square" lIns="91440" tIns="45720" rIns="91440" bIns="45720" numCol="1" spcCol="0" rtlCol="0" fromWordArt="0" anchor="ctr" anchorCtr="0" forceAA="0" compatLnSpc="1">
+            <a:prstTxWarp prst="textNoShape">
+              <a:avLst/>
+            </a:prstTxWarp>
+            <a:noAutofit/>
+          </a:bodyPr>
+          <a:lstStyle/>
+          <a:p>
+            <a:pPr algn="ctr"/>
+            <a:r>
+              <a:rPr lang="bg-BG" sz="2800" b="1" dirty="0" smtClean="0">
+                <a:solidFill>
+                  <a:srgbClr val="FFFFFF"/>
+                </a:solidFill>
+                <a:effectLst>
+                  <a:outerShdw blurRad="38100" dist="38100" dir="2700000" algn="tl">
+                    <a:srgbClr val="000000">
+                      <a:alpha val="43137"/>
+                    </a:srgbClr>
+                  </a:outerShdw>
+                </a:effectLst>
+              </a:rPr>
+              <a:t>Дясната част показва как ще изглежда таблицата </a:t>
+            </a:r>
+            <a:r>
+              <a:rPr lang="bg-BG" sz="2800" b="1" dirty="0">
+                <a:solidFill>
+                  <a:srgbClr val="FFFFFF"/>
+                </a:solidFill>
+                <a:effectLst>
+                  <a:outerShdw blurRad="38100" dist="38100" dir="2700000" algn="tl">
+                    <a:srgbClr val="000000">
+                      <a:alpha val="43137"/>
+                    </a:srgbClr>
+                  </a:outerShdw>
+                </a:effectLst>
+              </a:rPr>
+              <a:t>след отпечатването ѝ</a:t>
+            </a:r>
+            <a:endParaRPr lang="en-US" sz="2800" b="1" dirty="0">
+              <a:solidFill>
+                <a:srgbClr val="FFFFFF"/>
+              </a:solidFill>
+              <a:effectLst>
+                <a:outerShdw blurRad="38100" dist="38100" dir="2700000" algn="tl">
+                  <a:srgbClr val="000000">
+                    <a:alpha val="43137"/>
+                  </a:srgbClr>
+                </a:outerShdw>
+              </a:effectLst>
+            </a:endParaRPr>
+          </a:p>
+        </p:txBody>
+      </p:sp>
+      <p:sp>
+        <p:nvSpPr>
+          <p:cNvPr id="10" name="Rounded Rectangular Callout 9"/>
+          <p:cNvSpPr/>
+          <p:nvPr/>
+        </p:nvSpPr>
+        <p:spPr bwMode="auto">
+          <a:xfrm>
+            <a:off x="4026000" y="1629000"/>
+            <a:ext cx="2835000" cy="639596"/>
+          </a:xfrm>
+          <a:prstGeom prst="wedgeRoundRectCallout">
+            <a:avLst>
+              <a:gd name="adj1" fmla="val -65182"/>
+              <a:gd name="adj2" fmla="val 10906"/>
+              <a:gd name="adj3" fmla="val 16667"/>
+            </a:avLst>
+          </a:prstGeom>
+          <a:solidFill>
+            <a:schemeClr val="dk2">
+              <a:alpha val="80000"/>
+            </a:schemeClr>
+          </a:solidFill>
+          <a:ln w="19050">
+            <a:solidFill>
+              <a:schemeClr val="tx1">
+                <a:lumMod val="75000"/>
+                <a:alpha val="80000"/>
+              </a:schemeClr>
+            </a:solidFill>
+          </a:ln>
+          <a:effectLst/>
+        </p:spPr>
+        <p:style>
+          <a:lnRef idx="2">
+            <a:schemeClr val="accent1">
+              <a:shade val="50000"/>
+            </a:schemeClr>
+          </a:lnRef>
+          <a:fillRef idx="1001">
+            <a:schemeClr val="dk2"/>
+          </a:fillRef>
+          <a:effectRef idx="0">
+            <a:schemeClr val="accent1"/>
+          </a:effectRef>
+          <a:fontRef idx="minor">
+            <a:schemeClr val="lt1"/>
+          </a:fontRef>
+        </p:style>
+        <p:txBody>
+          <a:bodyPr rot="0" spcFirstLastPara="0" vertOverflow="overflow" horzOverflow="overflow" vert="horz" wrap="square" lIns="91440" tIns="45720" rIns="91440" bIns="45720" numCol="1" spcCol="0" rtlCol="0" fromWordArt="0" anchor="ctr" anchorCtr="0" forceAA="0" compatLnSpc="1">
+            <a:prstTxWarp prst="textNoShape">
+              <a:avLst/>
+            </a:prstTxWarp>
+            <a:noAutofit/>
+          </a:bodyPr>
+          <a:lstStyle/>
+          <a:p>
+            <a:pPr algn="ctr"/>
+            <a:r>
+              <a:rPr lang="bg-BG" sz="2800" b="1" dirty="0" smtClean="0">
+                <a:solidFill>
+                  <a:srgbClr val="FFFFFF"/>
+                </a:solidFill>
+                <a:effectLst>
+                  <a:outerShdw blurRad="38100" dist="38100" dir="2700000" algn="tl">
+                    <a:srgbClr val="000000">
+                      <a:alpha val="43137"/>
+                    </a:srgbClr>
+                  </a:outerShdw>
+                </a:effectLst>
+              </a:rPr>
+              <a:t>Броя на копията</a:t>
+            </a:r>
+            <a:endParaRPr lang="en-US" sz="2800" b="1" dirty="0">
+              <a:solidFill>
+                <a:srgbClr val="FFFFFF"/>
+              </a:solidFill>
+              <a:effectLst>
+                <a:outerShdw blurRad="38100" dist="38100" dir="2700000" algn="tl">
+                  <a:srgbClr val="000000">
+                    <a:alpha val="43137"/>
+                  </a:srgbClr>
+                </a:outerShdw>
+              </a:effectLst>
+            </a:endParaRPr>
+          </a:p>
+        </p:txBody>
+      </p:sp>
+      <p:sp>
+        <p:nvSpPr>
+          <p:cNvPr id="11" name="Rounded Rectangular Callout 10"/>
+          <p:cNvSpPr/>
+          <p:nvPr/>
+        </p:nvSpPr>
+        <p:spPr bwMode="auto">
+          <a:xfrm>
+            <a:off x="3936000" y="2844000"/>
+            <a:ext cx="3510000" cy="1035000"/>
+          </a:xfrm>
+          <a:prstGeom prst="wedgeRoundRectCallout">
+            <a:avLst>
+              <a:gd name="adj1" fmla="val -57039"/>
+              <a:gd name="adj2" fmla="val -22167"/>
+              <a:gd name="adj3" fmla="val 16667"/>
+            </a:avLst>
+          </a:prstGeom>
+          <a:solidFill>
+            <a:schemeClr val="dk2">
+              <a:alpha val="80000"/>
+            </a:schemeClr>
+          </a:solidFill>
+          <a:ln w="19050">
+            <a:solidFill>
+              <a:schemeClr val="tx1">
+                <a:lumMod val="75000"/>
+                <a:alpha val="80000"/>
+              </a:schemeClr>
+            </a:solidFill>
+          </a:ln>
+          <a:effectLst/>
+        </p:spPr>
+        <p:style>
+          <a:lnRef idx="2">
+            <a:schemeClr val="accent1">
+              <a:shade val="50000"/>
+            </a:schemeClr>
+          </a:lnRef>
+          <a:fillRef idx="1001">
+            <a:schemeClr val="dk2"/>
+          </a:fillRef>
+          <a:effectRef idx="0">
+            <a:schemeClr val="accent1"/>
+          </a:effectRef>
+          <a:fontRef idx="minor">
+            <a:schemeClr val="lt1"/>
+          </a:fontRef>
+        </p:style>
+        <p:txBody>
+          <a:bodyPr rot="0" spcFirstLastPara="0" vertOverflow="overflow" horzOverflow="overflow" vert="horz" wrap="square" lIns="91440" tIns="45720" rIns="91440" bIns="45720" numCol="1" spcCol="0" rtlCol="0" fromWordArt="0" anchor="ctr" anchorCtr="0" forceAA="0" compatLnSpc="1">
+            <a:prstTxWarp prst="textNoShape">
+              <a:avLst/>
+            </a:prstTxWarp>
+            <a:noAutofit/>
+          </a:bodyPr>
+          <a:lstStyle/>
+          <a:p>
+            <a:pPr algn="ctr"/>
+            <a:r>
+              <a:rPr lang="bg-BG" sz="2800" b="1" dirty="0" smtClean="0">
+                <a:solidFill>
+                  <a:srgbClr val="FFFFFF"/>
+                </a:solidFill>
+                <a:effectLst>
+                  <a:outerShdw blurRad="38100" dist="38100" dir="2700000" algn="tl">
+                    <a:srgbClr val="000000">
+                      <a:alpha val="43137"/>
+                    </a:srgbClr>
+                  </a:outerShdw>
+                </a:effectLst>
+              </a:rPr>
+              <a:t>Принтерът, който ще отпечата таблицата</a:t>
+            </a:r>
+            <a:endParaRPr lang="en-US" sz="2800" b="1" dirty="0">
+              <a:solidFill>
+                <a:srgbClr val="FFFFFF"/>
+              </a:solidFill>
+              <a:effectLst>
+                <a:outerShdw blurRad="38100" dist="38100" dir="2700000" algn="tl">
+                  <a:srgbClr val="000000">
+                    <a:alpha val="43137"/>
+                  </a:srgbClr>
+                </a:outerShdw>
+              </a:effectLst>
+            </a:endParaRPr>
+          </a:p>
+        </p:txBody>
+      </p:sp>
+      <p:sp>
+        <p:nvSpPr>
+          <p:cNvPr id="13" name="Rectangle 12"/>
+          <p:cNvSpPr/>
+          <p:nvPr/>
+        </p:nvSpPr>
+        <p:spPr bwMode="auto">
+          <a:xfrm>
+            <a:off x="1596000" y="3519000"/>
+            <a:ext cx="2160000" cy="3162904"/>
+          </a:xfrm>
+          <a:prstGeom prst="rect">
+            <a:avLst/>
+          </a:prstGeom>
+          <a:noFill/>
+          <a:ln w="38100">
+            <a:solidFill>
+              <a:schemeClr val="tx1">
+                <a:lumMod val="75000"/>
+                <a:alpha val="80000"/>
+              </a:schemeClr>
+            </a:solidFill>
+          </a:ln>
+          <a:effectLst/>
+        </p:spPr>
+        <p:style>
+          <a:lnRef idx="2">
+            <a:schemeClr val="accent1">
+              <a:shade val="50000"/>
+            </a:schemeClr>
+          </a:lnRef>
+          <a:fillRef idx="1001">
+            <a:schemeClr val="dk2"/>
+          </a:fillRef>
+          <a:effectRef idx="0">
+            <a:schemeClr val="accent1"/>
+          </a:effectRef>
+          <a:fontRef idx="minor">
+            <a:schemeClr val="lt1"/>
+          </a:fontRef>
+        </p:style>
+        <p:txBody>
+          <a:bodyPr rot="0" spcFirstLastPara="0" vertOverflow="overflow" horzOverflow="overflow" vert="horz" wrap="square" lIns="91440" tIns="45720" rIns="91440" bIns="45720" numCol="1" spcCol="0" rtlCol="0" fromWordArt="0" anchor="ctr" anchorCtr="0" forceAA="0" compatLnSpc="1">
+            <a:prstTxWarp prst="textNoShape">
+              <a:avLst/>
+            </a:prstTxWarp>
+            <a:noAutofit/>
+          </a:bodyPr>
+          <a:lstStyle/>
+          <a:p>
+            <a:pPr algn="ctr"/>
+            <a:endParaRPr lang="en-US" sz="2800" b="1" dirty="0">
+              <a:solidFill>
+                <a:srgbClr val="FFFFFF"/>
+              </a:solidFill>
+              <a:effectLst>
+                <a:outerShdw blurRad="38100" dist="38100" dir="2700000" algn="tl">
+                  <a:srgbClr val="000000">
+                    <a:alpha val="43137"/>
+                  </a:srgbClr>
+                </a:outerShdw>
+              </a:effectLst>
+            </a:endParaRPr>
+          </a:p>
+        </p:txBody>
+      </p:sp>
+      <p:sp>
+        <p:nvSpPr>
+          <p:cNvPr id="14" name="Rounded Rectangular Callout 13"/>
+          <p:cNvSpPr/>
+          <p:nvPr/>
+        </p:nvSpPr>
+        <p:spPr bwMode="auto">
+          <a:xfrm>
+            <a:off x="4185490" y="4454404"/>
+            <a:ext cx="3326020" cy="646048"/>
+          </a:xfrm>
+          <a:prstGeom prst="wedgeRoundRectCallout">
+            <a:avLst>
+              <a:gd name="adj1" fmla="val -60189"/>
+              <a:gd name="adj2" fmla="val 50076"/>
+              <a:gd name="adj3" fmla="val 16667"/>
+            </a:avLst>
+          </a:prstGeom>
+          <a:solidFill>
+            <a:schemeClr val="dk2">
+              <a:alpha val="80000"/>
+            </a:schemeClr>
+          </a:solidFill>
+          <a:ln w="19050">
+            <a:solidFill>
+              <a:schemeClr val="tx1">
+                <a:lumMod val="75000"/>
+                <a:alpha val="80000"/>
+              </a:schemeClr>
+            </a:solidFill>
+          </a:ln>
+          <a:effectLst/>
+        </p:spPr>
+        <p:style>
+          <a:lnRef idx="2">
+            <a:schemeClr val="accent1">
+              <a:shade val="50000"/>
+            </a:schemeClr>
+          </a:lnRef>
+          <a:fillRef idx="1001">
+            <a:schemeClr val="dk2"/>
+          </a:fillRef>
+          <a:effectRef idx="0">
+            <a:schemeClr val="accent1"/>
+          </a:effectRef>
+          <a:fontRef idx="minor">
+            <a:schemeClr val="lt1"/>
+          </a:fontRef>
+        </p:style>
+        <p:txBody>
+          <a:bodyPr rot="0" spcFirstLastPara="0" vertOverflow="overflow" horzOverflow="overflow" vert="horz" wrap="square" lIns="91440" tIns="45720" rIns="91440" bIns="45720" numCol="1" spcCol="0" rtlCol="0" fromWordArt="0" anchor="ctr" anchorCtr="0" forceAA="0" compatLnSpc="1">
+            <a:prstTxWarp prst="textNoShape">
+              <a:avLst/>
+            </a:prstTxWarp>
+            <a:noAutofit/>
+          </a:bodyPr>
+          <a:lstStyle/>
+          <a:p>
+            <a:pPr algn="ctr"/>
+            <a:r>
+              <a:rPr lang="bg-BG" sz="2800" b="1" dirty="0" smtClean="0">
+                <a:solidFill>
+                  <a:srgbClr val="FFFFFF"/>
+                </a:solidFill>
+                <a:effectLst>
+                  <a:outerShdw blurRad="38100" dist="38100" dir="2700000" algn="tl">
+                    <a:srgbClr val="000000">
+                      <a:alpha val="43137"/>
+                    </a:srgbClr>
+                  </a:outerShdw>
+                </a:effectLst>
+              </a:rPr>
+              <a:t>Настройки за печат</a:t>
+            </a:r>
+            <a:endParaRPr lang="en-US" sz="2800" b="1" dirty="0">
+              <a:solidFill>
+                <a:srgbClr val="FFFFFF"/>
+              </a:solidFill>
+              <a:effectLst>
+                <a:outerShdw blurRad="38100" dist="38100" dir="2700000" algn="tl">
+                  <a:srgbClr val="000000">
+                    <a:alpha val="43137"/>
+                  </a:srgbClr>
+                </a:outerShdw>
+              </a:effectLst>
+            </a:endParaRPr>
+          </a:p>
+        </p:txBody>
+      </p:sp>
+    </p:spTree>
+    <p:extLst>
+      <p:ext uri="{BB962C8B-B14F-4D97-AF65-F5344CB8AC3E}">
+        <p14:creationId xmlns:p14="http://schemas.microsoft.com/office/powerpoint/2010/main" val="538626939"/>
+      </p:ext>
+    </p:extLst>
+  </p:cSld>
+  <p:clrMapOvr>
+    <a:masterClrMapping/>
+  </p:clrMapOvr>
+  <mc:AlternateContent xmlns:mc="http://schemas.openxmlformats.org/markup-compatibility/2006" xmlns:p14="http://schemas.microsoft.com/office/powerpoint/2010/main">
+    <mc:Choice Requires="p14">
+      <p:transition spd="slow" p14:dur="2000" advClick="0" advTm="5000"/>
+    </mc:Choice>
+    <mc:Fallback xmlns="">
+      <p:transition spd="slow" advClick="0" advTm="5000"/>
+    </mc:Fallback>
+  </mc:AlternateContent>
+  <p:timing>
+    <p:tnLst>
+      <p:par>
+        <p:cTn id="1" dur="indefinite" restart="never" nodeType="tmRoot">
+          <p:childTnLst>
+            <p:seq concurrent="1" nextAc="seek">
+              <p:cTn id="2" dur="indefinite" nodeType="mainSeq">
+                <p:childTnLst>
+                  <p:par>
+                    <p:cTn id="3" fill="hold">
+                      <p:stCondLst>
+                        <p:cond delay="indefinite"/>
+                      </p:stCondLst>
+                      <p:childTnLst>
+                        <p:par>
+                          <p:cTn id="4" fill="hold">
+                            <p:stCondLst>
+                              <p:cond delay="0"/>
+                            </p:stCondLst>
+                            <p:childTnLst>
+                              <p:par>
+                                <p:cTn id="5" presetID="1" presetClass="entr" presetSubtype="0" fill="hold" grpId="0" nodeType="clickEffect">
+                                  <p:stCondLst>
+                                    <p:cond delay="0"/>
+                                  </p:stCondLst>
+                                  <p:childTnLst>
+                                    <p:set>
+                                      <p:cBhvr>
+                                        <p:cTn id="6" dur="1" fill="hold">
+                                          <p:stCondLst>
+                                            <p:cond delay="0"/>
+                                          </p:stCondLst>
+                                        </p:cTn>
+                                        <p:tgtEl>
+                                          <p:spTgt spid="8"/>
+                                        </p:tgtEl>
+                                        <p:attrNameLst>
+                                          <p:attrName>style.visibility</p:attrName>
+                                        </p:attrNameLst>
+                                      </p:cBhvr>
+                                      <p:to>
+                                        <p:strVal val="visible"/>
+                                      </p:to>
+                                    </p:set>
+                                  </p:childTnLst>
+                                </p:cTn>
+                              </p:par>
+                            </p:childTnLst>
+                          </p:cTn>
+                        </p:par>
+                      </p:childTnLst>
+                    </p:cTn>
+                  </p:par>
+                  <p:par>
+                    <p:cTn id="7" fill="hold">
+                      <p:stCondLst>
+                        <p:cond delay="indefinite"/>
+                      </p:stCondLst>
+                      <p:childTnLst>
+                        <p:par>
+                          <p:cTn id="8" fill="hold">
+                            <p:stCondLst>
+                              <p:cond delay="0"/>
+                            </p:stCondLst>
+                            <p:childTnLst>
+                              <p:par>
+                                <p:cTn id="9" presetID="1" presetClass="entr" presetSubtype="0" fill="hold" grpId="0" nodeType="clickEffect">
+                                  <p:stCondLst>
+                                    <p:cond delay="0"/>
+                                  </p:stCondLst>
+                                  <p:childTnLst>
+                                    <p:set>
+                                      <p:cBhvr>
+                                        <p:cTn id="10" dur="1" fill="hold">
+                                          <p:stCondLst>
+                                            <p:cond delay="0"/>
+                                          </p:stCondLst>
+                                        </p:cTn>
+                                        <p:tgtEl>
+                                          <p:spTgt spid="9"/>
+                                        </p:tgtEl>
+                                        <p:attrNameLst>
+                                          <p:attrName>style.visibility</p:attrName>
+                                        </p:attrNameLst>
+                                      </p:cBhvr>
+                                      <p:to>
+                                        <p:strVal val="visible"/>
+                                      </p:to>
+                                    </p:set>
+                                  </p:childTnLst>
+                                </p:cTn>
+                              </p:par>
+                            </p:childTnLst>
+                          </p:cTn>
+                        </p:par>
+                      </p:childTnLst>
+                    </p:cTn>
+                  </p:par>
+                  <p:par>
+                    <p:cTn id="11" fill="hold">
+                      <p:stCondLst>
+                        <p:cond delay="indefinite"/>
+                      </p:stCondLst>
+                      <p:childTnLst>
+                        <p:par>
+                          <p:cTn id="12" fill="hold">
+                            <p:stCondLst>
+                              <p:cond delay="0"/>
+                            </p:stCondLst>
+                            <p:childTnLst>
+                              <p:par>
+                                <p:cTn id="13" presetID="1" presetClass="entr" presetSubtype="0" fill="hold" grpId="0" nodeType="clickEffect">
+                                  <p:stCondLst>
+                                    <p:cond delay="0"/>
+                                  </p:stCondLst>
+                                  <p:childTnLst>
+                                    <p:set>
+                                      <p:cBhvr>
+                                        <p:cTn id="14" dur="1" fill="hold">
+                                          <p:stCondLst>
+                                            <p:cond delay="0"/>
+                                          </p:stCondLst>
+                                        </p:cTn>
+                                        <p:tgtEl>
+                                          <p:spTgt spid="10"/>
+                                        </p:tgtEl>
+                                        <p:attrNameLst>
+                                          <p:attrName>style.visibility</p:attrName>
+                                        </p:attrNameLst>
+                                      </p:cBhvr>
+                                      <p:to>
+                                        <p:strVal val="visible"/>
+                                      </p:to>
+                                    </p:set>
+                                  </p:childTnLst>
+                                </p:cTn>
+                              </p:par>
+                            </p:childTnLst>
+                          </p:cTn>
+                        </p:par>
+                      </p:childTnLst>
+                    </p:cTn>
+                  </p:par>
+                  <p:par>
+                    <p:cTn id="15" fill="hold">
+                      <p:stCondLst>
+                        <p:cond delay="indefinite"/>
+                      </p:stCondLst>
+                      <p:childTnLst>
+                        <p:par>
+                          <p:cTn id="16" fill="hold">
+                            <p:stCondLst>
+                              <p:cond delay="0"/>
+                            </p:stCondLst>
+                            <p:childTnLst>
+                              <p:par>
+                                <p:cTn id="17" presetID="1" presetClass="entr" presetSubtype="0" fill="hold" grpId="0" nodeType="clickEffect">
+                                  <p:stCondLst>
+                                    <p:cond delay="0"/>
+                                  </p:stCondLst>
+                                  <p:childTnLst>
+                                    <p:set>
+                                      <p:cBhvr>
+                                        <p:cTn id="18" dur="1" fill="hold">
+                                          <p:stCondLst>
+                                            <p:cond delay="0"/>
+                                          </p:stCondLst>
+                                        </p:cTn>
+                                        <p:tgtEl>
+                                          <p:spTgt spid="11"/>
+                                        </p:tgtEl>
+                                        <p:attrNameLst>
+                                          <p:attrName>style.visibility</p:attrName>
+                                        </p:attrNameLst>
+                                      </p:cBhvr>
+                                      <p:to>
+                                        <p:strVal val="visible"/>
+                                      </p:to>
+                                    </p:set>
+                                  </p:childTnLst>
+                                </p:cTn>
+                              </p:par>
+                            </p:childTnLst>
+                          </p:cTn>
+                        </p:par>
+                      </p:childTnLst>
+                    </p:cTn>
+                  </p:par>
+                  <p:par>
+                    <p:cTn id="19" fill="hold">
+                      <p:stCondLst>
+                        <p:cond delay="indefinite"/>
+                      </p:stCondLst>
+                      <p:childTnLst>
+                        <p:par>
+                          <p:cTn id="20" fill="hold">
+                            <p:stCondLst>
+                              <p:cond delay="0"/>
+                            </p:stCondLst>
+                            <p:childTnLst>
+                              <p:par>
+                                <p:cTn id="21" presetID="1" presetClass="entr" presetSubtype="0" fill="hold" grpId="0" nodeType="clickEffect">
+                                  <p:stCondLst>
+                                    <p:cond delay="0"/>
+                                  </p:stCondLst>
+                                  <p:childTnLst>
+                                    <p:set>
+                                      <p:cBhvr>
+                                        <p:cTn id="22" dur="1" fill="hold">
+                                          <p:stCondLst>
+                                            <p:cond delay="0"/>
+                                          </p:stCondLst>
+                                        </p:cTn>
+                                        <p:tgtEl>
+                                          <p:spTgt spid="13"/>
+                                        </p:tgtEl>
+                                        <p:attrNameLst>
+                                          <p:attrName>style.visibility</p:attrName>
+                                        </p:attrNameLst>
+                                      </p:cBhvr>
+                                      <p:to>
+                                        <p:strVal val="visible"/>
+                                      </p:to>
+                                    </p:set>
+                                  </p:childTnLst>
+                                </p:cTn>
+                              </p:par>
+                            </p:childTnLst>
+                          </p:cTn>
+                        </p:par>
+                      </p:childTnLst>
+                    </p:cTn>
+                  </p:par>
+                  <p:par>
+                    <p:cTn id="23" fill="hold">
+                      <p:stCondLst>
+                        <p:cond delay="indefinite"/>
+                      </p:stCondLst>
+                      <p:childTnLst>
+                        <p:par>
+                          <p:cTn id="24" fill="hold">
+                            <p:stCondLst>
+                              <p:cond delay="0"/>
+                            </p:stCondLst>
+                            <p:childTnLst>
+                              <p:par>
+                                <p:cTn id="25" presetID="1" presetClass="entr" presetSubtype="0" fill="hold" grpId="0" nodeType="clickEffect">
+                                  <p:stCondLst>
+                                    <p:cond delay="0"/>
+                                  </p:stCondLst>
+                                  <p:childTnLst>
+                                    <p:set>
+                                      <p:cBhvr>
+                                        <p:cTn id="26" dur="1" fill="hold">
+                                          <p:stCondLst>
+                                            <p:cond delay="0"/>
+                                          </p:stCondLst>
+                                        </p:cTn>
+                                        <p:tgtEl>
+                                          <p:spTgt spid="14"/>
+                                        </p:tgtEl>
+                                        <p:attrNameLst>
+                                          <p:attrName>style.visibility</p:attrName>
+                                        </p:attrNameLst>
+                                      </p:cBhvr>
+                                      <p:to>
+                                        <p:strVal val="visible"/>
+                                      </p:to>
+                                    </p:set>
+                                  </p:childTnLst>
+                                </p:cTn>
+                              </p:par>
+                            </p:childTnLst>
+                          </p:cTn>
+                        </p:par>
+                      </p:childTnLst>
+                    </p:cTn>
+                  </p:par>
+                </p:childTnLst>
+              </p:cTn>
+              <p:prevCondLst>
+                <p:cond evt="onPrev" delay="0">
+                  <p:tgtEl>
+                    <p:sldTgt/>
+                  </p:tgtEl>
+                </p:cond>
+              </p:prevCondLst>
+              <p:nextCondLst>
+                <p:cond evt="onNext" delay="0">
+                  <p:tgtEl>
+                    <p:sldTgt/>
+                  </p:tgtEl>
+                </p:cond>
+              </p:nextCondLst>
+            </p:seq>
+          </p:childTnLst>
+        </p:cTn>
+      </p:par>
+    </p:tnLst>
+    <p:bldLst>
+      <p:bldP spid="8" grpId="0" animBg="1"/>
+      <p:bldP spid="9" grpId="0" animBg="1"/>
+      <p:bldP spid="10" grpId="0" animBg="1"/>
+      <p:bldP spid="11" grpId="0" animBg="1"/>
+      <p:bldP spid="13" grpId="0" animBg="1"/>
+      <p:bldP spid="14" grpId="0" animBg="1"/>
+    </p:bldLst>
+  </p:timing>
+</p:sld>
+</file>
+
+<file path=ppt/slides/slide15.xml><?xml version="1.0" encoding="utf-8"?>
+<p:sld xmlns:a="http://schemas.openxmlformats.org/drawingml/2006/main" xmlns:r="http://schemas.openxmlformats.org/officeDocument/2006/relationships" xmlns:p="http://schemas.openxmlformats.org/presentationml/2006/main">
+  <p:cSld>
+    <p:spTree>
+      <p:nvGrpSpPr>
+        <p:cNvPr id="1" name=""/>
+        <p:cNvGrpSpPr/>
+        <p:nvPr/>
+      </p:nvGrpSpPr>
+      <p:grpSpPr>
+        <a:xfrm>
+          <a:off x="0" y="0"/>
+          <a:ext cx="0" cy="0"/>
+          <a:chOff x="0" y="0"/>
+          <a:chExt cx="0" cy="0"/>
+        </a:xfrm>
+      </p:grpSpPr>
+      <p:sp>
+        <p:nvSpPr>
+          <p:cNvPr id="2" name="Slide Number Placeholder 1"/>
+          <p:cNvSpPr>
+            <a:spLocks noGrp="1"/>
+          </p:cNvSpPr>
+          <p:nvPr>
+            <p:ph type="sldNum" sz="quarter" idx="5"/>
+          </p:nvPr>
+        </p:nvSpPr>
+        <p:spPr/>
+        <p:txBody>
+          <a:bodyPr/>
+          <a:lstStyle/>
+          <a:p>
+            <a:fld id="{2BF067CD-8E6B-4360-9AA8-C5DF2A48A6D1}" type="slidenum">
+              <a:rPr lang="en-US" noProof="0" smtClean="0"/>
+              <a:pPr/>
+              <a:t>15</a:t>
+            </a:fld>
+            <a:endParaRPr lang="en-US" noProof="0" dirty="0"/>
+          </a:p>
+        </p:txBody>
+      </p:sp>
+      <p:sp>
+        <p:nvSpPr>
+          <p:cNvPr id="4" name="Title 3"/>
+          <p:cNvSpPr>
+            <a:spLocks noGrp="1"/>
+          </p:cNvSpPr>
+          <p:nvPr>
+            <p:ph type="title"/>
+          </p:nvPr>
+        </p:nvSpPr>
+        <p:spPr>
+          <a:xfrm>
+            <a:off x="190402" y="99000"/>
+            <a:ext cx="10270594" cy="882654"/>
+          </a:xfrm>
+        </p:spPr>
+        <p:txBody>
+          <a:bodyPr/>
+          <a:lstStyle/>
+          <a:p>
+            <a:r>
+              <a:rPr lang="bg-BG" dirty="0" smtClean="0"/>
+              <a:t>Настройки за печат </a:t>
+            </a:r>
+            <a:endParaRPr lang="en-US" dirty="0"/>
+          </a:p>
+        </p:txBody>
+      </p:sp>
+      <p:pic>
+        <p:nvPicPr>
+          <p:cNvPr id="5" name="Picture 4"/>
+          <p:cNvPicPr>
+            <a:picLocks noChangeAspect="1"/>
+          </p:cNvPicPr>
+          <p:nvPr/>
+        </p:nvPicPr>
+        <p:blipFill>
+          <a:blip r:embed="rId2"/>
+          <a:stretch>
+            <a:fillRect/>
+          </a:stretch>
+        </p:blipFill>
+        <p:spPr>
+          <a:xfrm>
+            <a:off x="1191000" y="1373428"/>
+            <a:ext cx="3240000" cy="5126747"/>
+          </a:xfrm>
+          <a:prstGeom prst="rect">
+            <a:avLst/>
+          </a:prstGeom>
+          <a:ln>
+            <a:solidFill>
+              <a:schemeClr val="bg2">
+                <a:lumMod val="75000"/>
+              </a:schemeClr>
+            </a:solidFill>
+          </a:ln>
+        </p:spPr>
+      </p:pic>
+      <p:pic>
+        <p:nvPicPr>
+          <p:cNvPr id="6" name="Picture 5"/>
+          <p:cNvPicPr>
+            <a:picLocks noChangeAspect="1"/>
+          </p:cNvPicPr>
+          <p:nvPr/>
+        </p:nvPicPr>
+        <p:blipFill rotWithShape="1">
+          <a:blip r:embed="rId3"/>
+          <a:srcRect t="21040"/>
+          <a:stretch/>
+        </p:blipFill>
+        <p:spPr>
+          <a:xfrm>
+            <a:off x="6186000" y="2934000"/>
+            <a:ext cx="4095000" cy="2871078"/>
+          </a:xfrm>
+          <a:prstGeom prst="rect">
+            <a:avLst/>
+          </a:prstGeom>
+        </p:spPr>
+      </p:pic>
+      <p:sp>
+        <p:nvSpPr>
+          <p:cNvPr id="7" name="Rectangle 6"/>
+          <p:cNvSpPr/>
+          <p:nvPr/>
+        </p:nvSpPr>
+        <p:spPr bwMode="auto">
+          <a:xfrm>
+            <a:off x="1271475" y="1764000"/>
+            <a:ext cx="3060000" cy="630000"/>
+          </a:xfrm>
+          <a:prstGeom prst="rect">
+            <a:avLst/>
+          </a:prstGeom>
+          <a:noFill/>
+          <a:ln w="38100">
+            <a:solidFill>
+              <a:schemeClr val="tx1">
+                <a:lumMod val="75000"/>
+                <a:alpha val="80000"/>
+              </a:schemeClr>
+            </a:solidFill>
+          </a:ln>
+          <a:effectLst/>
+        </p:spPr>
+        <p:style>
+          <a:lnRef idx="2">
+            <a:schemeClr val="accent1">
+              <a:shade val="50000"/>
+            </a:schemeClr>
+          </a:lnRef>
+          <a:fillRef idx="1001">
+            <a:schemeClr val="dk2"/>
+          </a:fillRef>
+          <a:effectRef idx="0">
+            <a:schemeClr val="accent1"/>
+          </a:effectRef>
+          <a:fontRef idx="minor">
+            <a:schemeClr val="lt1"/>
+          </a:fontRef>
+        </p:style>
+        <p:txBody>
+          <a:bodyPr rot="0" spcFirstLastPara="0" vertOverflow="overflow" horzOverflow="overflow" vert="horz" wrap="square" lIns="91440" tIns="45720" rIns="91440" bIns="45720" numCol="1" spcCol="0" rtlCol="0" fromWordArt="0" anchor="ctr" anchorCtr="0" forceAA="0" compatLnSpc="1">
+            <a:prstTxWarp prst="textNoShape">
+              <a:avLst/>
+            </a:prstTxWarp>
+            <a:noAutofit/>
+          </a:bodyPr>
+          <a:lstStyle/>
+          <a:p>
+            <a:pPr algn="ctr"/>
+            <a:endParaRPr lang="en-US" sz="2800" b="1" dirty="0">
+              <a:solidFill>
+                <a:srgbClr val="FFFFFF"/>
+              </a:solidFill>
+              <a:effectLst>
+                <a:outerShdw blurRad="38100" dist="38100" dir="2700000" algn="tl">
+                  <a:srgbClr val="000000">
+                    <a:alpha val="43137"/>
+                  </a:srgbClr>
+                </a:outerShdw>
+              </a:effectLst>
+            </a:endParaRPr>
+          </a:p>
+        </p:txBody>
+      </p:sp>
+      <p:cxnSp>
+        <p:nvCxnSpPr>
+          <p:cNvPr id="9" name="Straight Arrow Connector 8"/>
+          <p:cNvCxnSpPr/>
+          <p:nvPr/>
+        </p:nvCxnSpPr>
+        <p:spPr>
+          <a:xfrm>
+            <a:off x="4321575" y="2522641"/>
+            <a:ext cx="1684425" cy="996359"/>
+          </a:xfrm>
+          <a:prstGeom prst="straightConnector1">
+            <a:avLst/>
+          </a:prstGeom>
+          <a:ln w="76200">
+            <a:tailEnd type="triangle"/>
+          </a:ln>
+        </p:spPr>
+        <p:style>
+          <a:lnRef idx="1">
+            <a:schemeClr val="dk1"/>
+          </a:lnRef>
+          <a:fillRef idx="0">
+            <a:schemeClr val="dk1"/>
+          </a:fillRef>
+          <a:effectRef idx="0">
+            <a:schemeClr val="dk1"/>
+          </a:effectRef>
+          <a:fontRef idx="minor">
+            <a:schemeClr val="tx1"/>
+          </a:fontRef>
+        </p:style>
+      </p:cxnSp>
+      <p:sp>
+        <p:nvSpPr>
+          <p:cNvPr id="11" name="Rounded Rectangular Callout 10"/>
+          <p:cNvSpPr/>
+          <p:nvPr/>
+        </p:nvSpPr>
+        <p:spPr bwMode="auto">
+          <a:xfrm>
+            <a:off x="5325699" y="1378321"/>
+            <a:ext cx="2745000" cy="1080000"/>
+          </a:xfrm>
+          <a:prstGeom prst="wedgeRoundRectCallout">
+            <a:avLst>
+              <a:gd name="adj1" fmla="val -8341"/>
+              <a:gd name="adj2" fmla="val 90722"/>
+              <a:gd name="adj3" fmla="val 16667"/>
+            </a:avLst>
+          </a:prstGeom>
+          <a:solidFill>
+            <a:schemeClr val="dk2">
+              <a:alpha val="80000"/>
+            </a:schemeClr>
+          </a:solidFill>
+          <a:ln w="19050">
+            <a:solidFill>
+              <a:schemeClr val="tx1">
+                <a:lumMod val="75000"/>
+                <a:alpha val="80000"/>
+              </a:schemeClr>
+            </a:solidFill>
+          </a:ln>
+          <a:effectLst/>
+        </p:spPr>
+        <p:style>
+          <a:lnRef idx="2">
+            <a:schemeClr val="accent1">
+              <a:shade val="50000"/>
+            </a:schemeClr>
+          </a:lnRef>
+          <a:fillRef idx="1001">
+            <a:schemeClr val="dk2"/>
+          </a:fillRef>
+          <a:effectRef idx="0">
+            <a:schemeClr val="accent1"/>
+          </a:effectRef>
+          <a:fontRef idx="minor">
+            <a:schemeClr val="lt1"/>
+          </a:fontRef>
+        </p:style>
+        <p:txBody>
+          <a:bodyPr rot="0" spcFirstLastPara="0" vertOverflow="overflow" horzOverflow="overflow" vert="horz" wrap="square" lIns="91440" tIns="45720" rIns="91440" bIns="45720" numCol="1" spcCol="0" rtlCol="0" fromWordArt="0" anchor="ctr" anchorCtr="0" forceAA="0" compatLnSpc="1">
+            <a:prstTxWarp prst="textNoShape">
+              <a:avLst/>
+            </a:prstTxWarp>
+            <a:noAutofit/>
+          </a:bodyPr>
+          <a:lstStyle/>
+          <a:p>
+            <a:pPr algn="ctr"/>
+            <a:r>
+              <a:rPr lang="bg-BG" sz="2800" b="1" dirty="0" smtClean="0">
+                <a:solidFill>
+                  <a:srgbClr val="FFFFFF"/>
+                </a:solidFill>
+                <a:effectLst>
+                  <a:outerShdw blurRad="38100" dist="38100" dir="2700000" algn="tl">
+                    <a:srgbClr val="000000">
+                      <a:alpha val="43137"/>
+                    </a:srgbClr>
+                  </a:outerShdw>
+                </a:effectLst>
+              </a:rPr>
+              <a:t>Отпечатва само активния лист</a:t>
+            </a:r>
+            <a:endParaRPr lang="en-US" sz="2800" b="1" dirty="0">
+              <a:solidFill>
+                <a:srgbClr val="FFFFFF"/>
+              </a:solidFill>
+              <a:effectLst>
+                <a:outerShdw blurRad="38100" dist="38100" dir="2700000" algn="tl">
+                  <a:srgbClr val="000000">
+                    <a:alpha val="43137"/>
+                  </a:srgbClr>
+                </a:outerShdw>
+              </a:effectLst>
+            </a:endParaRPr>
+          </a:p>
+        </p:txBody>
+      </p:sp>
+      <p:sp>
+        <p:nvSpPr>
+          <p:cNvPr id="12" name="Rounded Rectangular Callout 11"/>
+          <p:cNvSpPr/>
+          <p:nvPr/>
+        </p:nvSpPr>
+        <p:spPr bwMode="auto">
+          <a:xfrm>
+            <a:off x="8224241" y="1854000"/>
+            <a:ext cx="3712496" cy="1014863"/>
+          </a:xfrm>
+          <a:prstGeom prst="wedgeRoundRectCallout">
+            <a:avLst>
+              <a:gd name="adj1" fmla="val 1927"/>
+              <a:gd name="adj2" fmla="val 144995"/>
+              <a:gd name="adj3" fmla="val 16667"/>
+            </a:avLst>
+          </a:prstGeom>
+          <a:solidFill>
+            <a:schemeClr val="dk2">
+              <a:alpha val="80000"/>
+            </a:schemeClr>
+          </a:solidFill>
+          <a:ln w="19050">
+            <a:solidFill>
+              <a:schemeClr val="tx1">
+                <a:lumMod val="75000"/>
+                <a:alpha val="80000"/>
+              </a:schemeClr>
+            </a:solidFill>
+          </a:ln>
+          <a:effectLst/>
+        </p:spPr>
+        <p:style>
+          <a:lnRef idx="2">
+            <a:schemeClr val="accent1">
+              <a:shade val="50000"/>
+            </a:schemeClr>
+          </a:lnRef>
+          <a:fillRef idx="1001">
+            <a:schemeClr val="dk2"/>
+          </a:fillRef>
+          <a:effectRef idx="0">
+            <a:schemeClr val="accent1"/>
+          </a:effectRef>
+          <a:fontRef idx="minor">
+            <a:schemeClr val="lt1"/>
+          </a:fontRef>
+        </p:style>
+        <p:txBody>
+          <a:bodyPr rot="0" spcFirstLastPara="0" vertOverflow="overflow" horzOverflow="overflow" vert="horz" wrap="square" lIns="91440" tIns="45720" rIns="91440" bIns="45720" numCol="1" spcCol="0" rtlCol="0" fromWordArt="0" anchor="ctr" anchorCtr="0" forceAA="0" compatLnSpc="1">
+            <a:prstTxWarp prst="textNoShape">
+              <a:avLst/>
+            </a:prstTxWarp>
+            <a:noAutofit/>
+          </a:bodyPr>
+          <a:lstStyle/>
+          <a:p>
+            <a:pPr algn="ctr"/>
+            <a:r>
+              <a:rPr lang="bg-BG" sz="2800" b="1" dirty="0" smtClean="0">
+                <a:solidFill>
+                  <a:srgbClr val="FFFFFF"/>
+                </a:solidFill>
+                <a:effectLst>
+                  <a:outerShdw blurRad="38100" dist="38100" dir="2700000" algn="tl">
+                    <a:srgbClr val="000000">
+                      <a:alpha val="43137"/>
+                    </a:srgbClr>
+                  </a:outerShdw>
+                </a:effectLst>
+              </a:rPr>
+              <a:t>Отпечатване на цялата работна книга</a:t>
+            </a:r>
+            <a:endParaRPr lang="en-US" sz="2800" b="1" dirty="0">
+              <a:solidFill>
+                <a:srgbClr val="FFFFFF"/>
+              </a:solidFill>
+              <a:effectLst>
+                <a:outerShdw blurRad="38100" dist="38100" dir="2700000" algn="tl">
+                  <a:srgbClr val="000000">
+                    <a:alpha val="43137"/>
+                  </a:srgbClr>
+                </a:outerShdw>
+              </a:effectLst>
+            </a:endParaRPr>
+          </a:p>
+        </p:txBody>
+      </p:sp>
+      <p:sp>
+        <p:nvSpPr>
+          <p:cNvPr id="13" name="Rounded Rectangular Callout 12"/>
+          <p:cNvSpPr/>
+          <p:nvPr/>
+        </p:nvSpPr>
+        <p:spPr bwMode="auto">
+          <a:xfrm>
+            <a:off x="5511000" y="5661150"/>
+            <a:ext cx="5737496" cy="1052850"/>
+          </a:xfrm>
+          <a:prstGeom prst="wedgeRoundRectCallout">
+            <a:avLst>
+              <a:gd name="adj1" fmla="val 6416"/>
+              <a:gd name="adj2" fmla="val -80761"/>
+              <a:gd name="adj3" fmla="val 16667"/>
+            </a:avLst>
+          </a:prstGeom>
+          <a:solidFill>
+            <a:schemeClr val="dk2">
+              <a:alpha val="80000"/>
+            </a:schemeClr>
+          </a:solidFill>
+          <a:ln w="19050">
+            <a:solidFill>
+              <a:schemeClr val="tx1">
+                <a:lumMod val="75000"/>
+                <a:alpha val="80000"/>
+              </a:schemeClr>
+            </a:solidFill>
+          </a:ln>
+          <a:effectLst/>
+        </p:spPr>
+        <p:style>
+          <a:lnRef idx="2">
+            <a:schemeClr val="accent1">
+              <a:shade val="50000"/>
+            </a:schemeClr>
+          </a:lnRef>
+          <a:fillRef idx="1001">
+            <a:schemeClr val="dk2"/>
+          </a:fillRef>
+          <a:effectRef idx="0">
+            <a:schemeClr val="accent1"/>
+          </a:effectRef>
+          <a:fontRef idx="minor">
+            <a:schemeClr val="lt1"/>
+          </a:fontRef>
+        </p:style>
+        <p:txBody>
+          <a:bodyPr rot="0" spcFirstLastPara="0" vertOverflow="overflow" horzOverflow="overflow" vert="horz" wrap="square" lIns="91440" tIns="45720" rIns="91440" bIns="45720" numCol="1" spcCol="0" rtlCol="0" fromWordArt="0" anchor="ctr" anchorCtr="0" forceAA="0" compatLnSpc="1">
+            <a:prstTxWarp prst="textNoShape">
+              <a:avLst/>
+            </a:prstTxWarp>
+            <a:noAutofit/>
+          </a:bodyPr>
+          <a:lstStyle/>
+          <a:p>
+            <a:pPr algn="ctr"/>
+            <a:r>
+              <a:rPr lang="bg-BG" sz="2800" b="1" dirty="0" smtClean="0">
+                <a:solidFill>
+                  <a:srgbClr val="FFFFFF"/>
+                </a:solidFill>
+                <a:effectLst>
+                  <a:outerShdw blurRad="38100" dist="38100" dir="2700000" algn="tl">
+                    <a:srgbClr val="000000">
+                      <a:alpha val="43137"/>
+                    </a:srgbClr>
+                  </a:outerShdw>
+                </a:effectLst>
+              </a:rPr>
+              <a:t>Отпечатва само частта от работния лист, която е маркирана</a:t>
+            </a:r>
+            <a:endParaRPr lang="en-US" sz="2800" b="1" dirty="0">
+              <a:solidFill>
+                <a:srgbClr val="FFFFFF"/>
+              </a:solidFill>
+              <a:effectLst>
+                <a:outerShdw blurRad="38100" dist="38100" dir="2700000" algn="tl">
+                  <a:srgbClr val="000000">
+                    <a:alpha val="43137"/>
+                  </a:srgbClr>
+                </a:outerShdw>
+              </a:effectLst>
+            </a:endParaRPr>
+          </a:p>
+        </p:txBody>
+      </p:sp>
+      <p:sp>
+        <p:nvSpPr>
+          <p:cNvPr id="14" name="Rectangle 13"/>
+          <p:cNvSpPr/>
+          <p:nvPr/>
+        </p:nvSpPr>
+        <p:spPr bwMode="auto">
+          <a:xfrm>
+            <a:off x="6231000" y="2934000"/>
+            <a:ext cx="4050000" cy="807373"/>
+          </a:xfrm>
+          <a:prstGeom prst="rect">
+            <a:avLst/>
+          </a:prstGeom>
+          <a:noFill/>
+          <a:ln w="38100">
+            <a:solidFill>
+              <a:schemeClr val="tx1">
+                <a:lumMod val="75000"/>
+                <a:alpha val="80000"/>
+              </a:schemeClr>
+            </a:solidFill>
+          </a:ln>
+          <a:effectLst/>
+        </p:spPr>
+        <p:style>
+          <a:lnRef idx="2">
+            <a:schemeClr val="accent1">
+              <a:shade val="50000"/>
+            </a:schemeClr>
+          </a:lnRef>
+          <a:fillRef idx="1001">
+            <a:schemeClr val="dk2"/>
+          </a:fillRef>
+          <a:effectRef idx="0">
+            <a:schemeClr val="accent1"/>
+          </a:effectRef>
+          <a:fontRef idx="minor">
+            <a:schemeClr val="lt1"/>
+          </a:fontRef>
+        </p:style>
+        <p:txBody>
+          <a:bodyPr rot="0" spcFirstLastPara="0" vertOverflow="overflow" horzOverflow="overflow" vert="horz" wrap="square" lIns="91440" tIns="45720" rIns="91440" bIns="45720" numCol="1" spcCol="0" rtlCol="0" fromWordArt="0" anchor="ctr" anchorCtr="0" forceAA="0" compatLnSpc="1">
+            <a:prstTxWarp prst="textNoShape">
+              <a:avLst/>
+            </a:prstTxWarp>
+            <a:noAutofit/>
+          </a:bodyPr>
+          <a:lstStyle/>
+          <a:p>
+            <a:pPr algn="ctr"/>
+            <a:endParaRPr lang="en-US" sz="2800" b="1" dirty="0">
+              <a:solidFill>
+                <a:srgbClr val="FFFFFF"/>
+              </a:solidFill>
+              <a:effectLst>
+                <a:outerShdw blurRad="38100" dist="38100" dir="2700000" algn="tl">
+                  <a:srgbClr val="000000">
+                    <a:alpha val="43137"/>
+                  </a:srgbClr>
+                </a:outerShdw>
+              </a:effectLst>
+            </a:endParaRPr>
+          </a:p>
+        </p:txBody>
+      </p:sp>
+      <p:sp>
+        <p:nvSpPr>
+          <p:cNvPr id="15" name="Rectangle 14"/>
+          <p:cNvSpPr/>
+          <p:nvPr/>
+        </p:nvSpPr>
+        <p:spPr bwMode="auto">
+          <a:xfrm>
+            <a:off x="6231000" y="3741373"/>
+            <a:ext cx="4050000" cy="767627"/>
+          </a:xfrm>
+          <a:prstGeom prst="rect">
+            <a:avLst/>
+          </a:prstGeom>
+          <a:noFill/>
+          <a:ln w="38100">
+            <a:solidFill>
+              <a:schemeClr val="tx1">
+                <a:lumMod val="75000"/>
+                <a:alpha val="80000"/>
+              </a:schemeClr>
+            </a:solidFill>
+          </a:ln>
+          <a:effectLst/>
+        </p:spPr>
+        <p:style>
+          <a:lnRef idx="2">
+            <a:schemeClr val="accent1">
+              <a:shade val="50000"/>
+            </a:schemeClr>
+          </a:lnRef>
+          <a:fillRef idx="1001">
+            <a:schemeClr val="dk2"/>
+          </a:fillRef>
+          <a:effectRef idx="0">
+            <a:schemeClr val="accent1"/>
+          </a:effectRef>
+          <a:fontRef idx="minor">
+            <a:schemeClr val="lt1"/>
+          </a:fontRef>
+        </p:style>
+        <p:txBody>
+          <a:bodyPr rot="0" spcFirstLastPara="0" vertOverflow="overflow" horzOverflow="overflow" vert="horz" wrap="square" lIns="91440" tIns="45720" rIns="91440" bIns="45720" numCol="1" spcCol="0" rtlCol="0" fromWordArt="0" anchor="ctr" anchorCtr="0" forceAA="0" compatLnSpc="1">
+            <a:prstTxWarp prst="textNoShape">
+              <a:avLst/>
+            </a:prstTxWarp>
+            <a:noAutofit/>
+          </a:bodyPr>
+          <a:lstStyle/>
+          <a:p>
+            <a:pPr algn="ctr"/>
+            <a:endParaRPr lang="en-US" sz="2800" b="1" dirty="0">
+              <a:solidFill>
+                <a:srgbClr val="FFFFFF"/>
+              </a:solidFill>
+              <a:effectLst>
+                <a:outerShdw blurRad="38100" dist="38100" dir="2700000" algn="tl">
+                  <a:srgbClr val="000000">
+                    <a:alpha val="43137"/>
+                  </a:srgbClr>
+                </a:outerShdw>
+              </a:effectLst>
+            </a:endParaRPr>
+          </a:p>
+        </p:txBody>
+      </p:sp>
+      <p:sp>
+        <p:nvSpPr>
+          <p:cNvPr id="16" name="Rectangle 15"/>
+          <p:cNvSpPr/>
+          <p:nvPr/>
+        </p:nvSpPr>
+        <p:spPr bwMode="auto">
+          <a:xfrm>
+            <a:off x="6231000" y="4509709"/>
+            <a:ext cx="4050000" cy="767627"/>
+          </a:xfrm>
+          <a:prstGeom prst="rect">
+            <a:avLst/>
+          </a:prstGeom>
+          <a:noFill/>
+          <a:ln w="38100">
+            <a:solidFill>
+              <a:schemeClr val="tx1">
+                <a:lumMod val="75000"/>
+                <a:alpha val="80000"/>
+              </a:schemeClr>
+            </a:solidFill>
+          </a:ln>
+          <a:effectLst/>
+        </p:spPr>
+        <p:style>
+          <a:lnRef idx="2">
+            <a:schemeClr val="accent1">
+              <a:shade val="50000"/>
+            </a:schemeClr>
+          </a:lnRef>
+          <a:fillRef idx="1001">
+            <a:schemeClr val="dk2"/>
+          </a:fillRef>
+          <a:effectRef idx="0">
+            <a:schemeClr val="accent1"/>
+          </a:effectRef>
+          <a:fontRef idx="minor">
+            <a:schemeClr val="lt1"/>
+          </a:fontRef>
+        </p:style>
+        <p:txBody>
+          <a:bodyPr rot="0" spcFirstLastPara="0" vertOverflow="overflow" horzOverflow="overflow" vert="horz" wrap="square" lIns="91440" tIns="45720" rIns="91440" bIns="45720" numCol="1" spcCol="0" rtlCol="0" fromWordArt="0" anchor="ctr" anchorCtr="0" forceAA="0" compatLnSpc="1">
+            <a:prstTxWarp prst="textNoShape">
+              <a:avLst/>
+            </a:prstTxWarp>
+            <a:noAutofit/>
+          </a:bodyPr>
+          <a:lstStyle/>
+          <a:p>
+            <a:pPr algn="ctr"/>
+            <a:endParaRPr lang="en-US" sz="2800" b="1" dirty="0">
+              <a:solidFill>
+                <a:srgbClr val="FFFFFF"/>
+              </a:solidFill>
+              <a:effectLst>
+                <a:outerShdw blurRad="38100" dist="38100" dir="2700000" algn="tl">
+                  <a:srgbClr val="000000">
+                    <a:alpha val="43137"/>
+                  </a:srgbClr>
+                </a:outerShdw>
+              </a:effectLst>
+            </a:endParaRPr>
+          </a:p>
+        </p:txBody>
+      </p:sp>
+    </p:spTree>
+    <p:extLst>
+      <p:ext uri="{BB962C8B-B14F-4D97-AF65-F5344CB8AC3E}">
+        <p14:creationId xmlns:p14="http://schemas.microsoft.com/office/powerpoint/2010/main" val="1151009383"/>
+      </p:ext>
+    </p:extLst>
+  </p:cSld>
+  <p:clrMapOvr>
+    <a:masterClrMapping/>
+  </p:clrMapOvr>
+  <mc:AlternateContent xmlns:mc="http://schemas.openxmlformats.org/markup-compatibility/2006" xmlns:p14="http://schemas.microsoft.com/office/powerpoint/2010/main">
+    <mc:Choice Requires="p14">
+      <p:transition spd="slow" p14:dur="2000" advClick="0" advTm="5000"/>
+    </mc:Choice>
+    <mc:Fallback xmlns="">
+      <p:transition spd="slow" advClick="0" advTm="5000"/>
+    </mc:Fallback>
+  </mc:AlternateContent>
+  <p:timing>
+    <p:tnLst>
+      <p:par>
+        <p:cTn id="1" dur="indefinite" restart="never" nodeType="tmRoot">
+          <p:childTnLst>
+            <p:seq concurrent="1" nextAc="seek">
+              <p:cTn id="2" dur="indefinite" nodeType="mainSeq">
+                <p:childTnLst>
+                  <p:par>
+                    <p:cTn id="3" fill="hold">
+                      <p:stCondLst>
+                        <p:cond delay="indefinite"/>
+                      </p:stCondLst>
+                      <p:childTnLst>
+                        <p:par>
+                          <p:cTn id="4" fill="hold">
+                            <p:stCondLst>
+                              <p:cond delay="0"/>
+                            </p:stCondLst>
+                            <p:childTnLst>
+                              <p:par>
+                                <p:cTn id="5" presetID="1" presetClass="entr" presetSubtype="0" fill="hold" grpId="0" nodeType="clickEffect">
+                                  <p:stCondLst>
+                                    <p:cond delay="0"/>
+                                  </p:stCondLst>
+                                  <p:childTnLst>
+                                    <p:set>
+                                      <p:cBhvr>
+                                        <p:cTn id="6" dur="1" fill="hold">
+                                          <p:stCondLst>
+                                            <p:cond delay="0"/>
+                                          </p:stCondLst>
+                                        </p:cTn>
+                                        <p:tgtEl>
+                                          <p:spTgt spid="7"/>
+                                        </p:tgtEl>
+                                        <p:attrNameLst>
+                                          <p:attrName>style.visibility</p:attrName>
+                                        </p:attrNameLst>
+                                      </p:cBhvr>
+                                      <p:to>
+                                        <p:strVal val="visible"/>
+                                      </p:to>
+                                    </p:set>
+                                  </p:childTnLst>
+                                </p:cTn>
+                              </p:par>
+                            </p:childTnLst>
+                          </p:cTn>
+                        </p:par>
+                      </p:childTnLst>
+                    </p:cTn>
+                  </p:par>
+                  <p:par>
+                    <p:cTn id="7" fill="hold">
+                      <p:stCondLst>
+                        <p:cond delay="indefinite"/>
+                      </p:stCondLst>
+                      <p:childTnLst>
+                        <p:par>
+                          <p:cTn id="8" fill="hold">
+                            <p:stCondLst>
+                              <p:cond delay="0"/>
+                            </p:stCondLst>
+                            <p:childTnLst>
+                              <p:par>
+                                <p:cTn id="9" presetID="1" presetClass="entr" presetSubtype="0" fill="hold" nodeType="clickEffect">
+                                  <p:stCondLst>
+                                    <p:cond delay="0"/>
+                                  </p:stCondLst>
+                                  <p:childTnLst>
+                                    <p:set>
+                                      <p:cBhvr>
+                                        <p:cTn id="10" dur="1" fill="hold">
+                                          <p:stCondLst>
+                                            <p:cond delay="0"/>
+                                          </p:stCondLst>
+                                        </p:cTn>
+                                        <p:tgtEl>
+                                          <p:spTgt spid="9"/>
+                                        </p:tgtEl>
+                                        <p:attrNameLst>
+                                          <p:attrName>style.visibility</p:attrName>
+                                        </p:attrNameLst>
+                                      </p:cBhvr>
+                                      <p:to>
+                                        <p:strVal val="visible"/>
+                                      </p:to>
+                                    </p:set>
+                                  </p:childTnLst>
+                                </p:cTn>
+                              </p:par>
+                            </p:childTnLst>
+                          </p:cTn>
+                        </p:par>
+                      </p:childTnLst>
+                    </p:cTn>
+                  </p:par>
+                  <p:par>
+                    <p:cTn id="11" fill="hold">
+                      <p:stCondLst>
+                        <p:cond delay="indefinite"/>
+                      </p:stCondLst>
+                      <p:childTnLst>
+                        <p:par>
+                          <p:cTn id="12" fill="hold">
+                            <p:stCondLst>
+                              <p:cond delay="0"/>
+                            </p:stCondLst>
+                            <p:childTnLst>
+                              <p:par>
+                                <p:cTn id="13" presetID="1" presetClass="entr" presetSubtype="0" fill="hold" nodeType="clickEffect">
+                                  <p:stCondLst>
+                                    <p:cond delay="0"/>
+                                  </p:stCondLst>
+                                  <p:childTnLst>
+                                    <p:set>
+                                      <p:cBhvr>
+                                        <p:cTn id="14" dur="1" fill="hold">
+                                          <p:stCondLst>
+                                            <p:cond delay="0"/>
+                                          </p:stCondLst>
+                                        </p:cTn>
+                                        <p:tgtEl>
+                                          <p:spTgt spid="6"/>
+                                        </p:tgtEl>
+                                        <p:attrNameLst>
+                                          <p:attrName>style.visibility</p:attrName>
+                                        </p:attrNameLst>
+                                      </p:cBhvr>
+                                      <p:to>
+                                        <p:strVal val="visible"/>
+                                      </p:to>
+                                    </p:set>
+                                  </p:childTnLst>
+                                </p:cTn>
+                              </p:par>
+                            </p:childTnLst>
+                          </p:cTn>
+                        </p:par>
+                      </p:childTnLst>
+                    </p:cTn>
+                  </p:par>
+                  <p:par>
+                    <p:cTn id="15" fill="hold">
+                      <p:stCondLst>
+                        <p:cond delay="indefinite"/>
+                      </p:stCondLst>
+                      <p:childTnLst>
+                        <p:par>
+                          <p:cTn id="16" fill="hold">
+                            <p:stCondLst>
+                              <p:cond delay="0"/>
+                            </p:stCondLst>
+                            <p:childTnLst>
+                              <p:par>
+                                <p:cTn id="17" presetID="1" presetClass="entr" presetSubtype="0" fill="hold" grpId="0" nodeType="clickEffect">
+                                  <p:stCondLst>
+                                    <p:cond delay="0"/>
+                                  </p:stCondLst>
+                                  <p:childTnLst>
+                                    <p:set>
+                                      <p:cBhvr>
+                                        <p:cTn id="18" dur="1" fill="hold">
+                                          <p:stCondLst>
+                                            <p:cond delay="0"/>
+                                          </p:stCondLst>
+                                        </p:cTn>
+                                        <p:tgtEl>
+                                          <p:spTgt spid="14"/>
+                                        </p:tgtEl>
+                                        <p:attrNameLst>
+                                          <p:attrName>style.visibility</p:attrName>
+                                        </p:attrNameLst>
+                                      </p:cBhvr>
+                                      <p:to>
+                                        <p:strVal val="visible"/>
+                                      </p:to>
+                                    </p:set>
+                                  </p:childTnLst>
+                                </p:cTn>
+                              </p:par>
+                            </p:childTnLst>
+                          </p:cTn>
+                        </p:par>
+                      </p:childTnLst>
+                    </p:cTn>
+                  </p:par>
+                  <p:par>
+                    <p:cTn id="19" fill="hold">
+                      <p:stCondLst>
+                        <p:cond delay="indefinite"/>
+                      </p:stCondLst>
+                      <p:childTnLst>
+                        <p:par>
+                          <p:cTn id="20" fill="hold">
+                            <p:stCondLst>
+                              <p:cond delay="0"/>
+                            </p:stCondLst>
+                            <p:childTnLst>
+                              <p:par>
+                                <p:cTn id="21" presetID="1" presetClass="entr" presetSubtype="0" fill="hold" grpId="0" nodeType="clickEffect">
+                                  <p:stCondLst>
+                                    <p:cond delay="0"/>
+                                  </p:stCondLst>
+                                  <p:childTnLst>
+                                    <p:set>
+                                      <p:cBhvr>
+                                        <p:cTn id="22" dur="1" fill="hold">
+                                          <p:stCondLst>
+                                            <p:cond delay="0"/>
+                                          </p:stCondLst>
+                                        </p:cTn>
+                                        <p:tgtEl>
+                                          <p:spTgt spid="11"/>
+                                        </p:tgtEl>
+                                        <p:attrNameLst>
+                                          <p:attrName>style.visibility</p:attrName>
+                                        </p:attrNameLst>
+                                      </p:cBhvr>
+                                      <p:to>
+                                        <p:strVal val="visible"/>
+                                      </p:to>
+                                    </p:set>
+                                  </p:childTnLst>
+                                </p:cTn>
+                              </p:par>
+                            </p:childTnLst>
+                          </p:cTn>
+                        </p:par>
+                      </p:childTnLst>
+                    </p:cTn>
+                  </p:par>
+                  <p:par>
+                    <p:cTn id="23" fill="hold">
+                      <p:stCondLst>
+                        <p:cond delay="indefinite"/>
+                      </p:stCondLst>
+                      <p:childTnLst>
+                        <p:par>
+                          <p:cTn id="24" fill="hold">
+                            <p:stCondLst>
+                              <p:cond delay="0"/>
+                            </p:stCondLst>
+                            <p:childTnLst>
+                              <p:par>
+                                <p:cTn id="25" presetID="1" presetClass="entr" presetSubtype="0" fill="hold" grpId="0" nodeType="clickEffect">
+                                  <p:stCondLst>
+                                    <p:cond delay="0"/>
+                                  </p:stCondLst>
+                                  <p:childTnLst>
+                                    <p:set>
+                                      <p:cBhvr>
+                                        <p:cTn id="26" dur="1" fill="hold">
+                                          <p:stCondLst>
+                                            <p:cond delay="0"/>
+                                          </p:stCondLst>
+                                        </p:cTn>
+                                        <p:tgtEl>
+                                          <p:spTgt spid="15"/>
+                                        </p:tgtEl>
+                                        <p:attrNameLst>
+                                          <p:attrName>style.visibility</p:attrName>
+                                        </p:attrNameLst>
+                                      </p:cBhvr>
+                                      <p:to>
+                                        <p:strVal val="visible"/>
+                                      </p:to>
+                                    </p:set>
+                                  </p:childTnLst>
+                                </p:cTn>
+                              </p:par>
+                            </p:childTnLst>
+                          </p:cTn>
+                        </p:par>
+                      </p:childTnLst>
+                    </p:cTn>
+                  </p:par>
+                  <p:par>
+                    <p:cTn id="27" fill="hold">
+                      <p:stCondLst>
+                        <p:cond delay="indefinite"/>
+                      </p:stCondLst>
+                      <p:childTnLst>
+                        <p:par>
+                          <p:cTn id="28" fill="hold">
+                            <p:stCondLst>
+                              <p:cond delay="0"/>
+                            </p:stCondLst>
+                            <p:childTnLst>
+                              <p:par>
+                                <p:cTn id="29" presetID="1" presetClass="entr" presetSubtype="0" fill="hold" grpId="0" nodeType="clickEffect">
+                                  <p:stCondLst>
+                                    <p:cond delay="0"/>
+                                  </p:stCondLst>
+                                  <p:childTnLst>
+                                    <p:set>
+                                      <p:cBhvr>
+                                        <p:cTn id="30" dur="1" fill="hold">
+                                          <p:stCondLst>
+                                            <p:cond delay="0"/>
+                                          </p:stCondLst>
+                                        </p:cTn>
+                                        <p:tgtEl>
+                                          <p:spTgt spid="12"/>
+                                        </p:tgtEl>
+                                        <p:attrNameLst>
+                                          <p:attrName>style.visibility</p:attrName>
+                                        </p:attrNameLst>
+                                      </p:cBhvr>
+                                      <p:to>
+                                        <p:strVal val="visible"/>
+                                      </p:to>
+                                    </p:set>
+                                  </p:childTnLst>
+                                </p:cTn>
+                              </p:par>
+                            </p:childTnLst>
+                          </p:cTn>
+                        </p:par>
+                      </p:childTnLst>
+                    </p:cTn>
+                  </p:par>
+                  <p:par>
+                    <p:cTn id="31" fill="hold">
+                      <p:stCondLst>
+                        <p:cond delay="indefinite"/>
+                      </p:stCondLst>
+                      <p:childTnLst>
+                        <p:par>
+                          <p:cTn id="32" fill="hold">
+                            <p:stCondLst>
+                              <p:cond delay="0"/>
+                            </p:stCondLst>
+                            <p:childTnLst>
+                              <p:par>
+                                <p:cTn id="33" presetID="1" presetClass="entr" presetSubtype="0" fill="hold" grpId="0" nodeType="clickEffect">
+                                  <p:stCondLst>
+                                    <p:cond delay="0"/>
+                                  </p:stCondLst>
+                                  <p:childTnLst>
+                                    <p:set>
+                                      <p:cBhvr>
+                                        <p:cTn id="34" dur="1" fill="hold">
+                                          <p:stCondLst>
+                                            <p:cond delay="0"/>
+                                          </p:stCondLst>
+                                        </p:cTn>
+                                        <p:tgtEl>
+                                          <p:spTgt spid="16"/>
+                                        </p:tgtEl>
+                                        <p:attrNameLst>
+                                          <p:attrName>style.visibility</p:attrName>
+                                        </p:attrNameLst>
+                                      </p:cBhvr>
+                                      <p:to>
+                                        <p:strVal val="visible"/>
+                                      </p:to>
+                                    </p:set>
+                                  </p:childTnLst>
+                                </p:cTn>
+                              </p:par>
+                            </p:childTnLst>
+                          </p:cTn>
+                        </p:par>
+                      </p:childTnLst>
+                    </p:cTn>
+                  </p:par>
+                  <p:par>
+                    <p:cTn id="35" fill="hold">
+                      <p:stCondLst>
+                        <p:cond delay="indefinite"/>
+                      </p:stCondLst>
+                      <p:childTnLst>
+                        <p:par>
+                          <p:cTn id="36" fill="hold">
+                            <p:stCondLst>
+                              <p:cond delay="0"/>
+                            </p:stCondLst>
+                            <p:childTnLst>
+                              <p:par>
+                                <p:cTn id="37" presetID="1" presetClass="entr" presetSubtype="0" fill="hold" grpId="0" nodeType="clickEffect">
+                                  <p:stCondLst>
+                                    <p:cond delay="0"/>
+                                  </p:stCondLst>
+                                  <p:childTnLst>
+                                    <p:set>
+                                      <p:cBhvr>
+                                        <p:cTn id="38" dur="1" fill="hold">
+                                          <p:stCondLst>
+                                            <p:cond delay="0"/>
+                                          </p:stCondLst>
+                                        </p:cTn>
+                                        <p:tgtEl>
+                                          <p:spTgt spid="13"/>
+                                        </p:tgtEl>
+                                        <p:attrNameLst>
+                                          <p:attrName>style.visibility</p:attrName>
+                                        </p:attrNameLst>
+                                      </p:cBhvr>
+                                      <p:to>
+                                        <p:strVal val="visible"/>
+                                      </p:to>
+                                    </p:set>
+                                  </p:childTnLst>
+                                </p:cTn>
+                              </p:par>
+                            </p:childTnLst>
+                          </p:cTn>
+                        </p:par>
+                      </p:childTnLst>
+                    </p:cTn>
+                  </p:par>
+                </p:childTnLst>
+              </p:cTn>
+              <p:prevCondLst>
+                <p:cond evt="onPrev" delay="0">
+                  <p:tgtEl>
+                    <p:sldTgt/>
+                  </p:tgtEl>
+                </p:cond>
+              </p:prevCondLst>
+              <p:nextCondLst>
+                <p:cond evt="onNext" delay="0">
+                  <p:tgtEl>
+                    <p:sldTgt/>
+                  </p:tgtEl>
+                </p:cond>
+              </p:nextCondLst>
+            </p:seq>
+          </p:childTnLst>
+        </p:cTn>
+      </p:par>
+    </p:tnLst>
+    <p:bldLst>
+      <p:bldP spid="7" grpId="0" animBg="1"/>
+      <p:bldP spid="11" grpId="0" animBg="1"/>
+      <p:bldP spid="12" grpId="0" animBg="1"/>
+      <p:bldP spid="13" grpId="0" animBg="1"/>
+      <p:bldP spid="14" grpId="0" animBg="1"/>
+      <p:bldP spid="15" grpId="0" animBg="1"/>
+      <p:bldP spid="16" grpId="0" animBg="1"/>
+    </p:bldLst>
+  </p:timing>
+</p:sld>
+</file>
+
+<file path=ppt/slides/slide16.xml><?xml version="1.0" encoding="utf-8"?>
+<p:sld xmlns:a="http://schemas.openxmlformats.org/drawingml/2006/main" xmlns:r="http://schemas.openxmlformats.org/officeDocument/2006/relationships" xmlns:p="http://schemas.openxmlformats.org/presentationml/2006/main">
+  <p:cSld>
+    <p:spTree>
+      <p:nvGrpSpPr>
+        <p:cNvPr id="1" name=""/>
+        <p:cNvGrpSpPr/>
+        <p:nvPr/>
+      </p:nvGrpSpPr>
+      <p:grpSpPr>
+        <a:xfrm>
+          <a:off x="0" y="0"/>
+          <a:ext cx="0" cy="0"/>
+          <a:chOff x="0" y="0"/>
+          <a:chExt cx="0" cy="0"/>
+        </a:xfrm>
+      </p:grpSpPr>
+      <p:sp>
+        <p:nvSpPr>
+          <p:cNvPr id="2" name="Slide Number Placeholder 1"/>
+          <p:cNvSpPr>
+            <a:spLocks noGrp="1"/>
+          </p:cNvSpPr>
+          <p:nvPr>
+            <p:ph type="sldNum" sz="quarter" idx="5"/>
+          </p:nvPr>
+        </p:nvSpPr>
+        <p:spPr/>
+        <p:txBody>
+          <a:bodyPr/>
+          <a:lstStyle/>
+          <a:p>
+            <a:fld id="{2BF067CD-8E6B-4360-9AA8-C5DF2A48A6D1}" type="slidenum">
+              <a:rPr lang="en-US" noProof="0" smtClean="0"/>
+              <a:pPr/>
+              <a:t>16</a:t>
+            </a:fld>
+            <a:endParaRPr lang="en-US" noProof="0" dirty="0"/>
+          </a:p>
+        </p:txBody>
+      </p:sp>
+      <p:sp>
+        <p:nvSpPr>
+          <p:cNvPr id="4" name="Title 3"/>
+          <p:cNvSpPr>
+            <a:spLocks noGrp="1"/>
+          </p:cNvSpPr>
+          <p:nvPr>
+            <p:ph type="title"/>
+          </p:nvPr>
+        </p:nvSpPr>
+        <p:spPr>
+          <a:xfrm>
+            <a:off x="190402" y="99000"/>
+            <a:ext cx="10270594" cy="882654"/>
+          </a:xfrm>
+        </p:spPr>
+        <p:txBody>
+          <a:bodyPr/>
+          <a:lstStyle/>
+          <a:p>
+            <a:r>
+              <a:rPr lang="bg-BG" dirty="0" smtClean="0"/>
+              <a:t>Настройки за печат </a:t>
+            </a:r>
+            <a:endParaRPr lang="en-US" dirty="0"/>
+          </a:p>
+        </p:txBody>
+      </p:sp>
+      <p:pic>
+        <p:nvPicPr>
+          <p:cNvPr id="5" name="Picture 4"/>
+          <p:cNvPicPr>
+            <a:picLocks noChangeAspect="1"/>
+          </p:cNvPicPr>
+          <p:nvPr/>
+        </p:nvPicPr>
+        <p:blipFill>
+          <a:blip r:embed="rId2"/>
+          <a:stretch>
+            <a:fillRect/>
+          </a:stretch>
+        </p:blipFill>
+        <p:spPr>
+          <a:xfrm>
+            <a:off x="4296000" y="1388971"/>
+            <a:ext cx="3240000" cy="5126747"/>
+          </a:xfrm>
+          <a:prstGeom prst="rect">
+            <a:avLst/>
+          </a:prstGeom>
+          <a:ln>
+            <a:solidFill>
+              <a:schemeClr val="bg2">
+                <a:lumMod val="75000"/>
+              </a:schemeClr>
+            </a:solidFill>
+          </a:ln>
+        </p:spPr>
+      </p:pic>
+      <p:sp>
+        <p:nvSpPr>
+          <p:cNvPr id="8" name="Rounded Rectangular Callout 7"/>
+          <p:cNvSpPr/>
+          <p:nvPr/>
+        </p:nvSpPr>
+        <p:spPr bwMode="auto">
+          <a:xfrm>
+            <a:off x="7716000" y="1584000"/>
+            <a:ext cx="4320000" cy="1890000"/>
+          </a:xfrm>
+          <a:prstGeom prst="wedgeRoundRectCallout">
+            <a:avLst>
+              <a:gd name="adj1" fmla="val -62959"/>
+              <a:gd name="adj2" fmla="val 5581"/>
+              <a:gd name="adj3" fmla="val 16667"/>
+            </a:avLst>
+          </a:prstGeom>
+          <a:solidFill>
+            <a:schemeClr val="dk2">
+              <a:alpha val="80000"/>
+            </a:schemeClr>
+          </a:solidFill>
+          <a:ln w="19050">
+            <a:solidFill>
+              <a:schemeClr val="tx1">
+                <a:lumMod val="75000"/>
+                <a:alpha val="80000"/>
+              </a:schemeClr>
+            </a:solidFill>
+          </a:ln>
+          <a:effectLst/>
+        </p:spPr>
+        <p:style>
+          <a:lnRef idx="2">
+            <a:schemeClr val="accent1">
+              <a:shade val="50000"/>
+            </a:schemeClr>
+          </a:lnRef>
+          <a:fillRef idx="1001">
+            <a:schemeClr val="dk2"/>
+          </a:fillRef>
+          <a:effectRef idx="0">
+            <a:schemeClr val="accent1"/>
+          </a:effectRef>
+          <a:fontRef idx="minor">
+            <a:schemeClr val="lt1"/>
+          </a:fontRef>
+        </p:style>
+        <p:txBody>
+          <a:bodyPr rot="0" spcFirstLastPara="0" vertOverflow="overflow" horzOverflow="overflow" vert="horz" wrap="square" lIns="91440" tIns="45720" rIns="91440" bIns="45720" numCol="1" spcCol="0" rtlCol="0" fromWordArt="0" anchor="ctr" anchorCtr="0" forceAA="0" compatLnSpc="1">
+            <a:prstTxWarp prst="textNoShape">
+              <a:avLst/>
+            </a:prstTxWarp>
+            <a:noAutofit/>
+          </a:bodyPr>
+          <a:lstStyle/>
+          <a:p>
+            <a:pPr algn="ctr"/>
+            <a:r>
+              <a:rPr lang="bg-BG" sz="2800" b="1" dirty="0" smtClean="0">
+                <a:solidFill>
+                  <a:srgbClr val="FFFFFF"/>
+                </a:solidFill>
+                <a:effectLst>
+                  <a:outerShdw blurRad="38100" dist="38100" dir="2700000" algn="tl">
+                    <a:srgbClr val="000000">
+                      <a:alpha val="43137"/>
+                    </a:srgbClr>
+                  </a:outerShdw>
+                </a:effectLst>
+              </a:rPr>
+              <a:t>От числовите кутии </a:t>
+            </a:r>
+            <a:r>
+              <a:rPr lang="en-US" sz="2800" b="1" dirty="0" smtClean="0">
+                <a:solidFill>
+                  <a:schemeClr val="accent1">
+                    <a:lumMod val="60000"/>
+                    <a:lumOff val="40000"/>
+                  </a:schemeClr>
+                </a:solidFill>
+                <a:effectLst>
+                  <a:outerShdw blurRad="38100" dist="38100" dir="2700000" algn="tl">
+                    <a:srgbClr val="000000">
+                      <a:alpha val="43137"/>
+                    </a:srgbClr>
+                  </a:outerShdw>
+                </a:effectLst>
+              </a:rPr>
+              <a:t>Pages</a:t>
+            </a:r>
+            <a:r>
+              <a:rPr lang="en-US" sz="2800" b="1" dirty="0" smtClean="0">
+                <a:solidFill>
+                  <a:schemeClr val="bg2"/>
+                </a:solidFill>
+                <a:effectLst>
+                  <a:outerShdw blurRad="38100" dist="38100" dir="2700000" algn="tl">
+                    <a:srgbClr val="000000">
+                      <a:alpha val="43137"/>
+                    </a:srgbClr>
+                  </a:outerShdw>
+                </a:effectLst>
+              </a:rPr>
+              <a:t>…</a:t>
+            </a:r>
+            <a:r>
+              <a:rPr lang="en-US" sz="2800" b="1" dirty="0" smtClean="0">
+                <a:solidFill>
+                  <a:schemeClr val="accent1">
+                    <a:lumMod val="60000"/>
+                    <a:lumOff val="40000"/>
+                  </a:schemeClr>
+                </a:solidFill>
+                <a:effectLst>
+                  <a:outerShdw blurRad="38100" dist="38100" dir="2700000" algn="tl">
+                    <a:srgbClr val="000000">
+                      <a:alpha val="43137"/>
+                    </a:srgbClr>
+                  </a:outerShdw>
+                </a:effectLst>
+              </a:rPr>
+              <a:t>to</a:t>
+            </a:r>
+            <a:r>
+              <a:rPr lang="en-US" sz="2800" b="1" dirty="0" smtClean="0">
+                <a:solidFill>
+                  <a:schemeClr val="bg2"/>
+                </a:solidFill>
+                <a:effectLst>
+                  <a:outerShdw blurRad="38100" dist="38100" dir="2700000" algn="tl">
+                    <a:srgbClr val="000000">
+                      <a:alpha val="43137"/>
+                    </a:srgbClr>
+                  </a:outerShdw>
+                </a:effectLst>
+              </a:rPr>
+              <a:t>…</a:t>
+            </a:r>
+            <a:r>
+              <a:rPr lang="bg-BG" sz="2800" b="1" dirty="0" smtClean="0">
+                <a:solidFill>
+                  <a:srgbClr val="FFFFFF"/>
+                </a:solidFill>
+                <a:effectLst>
+                  <a:outerShdw blurRad="38100" dist="38100" dir="2700000" algn="tl">
+                    <a:srgbClr val="000000">
+                      <a:alpha val="43137"/>
+                    </a:srgbClr>
+                  </a:outerShdw>
+                </a:effectLst>
+              </a:rPr>
+              <a:t> </a:t>
+            </a:r>
+            <a:r>
+              <a:rPr lang="en-US" sz="2800" b="1" dirty="0" smtClean="0">
+                <a:solidFill>
+                  <a:srgbClr val="FFFFFF"/>
+                </a:solidFill>
+                <a:effectLst>
+                  <a:outerShdw blurRad="38100" dist="38100" dir="2700000" algn="tl">
+                    <a:srgbClr val="000000">
+                      <a:alpha val="43137"/>
+                    </a:srgbClr>
+                  </a:outerShdw>
+                </a:effectLst>
+              </a:rPr>
+              <a:t>(</a:t>
+            </a:r>
+            <a:r>
+              <a:rPr lang="bg-BG" sz="2800" b="1" dirty="0" smtClean="0">
+                <a:solidFill>
+                  <a:srgbClr val="FFFFFF"/>
+                </a:solidFill>
+                <a:effectLst>
+                  <a:outerShdw blurRad="38100" dist="38100" dir="2700000" algn="tl">
+                    <a:srgbClr val="000000">
+                      <a:alpha val="43137"/>
+                    </a:srgbClr>
+                  </a:outerShdw>
+                </a:effectLst>
+              </a:rPr>
+              <a:t>Станици</a:t>
+            </a:r>
+            <a:r>
+              <a:rPr lang="en-US" sz="2800" b="1" dirty="0" smtClean="0">
+                <a:solidFill>
+                  <a:srgbClr val="FFFFFF"/>
+                </a:solidFill>
+                <a:effectLst>
+                  <a:outerShdw blurRad="38100" dist="38100" dir="2700000" algn="tl">
+                    <a:srgbClr val="000000">
+                      <a:alpha val="43137"/>
+                    </a:srgbClr>
+                  </a:outerShdw>
+                </a:effectLst>
+              </a:rPr>
+              <a:t>)</a:t>
+            </a:r>
+            <a:r>
+              <a:rPr lang="bg-BG" sz="2800" b="1" dirty="0" smtClean="0">
+                <a:solidFill>
+                  <a:srgbClr val="FFFFFF"/>
+                </a:solidFill>
+                <a:effectLst>
+                  <a:outerShdw blurRad="38100" dist="38100" dir="2700000" algn="tl">
+                    <a:srgbClr val="000000">
+                      <a:alpha val="43137"/>
+                    </a:srgbClr>
+                  </a:outerShdw>
+                </a:effectLst>
+              </a:rPr>
+              <a:t> можетеда изберете кои страници ще отпечатвате</a:t>
+            </a:r>
+            <a:endParaRPr lang="en-US" sz="2800" b="1" dirty="0">
+              <a:solidFill>
+                <a:srgbClr val="FFFFFF"/>
+              </a:solidFill>
+              <a:effectLst>
+                <a:outerShdw blurRad="38100" dist="38100" dir="2700000" algn="tl">
+                  <a:srgbClr val="000000">
+                    <a:alpha val="43137"/>
+                  </a:srgbClr>
+                </a:outerShdw>
+              </a:effectLst>
+            </a:endParaRPr>
+          </a:p>
+        </p:txBody>
+      </p:sp>
+      <p:sp>
+        <p:nvSpPr>
+          <p:cNvPr id="18" name="Rounded Rectangular Callout 17"/>
+          <p:cNvSpPr/>
+          <p:nvPr/>
+        </p:nvSpPr>
+        <p:spPr bwMode="auto">
+          <a:xfrm>
+            <a:off x="1838400" y="3204000"/>
+            <a:ext cx="2277600" cy="702600"/>
+          </a:xfrm>
+          <a:prstGeom prst="wedgeRoundRectCallout">
+            <a:avLst>
+              <a:gd name="adj1" fmla="val 59058"/>
+              <a:gd name="adj2" fmla="val 84689"/>
+              <a:gd name="adj3" fmla="val 16667"/>
+            </a:avLst>
+          </a:prstGeom>
+          <a:solidFill>
+            <a:schemeClr val="dk2">
+              <a:alpha val="80000"/>
+            </a:schemeClr>
+          </a:solidFill>
+          <a:ln w="19050">
+            <a:solidFill>
+              <a:schemeClr val="tx1">
+                <a:lumMod val="75000"/>
+                <a:alpha val="80000"/>
+              </a:schemeClr>
+            </a:solidFill>
+          </a:ln>
+          <a:effectLst/>
+        </p:spPr>
+        <p:style>
+          <a:lnRef idx="2">
+            <a:schemeClr val="accent1">
+              <a:shade val="50000"/>
+            </a:schemeClr>
+          </a:lnRef>
+          <a:fillRef idx="1001">
+            <a:schemeClr val="dk2"/>
+          </a:fillRef>
+          <a:effectRef idx="0">
+            <a:schemeClr val="accent1"/>
+          </a:effectRef>
+          <a:fontRef idx="minor">
+            <a:schemeClr val="lt1"/>
+          </a:fontRef>
+        </p:style>
+        <p:txBody>
+          <a:bodyPr rot="0" spcFirstLastPara="0" vertOverflow="overflow" horzOverflow="overflow" vert="horz" wrap="square" lIns="91440" tIns="45720" rIns="91440" bIns="45720" numCol="1" spcCol="0" rtlCol="0" fromWordArt="0" anchor="ctr" anchorCtr="0" forceAA="0" compatLnSpc="1">
+            <a:prstTxWarp prst="textNoShape">
+              <a:avLst/>
+            </a:prstTxWarp>
+            <a:noAutofit/>
+          </a:bodyPr>
+          <a:lstStyle/>
+          <a:p>
+            <a:pPr algn="ctr"/>
+            <a:r>
+              <a:rPr lang="bg-BG" sz="2800" b="1" dirty="0" smtClean="0">
+                <a:solidFill>
+                  <a:srgbClr val="FFFFFF"/>
+                </a:solidFill>
+                <a:effectLst>
+                  <a:outerShdw blurRad="38100" dist="38100" dir="2700000" algn="tl">
+                    <a:srgbClr val="000000">
+                      <a:alpha val="43137"/>
+                    </a:srgbClr>
+                  </a:outerShdw>
+                </a:effectLst>
+              </a:rPr>
+              <a:t>Ориентация</a:t>
+            </a:r>
+            <a:endParaRPr lang="en-US" sz="2800" b="1" dirty="0">
+              <a:solidFill>
+                <a:srgbClr val="FFFFFF"/>
+              </a:solidFill>
+              <a:effectLst>
+                <a:outerShdw blurRad="38100" dist="38100" dir="2700000" algn="tl">
+                  <a:srgbClr val="000000">
+                    <a:alpha val="43137"/>
+                  </a:srgbClr>
+                </a:outerShdw>
+              </a:effectLst>
+            </a:endParaRPr>
+          </a:p>
+        </p:txBody>
+      </p:sp>
+      <p:sp>
+        <p:nvSpPr>
+          <p:cNvPr id="19" name="Rounded Rectangular Callout 18"/>
+          <p:cNvSpPr/>
+          <p:nvPr/>
+        </p:nvSpPr>
+        <p:spPr bwMode="auto">
+          <a:xfrm>
+            <a:off x="7826899" y="3753018"/>
+            <a:ext cx="1817616" cy="646656"/>
+          </a:xfrm>
+          <a:prstGeom prst="wedgeRoundRectCallout">
+            <a:avLst>
+              <a:gd name="adj1" fmla="val -71150"/>
+              <a:gd name="adj2" fmla="val 95779"/>
+              <a:gd name="adj3" fmla="val 16667"/>
+            </a:avLst>
+          </a:prstGeom>
+          <a:solidFill>
+            <a:schemeClr val="dk2">
+              <a:alpha val="80000"/>
+            </a:schemeClr>
+          </a:solidFill>
+          <a:ln w="19050">
+            <a:solidFill>
+              <a:schemeClr val="tx1">
+                <a:lumMod val="75000"/>
+                <a:alpha val="80000"/>
+              </a:schemeClr>
+            </a:solidFill>
+          </a:ln>
+          <a:effectLst/>
+        </p:spPr>
+        <p:style>
+          <a:lnRef idx="2">
+            <a:schemeClr val="accent1">
+              <a:shade val="50000"/>
+            </a:schemeClr>
+          </a:lnRef>
+          <a:fillRef idx="1001">
+            <a:schemeClr val="dk2"/>
+          </a:fillRef>
+          <a:effectRef idx="0">
+            <a:schemeClr val="accent1"/>
+          </a:effectRef>
+          <a:fontRef idx="minor">
+            <a:schemeClr val="lt1"/>
+          </a:fontRef>
+        </p:style>
+        <p:txBody>
+          <a:bodyPr rot="0" spcFirstLastPara="0" vertOverflow="overflow" horzOverflow="overflow" vert="horz" wrap="square" lIns="91440" tIns="45720" rIns="91440" bIns="45720" numCol="1" spcCol="0" rtlCol="0" fromWordArt="0" anchor="ctr" anchorCtr="0" forceAA="0" compatLnSpc="1">
+            <a:prstTxWarp prst="textNoShape">
+              <a:avLst/>
+            </a:prstTxWarp>
+            <a:noAutofit/>
+          </a:bodyPr>
+          <a:lstStyle/>
+          <a:p>
+            <a:pPr algn="ctr"/>
+            <a:r>
+              <a:rPr lang="bg-BG" sz="2800" b="1" dirty="0" smtClean="0">
+                <a:solidFill>
+                  <a:srgbClr val="FFFFFF"/>
+                </a:solidFill>
+                <a:effectLst>
+                  <a:outerShdw blurRad="38100" dist="38100" dir="2700000" algn="tl">
+                    <a:srgbClr val="000000">
+                      <a:alpha val="43137"/>
+                    </a:srgbClr>
+                  </a:outerShdw>
+                </a:effectLst>
+              </a:rPr>
+              <a:t>Формат</a:t>
+            </a:r>
+            <a:endParaRPr lang="en-US" sz="2800" b="1" dirty="0">
+              <a:solidFill>
+                <a:srgbClr val="FFFFFF"/>
+              </a:solidFill>
+              <a:effectLst>
+                <a:outerShdw blurRad="38100" dist="38100" dir="2700000" algn="tl">
+                  <a:srgbClr val="000000">
+                    <a:alpha val="43137"/>
+                  </a:srgbClr>
+                </a:outerShdw>
+              </a:effectLst>
+            </a:endParaRPr>
+          </a:p>
+        </p:txBody>
+      </p:sp>
+      <p:sp>
+        <p:nvSpPr>
+          <p:cNvPr id="20" name="Rounded Rectangular Callout 19"/>
+          <p:cNvSpPr/>
+          <p:nvPr/>
+        </p:nvSpPr>
+        <p:spPr bwMode="auto">
+          <a:xfrm>
+            <a:off x="1417493" y="4403839"/>
+            <a:ext cx="2587608" cy="990000"/>
+          </a:xfrm>
+          <a:prstGeom prst="wedgeRoundRectCallout">
+            <a:avLst>
+              <a:gd name="adj1" fmla="val 63272"/>
+              <a:gd name="adj2" fmla="val 42353"/>
+              <a:gd name="adj3" fmla="val 16667"/>
+            </a:avLst>
+          </a:prstGeom>
+          <a:solidFill>
+            <a:schemeClr val="dk2">
+              <a:alpha val="80000"/>
+            </a:schemeClr>
+          </a:solidFill>
+          <a:ln w="19050">
+            <a:solidFill>
+              <a:schemeClr val="tx1">
+                <a:lumMod val="75000"/>
+                <a:alpha val="80000"/>
+              </a:schemeClr>
+            </a:solidFill>
+          </a:ln>
+          <a:effectLst/>
+        </p:spPr>
+        <p:style>
+          <a:lnRef idx="2">
+            <a:schemeClr val="accent1">
+              <a:shade val="50000"/>
+            </a:schemeClr>
+          </a:lnRef>
+          <a:fillRef idx="1001">
+            <a:schemeClr val="dk2"/>
+          </a:fillRef>
+          <a:effectRef idx="0">
+            <a:schemeClr val="accent1"/>
+          </a:effectRef>
+          <a:fontRef idx="minor">
+            <a:schemeClr val="lt1"/>
+          </a:fontRef>
+        </p:style>
+        <p:txBody>
+          <a:bodyPr rot="0" spcFirstLastPara="0" vertOverflow="overflow" horzOverflow="overflow" vert="horz" wrap="square" lIns="91440" tIns="45720" rIns="91440" bIns="45720" numCol="1" spcCol="0" rtlCol="0" fromWordArt="0" anchor="ctr" anchorCtr="0" forceAA="0" compatLnSpc="1">
+            <a:prstTxWarp prst="textNoShape">
+              <a:avLst/>
+            </a:prstTxWarp>
+            <a:noAutofit/>
+          </a:bodyPr>
+          <a:lstStyle/>
+          <a:p>
+            <a:pPr algn="ctr"/>
+            <a:r>
+              <a:rPr lang="bg-BG" sz="2800" b="1" dirty="0" smtClean="0">
+                <a:solidFill>
+                  <a:srgbClr val="FFFFFF"/>
+                </a:solidFill>
+                <a:effectLst>
+                  <a:outerShdw blurRad="38100" dist="38100" dir="2700000" algn="tl">
+                    <a:srgbClr val="000000">
+                      <a:alpha val="43137"/>
+                    </a:srgbClr>
+                  </a:outerShdw>
+                </a:effectLst>
+              </a:rPr>
+              <a:t>Размер на белите полета</a:t>
+            </a:r>
+            <a:endParaRPr lang="en-US" sz="2800" b="1" dirty="0">
+              <a:solidFill>
+                <a:srgbClr val="FFFFFF"/>
+              </a:solidFill>
+              <a:effectLst>
+                <a:outerShdw blurRad="38100" dist="38100" dir="2700000" algn="tl">
+                  <a:srgbClr val="000000">
+                    <a:alpha val="43137"/>
+                  </a:srgbClr>
+                </a:outerShdw>
+              </a:effectLst>
+            </a:endParaRPr>
+          </a:p>
+        </p:txBody>
+      </p:sp>
+    </p:spTree>
+    <p:extLst>
+      <p:ext uri="{BB962C8B-B14F-4D97-AF65-F5344CB8AC3E}">
+        <p14:creationId xmlns:p14="http://schemas.microsoft.com/office/powerpoint/2010/main" val="1983603034"/>
+      </p:ext>
+    </p:extLst>
+  </p:cSld>
+  <p:clrMapOvr>
+    <a:masterClrMapping/>
+  </p:clrMapOvr>
+  <mc:AlternateContent xmlns:mc="http://schemas.openxmlformats.org/markup-compatibility/2006" xmlns:p14="http://schemas.microsoft.com/office/powerpoint/2010/main">
+    <mc:Choice Requires="p14">
+      <p:transition spd="slow" p14:dur="2000" advClick="0" advTm="5000"/>
+    </mc:Choice>
+    <mc:Fallback xmlns="">
+      <p:transition spd="slow" advClick="0" advTm="5000"/>
+    </mc:Fallback>
+  </mc:AlternateContent>
+  <p:timing>
+    <p:tnLst>
+      <p:par>
+        <p:cTn id="1" dur="indefinite" restart="never" nodeType="tmRoot">
+          <p:childTnLst>
+            <p:seq concurrent="1" nextAc="seek">
+              <p:cTn id="2" dur="indefinite" nodeType="mainSeq">
+                <p:childTnLst>
+                  <p:par>
+                    <p:cTn id="3" fill="hold">
+                      <p:stCondLst>
+                        <p:cond delay="indefinite"/>
+                      </p:stCondLst>
+                      <p:childTnLst>
+                        <p:par>
+                          <p:cTn id="4" fill="hold">
+                            <p:stCondLst>
+                              <p:cond delay="0"/>
+                            </p:stCondLst>
+                            <p:childTnLst>
+                              <p:par>
+                                <p:cTn id="5" presetID="1" presetClass="entr" presetSubtype="0" fill="hold" grpId="0" nodeType="clickEffect">
+                                  <p:stCondLst>
+                                    <p:cond delay="0"/>
+                                  </p:stCondLst>
+                                  <p:childTnLst>
+                                    <p:set>
+                                      <p:cBhvr>
+                                        <p:cTn id="6" dur="1" fill="hold">
+                                          <p:stCondLst>
+                                            <p:cond delay="0"/>
+                                          </p:stCondLst>
+                                        </p:cTn>
+                                        <p:tgtEl>
+                                          <p:spTgt spid="8"/>
+                                        </p:tgtEl>
+                                        <p:attrNameLst>
+                                          <p:attrName>style.visibility</p:attrName>
+                                        </p:attrNameLst>
+                                      </p:cBhvr>
+                                      <p:to>
+                                        <p:strVal val="visible"/>
+                                      </p:to>
+                                    </p:set>
+                                  </p:childTnLst>
+                                </p:cTn>
+                              </p:par>
+                            </p:childTnLst>
+                          </p:cTn>
+                        </p:par>
+                      </p:childTnLst>
+                    </p:cTn>
+                  </p:par>
+                  <p:par>
+                    <p:cTn id="7" fill="hold">
+                      <p:stCondLst>
+                        <p:cond delay="indefinite"/>
+                      </p:stCondLst>
+                      <p:childTnLst>
+                        <p:par>
+                          <p:cTn id="8" fill="hold">
+                            <p:stCondLst>
+                              <p:cond delay="0"/>
+                            </p:stCondLst>
+                            <p:childTnLst>
+                              <p:par>
+                                <p:cTn id="9" presetID="1" presetClass="entr" presetSubtype="0" fill="hold" grpId="0" nodeType="clickEffect">
+                                  <p:stCondLst>
+                                    <p:cond delay="0"/>
+                                  </p:stCondLst>
+                                  <p:childTnLst>
+                                    <p:set>
+                                      <p:cBhvr>
+                                        <p:cTn id="10" dur="1" fill="hold">
+                                          <p:stCondLst>
+                                            <p:cond delay="0"/>
+                                          </p:stCondLst>
+                                        </p:cTn>
+                                        <p:tgtEl>
+                                          <p:spTgt spid="18"/>
+                                        </p:tgtEl>
+                                        <p:attrNameLst>
+                                          <p:attrName>style.visibility</p:attrName>
+                                        </p:attrNameLst>
+                                      </p:cBhvr>
+                                      <p:to>
+                                        <p:strVal val="visible"/>
+                                      </p:to>
+                                    </p:set>
+                                  </p:childTnLst>
+                                </p:cTn>
+                              </p:par>
+                            </p:childTnLst>
+                          </p:cTn>
+                        </p:par>
+                      </p:childTnLst>
+                    </p:cTn>
+                  </p:par>
+                  <p:par>
+                    <p:cTn id="11" fill="hold">
+                      <p:stCondLst>
+                        <p:cond delay="indefinite"/>
+                      </p:stCondLst>
+                      <p:childTnLst>
+                        <p:par>
+                          <p:cTn id="12" fill="hold">
+                            <p:stCondLst>
+                              <p:cond delay="0"/>
+                            </p:stCondLst>
+                            <p:childTnLst>
+                              <p:par>
+                                <p:cTn id="13" presetID="1" presetClass="entr" presetSubtype="0" fill="hold" grpId="0" nodeType="clickEffect">
+                                  <p:stCondLst>
+                                    <p:cond delay="0"/>
+                                  </p:stCondLst>
+                                  <p:childTnLst>
+                                    <p:set>
+                                      <p:cBhvr>
+                                        <p:cTn id="14" dur="1" fill="hold">
+                                          <p:stCondLst>
+                                            <p:cond delay="0"/>
+                                          </p:stCondLst>
+                                        </p:cTn>
+                                        <p:tgtEl>
+                                          <p:spTgt spid="19"/>
+                                        </p:tgtEl>
+                                        <p:attrNameLst>
+                                          <p:attrName>style.visibility</p:attrName>
+                                        </p:attrNameLst>
+                                      </p:cBhvr>
+                                      <p:to>
+                                        <p:strVal val="visible"/>
+                                      </p:to>
+                                    </p:set>
+                                  </p:childTnLst>
+                                </p:cTn>
+                              </p:par>
+                            </p:childTnLst>
+                          </p:cTn>
+                        </p:par>
+                      </p:childTnLst>
+                    </p:cTn>
+                  </p:par>
+                  <p:par>
+                    <p:cTn id="15" fill="hold">
+                      <p:stCondLst>
+                        <p:cond delay="indefinite"/>
+                      </p:stCondLst>
+                      <p:childTnLst>
+                        <p:par>
+                          <p:cTn id="16" fill="hold">
+                            <p:stCondLst>
+                              <p:cond delay="0"/>
+                            </p:stCondLst>
+                            <p:childTnLst>
+                              <p:par>
+                                <p:cTn id="17" presetID="1" presetClass="entr" presetSubtype="0" fill="hold" grpId="0" nodeType="clickEffect">
+                                  <p:stCondLst>
+                                    <p:cond delay="0"/>
+                                  </p:stCondLst>
+                                  <p:childTnLst>
+                                    <p:set>
+                                      <p:cBhvr>
+                                        <p:cTn id="18" dur="1" fill="hold">
+                                          <p:stCondLst>
+                                            <p:cond delay="0"/>
+                                          </p:stCondLst>
+                                        </p:cTn>
+                                        <p:tgtEl>
+                                          <p:spTgt spid="20"/>
+                                        </p:tgtEl>
+                                        <p:attrNameLst>
+                                          <p:attrName>style.visibility</p:attrName>
+                                        </p:attrNameLst>
+                                      </p:cBhvr>
+                                      <p:to>
+                                        <p:strVal val="visible"/>
+                                      </p:to>
+                                    </p:set>
+                                  </p:childTnLst>
+                                </p:cTn>
+                              </p:par>
+                            </p:childTnLst>
+                          </p:cTn>
+                        </p:par>
+                      </p:childTnLst>
+                    </p:cTn>
+                  </p:par>
+                </p:childTnLst>
+              </p:cTn>
+              <p:prevCondLst>
+                <p:cond evt="onPrev" delay="0">
+                  <p:tgtEl>
+                    <p:sldTgt/>
+                  </p:tgtEl>
+                </p:cond>
+              </p:prevCondLst>
+              <p:nextCondLst>
+                <p:cond evt="onNext" delay="0">
+                  <p:tgtEl>
+                    <p:sldTgt/>
+                  </p:tgtEl>
+                </p:cond>
+              </p:nextCondLst>
+            </p:seq>
+          </p:childTnLst>
+        </p:cTn>
+      </p:par>
+    </p:tnLst>
+    <p:bldLst>
+      <p:bldP spid="8" grpId="0" animBg="1"/>
+      <p:bldP spid="18" grpId="0" animBg="1"/>
+      <p:bldP spid="19" grpId="0" animBg="1"/>
+      <p:bldP spid="20" grpId="0" animBg="1"/>
+    </p:bldLst>
+  </p:timing>
+</p:sld>
+</file>
+
+<file path=ppt/slides/slide17.xml><?xml version="1.0" encoding="utf-8"?>
+<p:sld xmlns:a="http://schemas.openxmlformats.org/drawingml/2006/main" xmlns:r="http://schemas.openxmlformats.org/officeDocument/2006/relationships" xmlns:p="http://schemas.openxmlformats.org/presentationml/2006/main">
+  <p:cSld>
+    <p:spTree>
+      <p:nvGrpSpPr>
+        <p:cNvPr id="1" name=""/>
+        <p:cNvGrpSpPr/>
+        <p:nvPr/>
+      </p:nvGrpSpPr>
+      <p:grpSpPr>
+        <a:xfrm>
+          <a:off x="0" y="0"/>
+          <a:ext cx="0" cy="0"/>
+          <a:chOff x="0" y="0"/>
+          <a:chExt cx="0" cy="0"/>
+        </a:xfrm>
+      </p:grpSpPr>
+      <p:pic>
+        <p:nvPicPr>
+          <p:cNvPr id="17" name="Picture 16"/>
+          <p:cNvPicPr>
+            <a:picLocks noChangeAspect="1"/>
+          </p:cNvPicPr>
+          <p:nvPr/>
+        </p:nvPicPr>
+        <p:blipFill>
+          <a:blip r:embed="rId2"/>
+          <a:stretch>
+            <a:fillRect/>
+          </a:stretch>
+        </p:blipFill>
+        <p:spPr>
+          <a:xfrm>
+            <a:off x="4457317" y="2574892"/>
+            <a:ext cx="3446764" cy="3522683"/>
+          </a:xfrm>
+          <a:prstGeom prst="rect">
+            <a:avLst/>
+          </a:prstGeom>
+          <a:ln>
+            <a:solidFill>
+              <a:schemeClr val="bg2">
+                <a:lumMod val="75000"/>
+              </a:schemeClr>
+            </a:solidFill>
+          </a:ln>
+        </p:spPr>
+      </p:pic>
+      <p:sp>
+        <p:nvSpPr>
+          <p:cNvPr id="2" name="Slide Number Placeholder 1"/>
+          <p:cNvSpPr>
+            <a:spLocks noGrp="1"/>
+          </p:cNvSpPr>
+          <p:nvPr>
+            <p:ph type="sldNum" sz="quarter" idx="5"/>
+          </p:nvPr>
+        </p:nvSpPr>
+        <p:spPr/>
+        <p:txBody>
+          <a:bodyPr/>
+          <a:lstStyle/>
+          <a:p>
+            <a:fld id="{2BF067CD-8E6B-4360-9AA8-C5DF2A48A6D1}" type="slidenum">
+              <a:rPr lang="en-US" noProof="0" smtClean="0"/>
+              <a:pPr/>
+              <a:t>17</a:t>
+            </a:fld>
+            <a:endParaRPr lang="en-US" noProof="0" dirty="0"/>
+          </a:p>
+        </p:txBody>
+      </p:sp>
+      <p:sp>
+        <p:nvSpPr>
+          <p:cNvPr id="4" name="Title 3"/>
+          <p:cNvSpPr>
+            <a:spLocks noGrp="1"/>
+          </p:cNvSpPr>
+          <p:nvPr>
+            <p:ph type="title"/>
+          </p:nvPr>
+        </p:nvSpPr>
+        <p:spPr/>
+        <p:txBody>
+          <a:bodyPr/>
+          <a:lstStyle/>
+          <a:p>
+            <a:r>
+              <a:rPr lang="bg-BG" dirty="0"/>
+              <a:t>Настройки за печат </a:t>
+            </a:r>
+            <a:r>
+              <a:rPr lang="bg-BG" dirty="0" smtClean="0"/>
+              <a:t>– мащабиране</a:t>
+            </a:r>
+            <a:endParaRPr lang="en-US" dirty="0"/>
+          </a:p>
+        </p:txBody>
+      </p:sp>
+      <p:pic>
+        <p:nvPicPr>
+          <p:cNvPr id="5" name="Picture 4"/>
+          <p:cNvPicPr>
+            <a:picLocks noChangeAspect="1"/>
+          </p:cNvPicPr>
+          <p:nvPr/>
+        </p:nvPicPr>
+        <p:blipFill>
+          <a:blip r:embed="rId3"/>
+          <a:stretch>
+            <a:fillRect/>
+          </a:stretch>
+        </p:blipFill>
+        <p:spPr>
+          <a:xfrm>
+            <a:off x="630018" y="1449000"/>
+            <a:ext cx="3240000" cy="5126747"/>
+          </a:xfrm>
+          <a:prstGeom prst="rect">
+            <a:avLst/>
+          </a:prstGeom>
+          <a:ln>
+            <a:solidFill>
+              <a:schemeClr val="bg2">
+                <a:lumMod val="75000"/>
+              </a:schemeClr>
+            </a:solidFill>
+          </a:ln>
+        </p:spPr>
+      </p:pic>
+      <p:sp>
+        <p:nvSpPr>
+          <p:cNvPr id="7" name="Rectangle 6"/>
+          <p:cNvSpPr/>
+          <p:nvPr/>
+        </p:nvSpPr>
+        <p:spPr bwMode="auto">
+          <a:xfrm>
+            <a:off x="711053" y="5611365"/>
+            <a:ext cx="3060000" cy="630000"/>
+          </a:xfrm>
+          <a:prstGeom prst="rect">
+            <a:avLst/>
+          </a:prstGeom>
+          <a:noFill/>
+          <a:ln w="38100">
+            <a:solidFill>
+              <a:schemeClr val="tx1">
+                <a:lumMod val="75000"/>
+                <a:alpha val="80000"/>
+              </a:schemeClr>
+            </a:solidFill>
+          </a:ln>
+          <a:effectLst/>
+        </p:spPr>
+        <p:style>
+          <a:lnRef idx="2">
+            <a:schemeClr val="accent1">
+              <a:shade val="50000"/>
+            </a:schemeClr>
+          </a:lnRef>
+          <a:fillRef idx="1001">
+            <a:schemeClr val="dk2"/>
+          </a:fillRef>
+          <a:effectRef idx="0">
+            <a:schemeClr val="accent1"/>
+          </a:effectRef>
+          <a:fontRef idx="minor">
+            <a:schemeClr val="lt1"/>
+          </a:fontRef>
+        </p:style>
+        <p:txBody>
+          <a:bodyPr rot="0" spcFirstLastPara="0" vertOverflow="overflow" horzOverflow="overflow" vert="horz" wrap="square" lIns="91440" tIns="45720" rIns="91440" bIns="45720" numCol="1" spcCol="0" rtlCol="0" fromWordArt="0" anchor="ctr" anchorCtr="0" forceAA="0" compatLnSpc="1">
+            <a:prstTxWarp prst="textNoShape">
+              <a:avLst/>
+            </a:prstTxWarp>
+            <a:noAutofit/>
+          </a:bodyPr>
+          <a:lstStyle/>
+          <a:p>
+            <a:pPr algn="ctr"/>
+            <a:endParaRPr lang="en-US" sz="2800" b="1" dirty="0">
+              <a:solidFill>
+                <a:srgbClr val="FFFFFF"/>
+              </a:solidFill>
+              <a:effectLst>
+                <a:outerShdw blurRad="38100" dist="38100" dir="2700000" algn="tl">
+                  <a:srgbClr val="000000">
+                    <a:alpha val="43137"/>
+                  </a:srgbClr>
+                </a:outerShdw>
+              </a:effectLst>
+            </a:endParaRPr>
+          </a:p>
+        </p:txBody>
+      </p:sp>
+      <p:cxnSp>
+        <p:nvCxnSpPr>
+          <p:cNvPr id="8" name="Straight Arrow Connector 7"/>
+          <p:cNvCxnSpPr/>
+          <p:nvPr/>
+        </p:nvCxnSpPr>
+        <p:spPr>
+          <a:xfrm flipV="1">
+            <a:off x="3836565" y="5184000"/>
+            <a:ext cx="540628" cy="557846"/>
+          </a:xfrm>
+          <a:prstGeom prst="straightConnector1">
+            <a:avLst/>
+          </a:prstGeom>
+          <a:ln w="76200">
+            <a:tailEnd type="triangle"/>
+          </a:ln>
+        </p:spPr>
+        <p:style>
+          <a:lnRef idx="1">
+            <a:schemeClr val="dk1"/>
+          </a:lnRef>
+          <a:fillRef idx="0">
+            <a:schemeClr val="dk1"/>
+          </a:fillRef>
+          <a:effectRef idx="0">
+            <a:schemeClr val="dk1"/>
+          </a:effectRef>
+          <a:fontRef idx="minor">
+            <a:schemeClr val="tx1"/>
+          </a:fontRef>
+        </p:style>
+      </p:cxnSp>
+      <p:sp>
+        <p:nvSpPr>
+          <p:cNvPr id="9" name="Rounded Rectangular Callout 8"/>
+          <p:cNvSpPr/>
+          <p:nvPr/>
+        </p:nvSpPr>
+        <p:spPr bwMode="auto">
+          <a:xfrm>
+            <a:off x="3942409" y="1179000"/>
+            <a:ext cx="3537591" cy="1017485"/>
+          </a:xfrm>
+          <a:prstGeom prst="wedgeRoundRectCallout">
+            <a:avLst>
+              <a:gd name="adj1" fmla="val -17970"/>
+              <a:gd name="adj2" fmla="val 81710"/>
+              <a:gd name="adj3" fmla="val 16667"/>
+            </a:avLst>
+          </a:prstGeom>
+          <a:solidFill>
+            <a:schemeClr val="dk2">
+              <a:alpha val="80000"/>
+            </a:schemeClr>
+          </a:solidFill>
+          <a:ln w="19050">
+            <a:solidFill>
+              <a:schemeClr val="tx1">
+                <a:lumMod val="75000"/>
+                <a:alpha val="80000"/>
+              </a:schemeClr>
+            </a:solidFill>
+          </a:ln>
+          <a:effectLst/>
+        </p:spPr>
+        <p:style>
+          <a:lnRef idx="2">
+            <a:schemeClr val="accent1">
+              <a:shade val="50000"/>
+            </a:schemeClr>
+          </a:lnRef>
+          <a:fillRef idx="1001">
+            <a:schemeClr val="dk2"/>
+          </a:fillRef>
+          <a:effectRef idx="0">
+            <a:schemeClr val="accent1"/>
+          </a:effectRef>
+          <a:fontRef idx="minor">
+            <a:schemeClr val="lt1"/>
+          </a:fontRef>
+        </p:style>
+        <p:txBody>
+          <a:bodyPr rot="0" spcFirstLastPara="0" vertOverflow="overflow" horzOverflow="overflow" vert="horz" wrap="square" lIns="91440" tIns="45720" rIns="91440" bIns="45720" numCol="1" spcCol="0" rtlCol="0" fromWordArt="0" anchor="ctr" anchorCtr="0" forceAA="0" compatLnSpc="1">
+            <a:prstTxWarp prst="textNoShape">
+              <a:avLst/>
+            </a:prstTxWarp>
+            <a:noAutofit/>
+          </a:bodyPr>
+          <a:lstStyle/>
+          <a:p>
+            <a:pPr algn="ctr"/>
+            <a:r>
+              <a:rPr lang="bg-BG" sz="2800" b="1" dirty="0" smtClean="0">
+                <a:solidFill>
+                  <a:srgbClr val="FFFFFF"/>
+                </a:solidFill>
+                <a:effectLst>
+                  <a:outerShdw blurRad="38100" dist="38100" dir="2700000" algn="tl">
+                    <a:srgbClr val="000000">
+                      <a:alpha val="43137"/>
+                    </a:srgbClr>
+                  </a:outerShdw>
+                </a:effectLst>
+              </a:rPr>
+              <a:t>Отпечатва таблицата в </a:t>
+            </a:r>
+            <a:r>
+              <a:rPr lang="bg-BG" sz="2800" b="1" dirty="0" smtClean="0">
+                <a:solidFill>
+                  <a:schemeClr val="accent1">
+                    <a:lumMod val="60000"/>
+                    <a:lumOff val="40000"/>
+                  </a:schemeClr>
+                </a:solidFill>
+                <a:effectLst>
+                  <a:outerShdw blurRad="38100" dist="38100" dir="2700000" algn="tl">
+                    <a:srgbClr val="000000">
+                      <a:alpha val="43137"/>
+                    </a:srgbClr>
+                  </a:outerShdw>
+                </a:effectLst>
+              </a:rPr>
+              <a:t>реален размер</a:t>
+            </a:r>
+            <a:endParaRPr lang="en-US" sz="2800" b="1" dirty="0">
+              <a:solidFill>
+                <a:schemeClr val="accent1">
+                  <a:lumMod val="60000"/>
+                  <a:lumOff val="40000"/>
+                </a:schemeClr>
+              </a:solidFill>
+              <a:effectLst>
+                <a:outerShdw blurRad="38100" dist="38100" dir="2700000" algn="tl">
+                  <a:srgbClr val="000000">
+                    <a:alpha val="43137"/>
+                  </a:srgbClr>
+                </a:outerShdw>
+              </a:effectLst>
+            </a:endParaRPr>
+          </a:p>
+        </p:txBody>
+      </p:sp>
+      <p:sp>
+        <p:nvSpPr>
+          <p:cNvPr id="10" name="Rounded Rectangular Callout 9"/>
+          <p:cNvSpPr/>
+          <p:nvPr/>
+        </p:nvSpPr>
+        <p:spPr bwMode="auto">
+          <a:xfrm>
+            <a:off x="7643556" y="1318188"/>
+            <a:ext cx="4269444" cy="1038506"/>
+          </a:xfrm>
+          <a:prstGeom prst="wedgeRoundRectCallout">
+            <a:avLst>
+              <a:gd name="adj1" fmla="val -41748"/>
+              <a:gd name="adj2" fmla="val 156217"/>
+              <a:gd name="adj3" fmla="val 16667"/>
+            </a:avLst>
+          </a:prstGeom>
+          <a:solidFill>
+            <a:schemeClr val="dk2">
+              <a:alpha val="80000"/>
+            </a:schemeClr>
+          </a:solidFill>
+          <a:ln w="19050">
+            <a:solidFill>
+              <a:schemeClr val="tx1">
+                <a:lumMod val="75000"/>
+                <a:alpha val="80000"/>
+              </a:schemeClr>
+            </a:solidFill>
+          </a:ln>
+          <a:effectLst/>
+        </p:spPr>
+        <p:style>
+          <a:lnRef idx="2">
+            <a:schemeClr val="accent1">
+              <a:shade val="50000"/>
+            </a:schemeClr>
+          </a:lnRef>
+          <a:fillRef idx="1001">
+            <a:schemeClr val="dk2"/>
+          </a:fillRef>
+          <a:effectRef idx="0">
+            <a:schemeClr val="accent1"/>
+          </a:effectRef>
+          <a:fontRef idx="minor">
+            <a:schemeClr val="lt1"/>
+          </a:fontRef>
+        </p:style>
+        <p:txBody>
+          <a:bodyPr rot="0" spcFirstLastPara="0" vertOverflow="overflow" horzOverflow="overflow" vert="horz" wrap="square" lIns="91440" tIns="45720" rIns="91440" bIns="45720" numCol="1" spcCol="0" rtlCol="0" fromWordArt="0" anchor="ctr" anchorCtr="0" forceAA="0" compatLnSpc="1">
+            <a:prstTxWarp prst="textNoShape">
+              <a:avLst/>
+            </a:prstTxWarp>
+            <a:noAutofit/>
+          </a:bodyPr>
+          <a:lstStyle/>
+          <a:p>
+            <a:pPr algn="ctr"/>
+            <a:r>
+              <a:rPr lang="bg-BG" sz="2800" b="1" dirty="0" smtClean="0">
+                <a:solidFill>
+                  <a:srgbClr val="FFFFFF"/>
+                </a:solidFill>
+                <a:effectLst>
+                  <a:outerShdw blurRad="38100" dist="38100" dir="2700000" algn="tl">
+                    <a:srgbClr val="000000">
+                      <a:alpha val="43137"/>
+                    </a:srgbClr>
+                  </a:outerShdw>
+                </a:effectLst>
+              </a:rPr>
+              <a:t>Свива таблицата така, че да се събере в </a:t>
+            </a:r>
+            <a:r>
+              <a:rPr lang="bg-BG" sz="2800" b="1" dirty="0" smtClean="0">
+                <a:solidFill>
+                  <a:schemeClr val="accent1">
+                    <a:lumMod val="60000"/>
+                    <a:lumOff val="40000"/>
+                  </a:schemeClr>
+                </a:solidFill>
+                <a:effectLst>
+                  <a:outerShdw blurRad="38100" dist="38100" dir="2700000" algn="tl">
+                    <a:srgbClr val="000000">
+                      <a:alpha val="43137"/>
+                    </a:srgbClr>
+                  </a:outerShdw>
+                </a:effectLst>
+              </a:rPr>
+              <a:t>един лист</a:t>
+            </a:r>
+            <a:endParaRPr lang="en-US" sz="2800" b="1" dirty="0">
+              <a:solidFill>
+                <a:schemeClr val="accent1">
+                  <a:lumMod val="60000"/>
+                  <a:lumOff val="40000"/>
+                </a:schemeClr>
+              </a:solidFill>
+              <a:effectLst>
+                <a:outerShdw blurRad="38100" dist="38100" dir="2700000" algn="tl">
+                  <a:srgbClr val="000000">
+                    <a:alpha val="43137"/>
+                  </a:srgbClr>
+                </a:outerShdw>
+              </a:effectLst>
+            </a:endParaRPr>
+          </a:p>
+        </p:txBody>
+      </p:sp>
+      <p:sp>
+        <p:nvSpPr>
+          <p:cNvPr id="11" name="Rounded Rectangular Callout 10"/>
+          <p:cNvSpPr/>
+          <p:nvPr/>
+        </p:nvSpPr>
+        <p:spPr bwMode="auto">
+          <a:xfrm>
+            <a:off x="8086765" y="3471562"/>
+            <a:ext cx="4044444" cy="1662148"/>
+          </a:xfrm>
+          <a:prstGeom prst="wedgeRoundRectCallout">
+            <a:avLst>
+              <a:gd name="adj1" fmla="val -52987"/>
+              <a:gd name="adj2" fmla="val 12546"/>
+              <a:gd name="adj3" fmla="val 16667"/>
+            </a:avLst>
+          </a:prstGeom>
+          <a:solidFill>
+            <a:schemeClr val="dk2">
+              <a:alpha val="80000"/>
+            </a:schemeClr>
+          </a:solidFill>
+          <a:ln w="19050">
+            <a:solidFill>
+              <a:schemeClr val="tx1">
+                <a:lumMod val="75000"/>
+                <a:alpha val="80000"/>
+              </a:schemeClr>
+            </a:solidFill>
+          </a:ln>
+          <a:effectLst/>
+        </p:spPr>
+        <p:style>
+          <a:lnRef idx="2">
+            <a:schemeClr val="accent1">
+              <a:shade val="50000"/>
+            </a:schemeClr>
+          </a:lnRef>
+          <a:fillRef idx="1001">
+            <a:schemeClr val="dk2"/>
+          </a:fillRef>
+          <a:effectRef idx="0">
+            <a:schemeClr val="accent1"/>
+          </a:effectRef>
+          <a:fontRef idx="minor">
+            <a:schemeClr val="lt1"/>
+          </a:fontRef>
+        </p:style>
+        <p:txBody>
+          <a:bodyPr rot="0" spcFirstLastPara="0" vertOverflow="overflow" horzOverflow="overflow" vert="horz" wrap="square" lIns="91440" tIns="45720" rIns="91440" bIns="45720" numCol="1" spcCol="0" rtlCol="0" fromWordArt="0" anchor="ctr" anchorCtr="0" forceAA="0" compatLnSpc="1">
+            <a:prstTxWarp prst="textNoShape">
+              <a:avLst/>
+            </a:prstTxWarp>
+            <a:noAutofit/>
+          </a:bodyPr>
+          <a:lstStyle/>
+          <a:p>
+            <a:pPr algn="ctr"/>
+            <a:r>
+              <a:rPr lang="bg-BG" sz="2800" b="1" dirty="0" smtClean="0">
+                <a:solidFill>
+                  <a:srgbClr val="FFFFFF"/>
+                </a:solidFill>
+                <a:effectLst>
+                  <a:outerShdw blurRad="38100" dist="38100" dir="2700000" algn="tl">
+                    <a:srgbClr val="000000">
+                      <a:alpha val="43137"/>
+                    </a:srgbClr>
+                  </a:outerShdw>
+                </a:effectLst>
+              </a:rPr>
+              <a:t>Намалява размера така, че да се събере на </a:t>
+            </a:r>
+            <a:r>
+              <a:rPr lang="bg-BG" sz="2800" b="1" dirty="0" smtClean="0">
+                <a:solidFill>
+                  <a:schemeClr val="accent1">
+                    <a:lumMod val="60000"/>
+                    <a:lumOff val="40000"/>
+                  </a:schemeClr>
+                </a:solidFill>
+                <a:effectLst>
+                  <a:outerShdw blurRad="38100" dist="38100" dir="2700000" algn="tl">
+                    <a:srgbClr val="000000">
+                      <a:alpha val="43137"/>
+                    </a:srgbClr>
+                  </a:outerShdw>
+                </a:effectLst>
+              </a:rPr>
+              <a:t>широчина</a:t>
+            </a:r>
+            <a:r>
+              <a:rPr lang="bg-BG" sz="2800" b="1" dirty="0" smtClean="0">
+                <a:solidFill>
+                  <a:srgbClr val="FFFFFF"/>
+                </a:solidFill>
+                <a:effectLst>
+                  <a:outerShdw blurRad="38100" dist="38100" dir="2700000" algn="tl">
+                    <a:srgbClr val="000000">
+                      <a:alpha val="43137"/>
+                    </a:srgbClr>
+                  </a:outerShdw>
+                </a:effectLst>
+              </a:rPr>
+              <a:t> в един лист</a:t>
+            </a:r>
+            <a:endParaRPr lang="en-US" sz="2800" b="1" dirty="0">
+              <a:solidFill>
+                <a:srgbClr val="FFFFFF"/>
+              </a:solidFill>
+              <a:effectLst>
+                <a:outerShdw blurRad="38100" dist="38100" dir="2700000" algn="tl">
+                  <a:srgbClr val="000000">
+                    <a:alpha val="43137"/>
+                  </a:srgbClr>
+                </a:outerShdw>
+              </a:effectLst>
+            </a:endParaRPr>
+          </a:p>
+        </p:txBody>
+      </p:sp>
+      <p:sp>
+        <p:nvSpPr>
+          <p:cNvPr id="12" name="Rectangle 11"/>
+          <p:cNvSpPr/>
+          <p:nvPr/>
+        </p:nvSpPr>
+        <p:spPr bwMode="auto">
+          <a:xfrm>
+            <a:off x="4431000" y="2574000"/>
+            <a:ext cx="3473081" cy="807373"/>
+          </a:xfrm>
+          <a:prstGeom prst="rect">
+            <a:avLst/>
+          </a:prstGeom>
+          <a:noFill/>
+          <a:ln w="38100">
+            <a:solidFill>
+              <a:schemeClr val="tx1">
+                <a:lumMod val="75000"/>
+                <a:alpha val="80000"/>
+              </a:schemeClr>
+            </a:solidFill>
+          </a:ln>
+          <a:effectLst/>
+        </p:spPr>
+        <p:style>
+          <a:lnRef idx="2">
+            <a:schemeClr val="accent1">
+              <a:shade val="50000"/>
+            </a:schemeClr>
+          </a:lnRef>
+          <a:fillRef idx="1001">
+            <a:schemeClr val="dk2"/>
+          </a:fillRef>
+          <a:effectRef idx="0">
+            <a:schemeClr val="accent1"/>
+          </a:effectRef>
+          <a:fontRef idx="minor">
+            <a:schemeClr val="lt1"/>
+          </a:fontRef>
+        </p:style>
+        <p:txBody>
+          <a:bodyPr rot="0" spcFirstLastPara="0" vertOverflow="overflow" horzOverflow="overflow" vert="horz" wrap="square" lIns="91440" tIns="45720" rIns="91440" bIns="45720" numCol="1" spcCol="0" rtlCol="0" fromWordArt="0" anchor="ctr" anchorCtr="0" forceAA="0" compatLnSpc="1">
+            <a:prstTxWarp prst="textNoShape">
+              <a:avLst/>
+            </a:prstTxWarp>
+            <a:noAutofit/>
+          </a:bodyPr>
+          <a:lstStyle/>
+          <a:p>
+            <a:pPr algn="ctr"/>
+            <a:endParaRPr lang="en-US" sz="2800" b="1" dirty="0">
+              <a:solidFill>
+                <a:srgbClr val="FFFFFF"/>
+              </a:solidFill>
+              <a:effectLst>
+                <a:outerShdw blurRad="38100" dist="38100" dir="2700000" algn="tl">
+                  <a:srgbClr val="000000">
+                    <a:alpha val="43137"/>
+                  </a:srgbClr>
+                </a:outerShdw>
+              </a:effectLst>
+            </a:endParaRPr>
+          </a:p>
+        </p:txBody>
+      </p:sp>
+      <p:sp>
+        <p:nvSpPr>
+          <p:cNvPr id="13" name="Rectangle 12"/>
+          <p:cNvSpPr/>
+          <p:nvPr/>
+        </p:nvSpPr>
+        <p:spPr bwMode="auto">
+          <a:xfrm>
+            <a:off x="4431000" y="3381373"/>
+            <a:ext cx="3473081" cy="767627"/>
+          </a:xfrm>
+          <a:prstGeom prst="rect">
+            <a:avLst/>
+          </a:prstGeom>
+          <a:noFill/>
+          <a:ln w="38100">
+            <a:solidFill>
+              <a:schemeClr val="tx1">
+                <a:lumMod val="75000"/>
+                <a:alpha val="80000"/>
+              </a:schemeClr>
+            </a:solidFill>
+          </a:ln>
+          <a:effectLst/>
+        </p:spPr>
+        <p:style>
+          <a:lnRef idx="2">
+            <a:schemeClr val="accent1">
+              <a:shade val="50000"/>
+            </a:schemeClr>
+          </a:lnRef>
+          <a:fillRef idx="1001">
+            <a:schemeClr val="dk2"/>
+          </a:fillRef>
+          <a:effectRef idx="0">
+            <a:schemeClr val="accent1"/>
+          </a:effectRef>
+          <a:fontRef idx="minor">
+            <a:schemeClr val="lt1"/>
+          </a:fontRef>
+        </p:style>
+        <p:txBody>
+          <a:bodyPr rot="0" spcFirstLastPara="0" vertOverflow="overflow" horzOverflow="overflow" vert="horz" wrap="square" lIns="91440" tIns="45720" rIns="91440" bIns="45720" numCol="1" spcCol="0" rtlCol="0" fromWordArt="0" anchor="ctr" anchorCtr="0" forceAA="0" compatLnSpc="1">
+            <a:prstTxWarp prst="textNoShape">
+              <a:avLst/>
+            </a:prstTxWarp>
+            <a:noAutofit/>
+          </a:bodyPr>
+          <a:lstStyle/>
+          <a:p>
+            <a:pPr algn="ctr"/>
+            <a:endParaRPr lang="en-US" sz="2800" b="1" dirty="0">
+              <a:solidFill>
+                <a:srgbClr val="FFFFFF"/>
+              </a:solidFill>
+              <a:effectLst>
+                <a:outerShdw blurRad="38100" dist="38100" dir="2700000" algn="tl">
+                  <a:srgbClr val="000000">
+                    <a:alpha val="43137"/>
+                  </a:srgbClr>
+                </a:outerShdw>
+              </a:effectLst>
+            </a:endParaRPr>
+          </a:p>
+        </p:txBody>
+      </p:sp>
+      <p:sp>
+        <p:nvSpPr>
+          <p:cNvPr id="14" name="Rectangle 13"/>
+          <p:cNvSpPr/>
+          <p:nvPr/>
+        </p:nvSpPr>
+        <p:spPr bwMode="auto">
+          <a:xfrm>
+            <a:off x="4431000" y="4149709"/>
+            <a:ext cx="3473081" cy="767627"/>
+          </a:xfrm>
+          <a:prstGeom prst="rect">
+            <a:avLst/>
+          </a:prstGeom>
+          <a:noFill/>
+          <a:ln w="38100">
+            <a:solidFill>
+              <a:schemeClr val="tx1">
+                <a:lumMod val="75000"/>
+                <a:alpha val="80000"/>
+              </a:schemeClr>
+            </a:solidFill>
+          </a:ln>
+          <a:effectLst/>
+        </p:spPr>
+        <p:style>
+          <a:lnRef idx="2">
+            <a:schemeClr val="accent1">
+              <a:shade val="50000"/>
+            </a:schemeClr>
+          </a:lnRef>
+          <a:fillRef idx="1001">
+            <a:schemeClr val="dk2"/>
+          </a:fillRef>
+          <a:effectRef idx="0">
+            <a:schemeClr val="accent1"/>
+          </a:effectRef>
+          <a:fontRef idx="minor">
+            <a:schemeClr val="lt1"/>
+          </a:fontRef>
+        </p:style>
+        <p:txBody>
+          <a:bodyPr rot="0" spcFirstLastPara="0" vertOverflow="overflow" horzOverflow="overflow" vert="horz" wrap="square" lIns="91440" tIns="45720" rIns="91440" bIns="45720" numCol="1" spcCol="0" rtlCol="0" fromWordArt="0" anchor="ctr" anchorCtr="0" forceAA="0" compatLnSpc="1">
+            <a:prstTxWarp prst="textNoShape">
+              <a:avLst/>
+            </a:prstTxWarp>
+            <a:noAutofit/>
+          </a:bodyPr>
+          <a:lstStyle/>
+          <a:p>
+            <a:pPr algn="ctr"/>
+            <a:endParaRPr lang="en-US" sz="2800" b="1" dirty="0">
+              <a:solidFill>
+                <a:srgbClr val="FFFFFF"/>
+              </a:solidFill>
+              <a:effectLst>
+                <a:outerShdw blurRad="38100" dist="38100" dir="2700000" algn="tl">
+                  <a:srgbClr val="000000">
+                    <a:alpha val="43137"/>
+                  </a:srgbClr>
+                </a:outerShdw>
+              </a:effectLst>
+            </a:endParaRPr>
+          </a:p>
+        </p:txBody>
+      </p:sp>
+      <p:sp>
+        <p:nvSpPr>
+          <p:cNvPr id="20" name="Rectangle 19"/>
+          <p:cNvSpPr/>
+          <p:nvPr/>
+        </p:nvSpPr>
+        <p:spPr bwMode="auto">
+          <a:xfrm>
+            <a:off x="4431000" y="4917336"/>
+            <a:ext cx="3473081" cy="767627"/>
+          </a:xfrm>
+          <a:prstGeom prst="rect">
+            <a:avLst/>
+          </a:prstGeom>
+          <a:noFill/>
+          <a:ln w="38100">
+            <a:solidFill>
+              <a:schemeClr val="tx1">
+                <a:lumMod val="75000"/>
+                <a:alpha val="80000"/>
+              </a:schemeClr>
+            </a:solidFill>
+          </a:ln>
+          <a:effectLst/>
+        </p:spPr>
+        <p:style>
+          <a:lnRef idx="2">
+            <a:schemeClr val="accent1">
+              <a:shade val="50000"/>
+            </a:schemeClr>
+          </a:lnRef>
+          <a:fillRef idx="1001">
+            <a:schemeClr val="dk2"/>
+          </a:fillRef>
+          <a:effectRef idx="0">
+            <a:schemeClr val="accent1"/>
+          </a:effectRef>
+          <a:fontRef idx="minor">
+            <a:schemeClr val="lt1"/>
+          </a:fontRef>
+        </p:style>
+        <p:txBody>
+          <a:bodyPr rot="0" spcFirstLastPara="0" vertOverflow="overflow" horzOverflow="overflow" vert="horz" wrap="square" lIns="91440" tIns="45720" rIns="91440" bIns="45720" numCol="1" spcCol="0" rtlCol="0" fromWordArt="0" anchor="ctr" anchorCtr="0" forceAA="0" compatLnSpc="1">
+            <a:prstTxWarp prst="textNoShape">
+              <a:avLst/>
+            </a:prstTxWarp>
+            <a:noAutofit/>
+          </a:bodyPr>
+          <a:lstStyle/>
+          <a:p>
+            <a:pPr algn="ctr"/>
+            <a:endParaRPr lang="en-US" sz="2800" b="1" dirty="0">
+              <a:solidFill>
+                <a:srgbClr val="FFFFFF"/>
+              </a:solidFill>
+              <a:effectLst>
+                <a:outerShdw blurRad="38100" dist="38100" dir="2700000" algn="tl">
+                  <a:srgbClr val="000000">
+                    <a:alpha val="43137"/>
+                  </a:srgbClr>
+                </a:outerShdw>
+              </a:effectLst>
+            </a:endParaRPr>
+          </a:p>
+        </p:txBody>
+      </p:sp>
+      <p:sp>
+        <p:nvSpPr>
+          <p:cNvPr id="21" name="Rounded Rectangular Callout 20"/>
+          <p:cNvSpPr/>
+          <p:nvPr/>
+        </p:nvSpPr>
+        <p:spPr bwMode="auto">
+          <a:xfrm>
+            <a:off x="6001388" y="5720152"/>
+            <a:ext cx="5745889" cy="1042425"/>
+          </a:xfrm>
+          <a:prstGeom prst="wedgeRoundRectCallout">
+            <a:avLst>
+              <a:gd name="adj1" fmla="val -58021"/>
+              <a:gd name="adj2" fmla="val -47670"/>
+              <a:gd name="adj3" fmla="val 16667"/>
+            </a:avLst>
+          </a:prstGeom>
+          <a:solidFill>
+            <a:schemeClr val="dk2">
+              <a:alpha val="80000"/>
+            </a:schemeClr>
+          </a:solidFill>
+          <a:ln w="19050">
+            <a:solidFill>
+              <a:schemeClr val="tx1">
+                <a:lumMod val="75000"/>
+                <a:alpha val="80000"/>
+              </a:schemeClr>
+            </a:solidFill>
+          </a:ln>
+          <a:effectLst/>
+        </p:spPr>
+        <p:style>
+          <a:lnRef idx="2">
+            <a:schemeClr val="accent1">
+              <a:shade val="50000"/>
+            </a:schemeClr>
+          </a:lnRef>
+          <a:fillRef idx="1001">
+            <a:schemeClr val="dk2"/>
+          </a:fillRef>
+          <a:effectRef idx="0">
+            <a:schemeClr val="accent1"/>
+          </a:effectRef>
+          <a:fontRef idx="minor">
+            <a:schemeClr val="lt1"/>
+          </a:fontRef>
+        </p:style>
+        <p:txBody>
+          <a:bodyPr rot="0" spcFirstLastPara="0" vertOverflow="overflow" horzOverflow="overflow" vert="horz" wrap="square" lIns="91440" tIns="45720" rIns="91440" bIns="45720" numCol="1" spcCol="0" rtlCol="0" fromWordArt="0" anchor="ctr" anchorCtr="0" forceAA="0" compatLnSpc="1">
+            <a:prstTxWarp prst="textNoShape">
+              <a:avLst/>
+            </a:prstTxWarp>
+            <a:noAutofit/>
+          </a:bodyPr>
+          <a:lstStyle/>
+          <a:p>
+            <a:pPr algn="ctr"/>
+            <a:r>
+              <a:rPr lang="bg-BG" sz="2800" b="1" dirty="0" smtClean="0">
+                <a:solidFill>
+                  <a:srgbClr val="FFFFFF"/>
+                </a:solidFill>
+                <a:effectLst>
+                  <a:outerShdw blurRad="38100" dist="38100" dir="2700000" algn="tl">
+                    <a:srgbClr val="000000">
+                      <a:alpha val="43137"/>
+                    </a:srgbClr>
+                  </a:outerShdw>
+                </a:effectLst>
+              </a:rPr>
+              <a:t>Намалява размера така, че да се събере на </a:t>
+            </a:r>
+            <a:r>
+              <a:rPr lang="bg-BG" sz="2800" b="1" dirty="0" smtClean="0">
+                <a:solidFill>
+                  <a:schemeClr val="accent1">
+                    <a:lumMod val="60000"/>
+                    <a:lumOff val="40000"/>
+                  </a:schemeClr>
+                </a:solidFill>
+                <a:effectLst>
+                  <a:outerShdw blurRad="38100" dist="38100" dir="2700000" algn="tl">
+                    <a:srgbClr val="000000">
+                      <a:alpha val="43137"/>
+                    </a:srgbClr>
+                  </a:outerShdw>
+                </a:effectLst>
+              </a:rPr>
+              <a:t>височина</a:t>
+            </a:r>
+            <a:r>
+              <a:rPr lang="bg-BG" sz="2800" b="1" dirty="0" smtClean="0">
+                <a:solidFill>
+                  <a:srgbClr val="FFFFFF"/>
+                </a:solidFill>
+                <a:effectLst>
+                  <a:outerShdw blurRad="38100" dist="38100" dir="2700000" algn="tl">
+                    <a:srgbClr val="000000">
+                      <a:alpha val="43137"/>
+                    </a:srgbClr>
+                  </a:outerShdw>
+                </a:effectLst>
+              </a:rPr>
+              <a:t> в един лист</a:t>
+            </a:r>
+            <a:endParaRPr lang="en-US" sz="2800" b="1" dirty="0">
+              <a:solidFill>
+                <a:srgbClr val="FFFFFF"/>
+              </a:solidFill>
+              <a:effectLst>
+                <a:outerShdw blurRad="38100" dist="38100" dir="2700000" algn="tl">
+                  <a:srgbClr val="000000">
+                    <a:alpha val="43137"/>
+                  </a:srgbClr>
+                </a:outerShdw>
+              </a:effectLst>
+            </a:endParaRPr>
+          </a:p>
+        </p:txBody>
+      </p:sp>
+    </p:spTree>
+    <p:extLst>
+      <p:ext uri="{BB962C8B-B14F-4D97-AF65-F5344CB8AC3E}">
+        <p14:creationId xmlns:p14="http://schemas.microsoft.com/office/powerpoint/2010/main" val="268463014"/>
+      </p:ext>
+    </p:extLst>
+  </p:cSld>
+  <p:clrMapOvr>
+    <a:masterClrMapping/>
+  </p:clrMapOvr>
+  <mc:AlternateContent xmlns:mc="http://schemas.openxmlformats.org/markup-compatibility/2006" xmlns:p14="http://schemas.microsoft.com/office/powerpoint/2010/main">
+    <mc:Choice Requires="p14">
+      <p:transition spd="slow" p14:dur="2000" advClick="0" advTm="5000"/>
+    </mc:Choice>
+    <mc:Fallback xmlns="">
+      <p:transition spd="slow" advClick="0" advTm="5000"/>
+    </mc:Fallback>
+  </mc:AlternateContent>
+  <p:timing>
+    <p:tnLst>
+      <p:par>
+        <p:cTn id="1" dur="indefinite" restart="never" nodeType="tmRoot">
+          <p:childTnLst>
+            <p:seq concurrent="1" nextAc="seek">
+              <p:cTn id="2" dur="indefinite" nodeType="mainSeq">
+                <p:childTnLst>
+                  <p:par>
+                    <p:cTn id="3" fill="hold">
+                      <p:stCondLst>
+                        <p:cond delay="indefinite"/>
+                      </p:stCondLst>
+                      <p:childTnLst>
+                        <p:par>
+                          <p:cTn id="4" fill="hold">
+                            <p:stCondLst>
+                              <p:cond delay="0"/>
+                            </p:stCondLst>
+                            <p:childTnLst>
+                              <p:par>
+                                <p:cTn id="5" presetID="1" presetClass="entr" presetSubtype="0" fill="hold" grpId="0" nodeType="clickEffect">
+                                  <p:stCondLst>
+                                    <p:cond delay="0"/>
+                                  </p:stCondLst>
+                                  <p:childTnLst>
+                                    <p:set>
+                                      <p:cBhvr>
+                                        <p:cTn id="6" dur="1" fill="hold">
+                                          <p:stCondLst>
+                                            <p:cond delay="0"/>
+                                          </p:stCondLst>
+                                        </p:cTn>
+                                        <p:tgtEl>
+                                          <p:spTgt spid="7"/>
+                                        </p:tgtEl>
+                                        <p:attrNameLst>
+                                          <p:attrName>style.visibility</p:attrName>
+                                        </p:attrNameLst>
+                                      </p:cBhvr>
+                                      <p:to>
+                                        <p:strVal val="visible"/>
+                                      </p:to>
+                                    </p:set>
+                                  </p:childTnLst>
+                                </p:cTn>
+                              </p:par>
+                            </p:childTnLst>
+                          </p:cTn>
+                        </p:par>
+                      </p:childTnLst>
+                    </p:cTn>
+                  </p:par>
+                  <p:par>
+                    <p:cTn id="7" fill="hold">
+                      <p:stCondLst>
+                        <p:cond delay="indefinite"/>
+                      </p:stCondLst>
+                      <p:childTnLst>
+                        <p:par>
+                          <p:cTn id="8" fill="hold">
+                            <p:stCondLst>
+                              <p:cond delay="0"/>
+                            </p:stCondLst>
+                            <p:childTnLst>
+                              <p:par>
+                                <p:cTn id="9" presetID="1" presetClass="entr" presetSubtype="0" fill="hold" nodeType="clickEffect">
+                                  <p:stCondLst>
+                                    <p:cond delay="0"/>
+                                  </p:stCondLst>
+                                  <p:childTnLst>
+                                    <p:set>
+                                      <p:cBhvr>
+                                        <p:cTn id="10" dur="1" fill="hold">
+                                          <p:stCondLst>
+                                            <p:cond delay="0"/>
+                                          </p:stCondLst>
+                                        </p:cTn>
+                                        <p:tgtEl>
+                                          <p:spTgt spid="8"/>
+                                        </p:tgtEl>
+                                        <p:attrNameLst>
+                                          <p:attrName>style.visibility</p:attrName>
+                                        </p:attrNameLst>
+                                      </p:cBhvr>
+                                      <p:to>
+                                        <p:strVal val="visible"/>
+                                      </p:to>
+                                    </p:set>
+                                  </p:childTnLst>
+                                </p:cTn>
+                              </p:par>
+                            </p:childTnLst>
+                          </p:cTn>
+                        </p:par>
+                      </p:childTnLst>
+                    </p:cTn>
+                  </p:par>
+                  <p:par>
+                    <p:cTn id="11" fill="hold">
+                      <p:stCondLst>
+                        <p:cond delay="indefinite"/>
+                      </p:stCondLst>
+                      <p:childTnLst>
+                        <p:par>
+                          <p:cTn id="12" fill="hold">
+                            <p:stCondLst>
+                              <p:cond delay="0"/>
+                            </p:stCondLst>
+                            <p:childTnLst>
+                              <p:par>
+                                <p:cTn id="13" presetID="1" presetClass="entr" presetSubtype="0" fill="hold" nodeType="clickEffect">
+                                  <p:stCondLst>
+                                    <p:cond delay="0"/>
+                                  </p:stCondLst>
+                                  <p:childTnLst>
+                                    <p:set>
+                                      <p:cBhvr>
+                                        <p:cTn id="14" dur="1" fill="hold">
+                                          <p:stCondLst>
+                                            <p:cond delay="0"/>
+                                          </p:stCondLst>
+                                        </p:cTn>
+                                        <p:tgtEl>
+                                          <p:spTgt spid="17"/>
+                                        </p:tgtEl>
+                                        <p:attrNameLst>
+                                          <p:attrName>style.visibility</p:attrName>
+                                        </p:attrNameLst>
+                                      </p:cBhvr>
+                                      <p:to>
+                                        <p:strVal val="visible"/>
+                                      </p:to>
+                                    </p:set>
+                                  </p:childTnLst>
+                                </p:cTn>
+                              </p:par>
+                            </p:childTnLst>
+                          </p:cTn>
+                        </p:par>
+                      </p:childTnLst>
+                    </p:cTn>
+                  </p:par>
+                  <p:par>
+                    <p:cTn id="15" fill="hold">
+                      <p:stCondLst>
+                        <p:cond delay="indefinite"/>
+                      </p:stCondLst>
+                      <p:childTnLst>
+                        <p:par>
+                          <p:cTn id="16" fill="hold">
+                            <p:stCondLst>
+                              <p:cond delay="0"/>
+                            </p:stCondLst>
+                            <p:childTnLst>
+                              <p:par>
+                                <p:cTn id="17" presetID="1" presetClass="entr" presetSubtype="0" fill="hold" grpId="0" nodeType="clickEffect">
+                                  <p:stCondLst>
+                                    <p:cond delay="0"/>
+                                  </p:stCondLst>
+                                  <p:childTnLst>
+                                    <p:set>
+                                      <p:cBhvr>
+                                        <p:cTn id="18" dur="1" fill="hold">
+                                          <p:stCondLst>
+                                            <p:cond delay="0"/>
+                                          </p:stCondLst>
+                                        </p:cTn>
+                                        <p:tgtEl>
+                                          <p:spTgt spid="12"/>
+                                        </p:tgtEl>
+                                        <p:attrNameLst>
+                                          <p:attrName>style.visibility</p:attrName>
+                                        </p:attrNameLst>
+                                      </p:cBhvr>
+                                      <p:to>
+                                        <p:strVal val="visible"/>
+                                      </p:to>
+                                    </p:set>
+                                  </p:childTnLst>
+                                </p:cTn>
+                              </p:par>
+                            </p:childTnLst>
+                          </p:cTn>
+                        </p:par>
+                      </p:childTnLst>
+                    </p:cTn>
+                  </p:par>
+                  <p:par>
+                    <p:cTn id="19" fill="hold">
+                      <p:stCondLst>
+                        <p:cond delay="indefinite"/>
+                      </p:stCondLst>
+                      <p:childTnLst>
+                        <p:par>
+                          <p:cTn id="20" fill="hold">
+                            <p:stCondLst>
+                              <p:cond delay="0"/>
+                            </p:stCondLst>
+                            <p:childTnLst>
+                              <p:par>
+                                <p:cTn id="21" presetID="1" presetClass="entr" presetSubtype="0" fill="hold" grpId="0" nodeType="clickEffect">
+                                  <p:stCondLst>
+                                    <p:cond delay="0"/>
+                                  </p:stCondLst>
+                                  <p:childTnLst>
+                                    <p:set>
+                                      <p:cBhvr>
+                                        <p:cTn id="22" dur="1" fill="hold">
+                                          <p:stCondLst>
+                                            <p:cond delay="0"/>
+                                          </p:stCondLst>
+                                        </p:cTn>
+                                        <p:tgtEl>
+                                          <p:spTgt spid="9"/>
+                                        </p:tgtEl>
+                                        <p:attrNameLst>
+                                          <p:attrName>style.visibility</p:attrName>
+                                        </p:attrNameLst>
+                                      </p:cBhvr>
+                                      <p:to>
+                                        <p:strVal val="visible"/>
+                                      </p:to>
+                                    </p:set>
+                                  </p:childTnLst>
+                                </p:cTn>
+                              </p:par>
+                            </p:childTnLst>
+                          </p:cTn>
+                        </p:par>
+                      </p:childTnLst>
+                    </p:cTn>
+                  </p:par>
+                  <p:par>
+                    <p:cTn id="23" fill="hold">
+                      <p:stCondLst>
+                        <p:cond delay="indefinite"/>
+                      </p:stCondLst>
+                      <p:childTnLst>
+                        <p:par>
+                          <p:cTn id="24" fill="hold">
+                            <p:stCondLst>
+                              <p:cond delay="0"/>
+                            </p:stCondLst>
+                            <p:childTnLst>
+                              <p:par>
+                                <p:cTn id="25" presetID="1" presetClass="entr" presetSubtype="0" fill="hold" grpId="0" nodeType="clickEffect">
+                                  <p:stCondLst>
+                                    <p:cond delay="0"/>
+                                  </p:stCondLst>
+                                  <p:childTnLst>
+                                    <p:set>
+                                      <p:cBhvr>
+                                        <p:cTn id="26" dur="1" fill="hold">
+                                          <p:stCondLst>
+                                            <p:cond delay="0"/>
+                                          </p:stCondLst>
+                                        </p:cTn>
+                                        <p:tgtEl>
+                                          <p:spTgt spid="13"/>
+                                        </p:tgtEl>
+                                        <p:attrNameLst>
+                                          <p:attrName>style.visibility</p:attrName>
+                                        </p:attrNameLst>
+                                      </p:cBhvr>
+                                      <p:to>
+                                        <p:strVal val="visible"/>
+                                      </p:to>
+                                    </p:set>
+                                  </p:childTnLst>
+                                </p:cTn>
+                              </p:par>
+                            </p:childTnLst>
+                          </p:cTn>
+                        </p:par>
+                      </p:childTnLst>
+                    </p:cTn>
+                  </p:par>
+                  <p:par>
+                    <p:cTn id="27" fill="hold">
+                      <p:stCondLst>
+                        <p:cond delay="indefinite"/>
+                      </p:stCondLst>
+                      <p:childTnLst>
+                        <p:par>
+                          <p:cTn id="28" fill="hold">
+                            <p:stCondLst>
+                              <p:cond delay="0"/>
+                            </p:stCondLst>
+                            <p:childTnLst>
+                              <p:par>
+                                <p:cTn id="29" presetID="1" presetClass="entr" presetSubtype="0" fill="hold" grpId="0" nodeType="clickEffect">
+                                  <p:stCondLst>
+                                    <p:cond delay="0"/>
+                                  </p:stCondLst>
+                                  <p:childTnLst>
+                                    <p:set>
+                                      <p:cBhvr>
+                                        <p:cTn id="30" dur="1" fill="hold">
+                                          <p:stCondLst>
+                                            <p:cond delay="0"/>
+                                          </p:stCondLst>
+                                        </p:cTn>
+                                        <p:tgtEl>
+                                          <p:spTgt spid="10"/>
+                                        </p:tgtEl>
+                                        <p:attrNameLst>
+                                          <p:attrName>style.visibility</p:attrName>
+                                        </p:attrNameLst>
+                                      </p:cBhvr>
+                                      <p:to>
+                                        <p:strVal val="visible"/>
+                                      </p:to>
+                                    </p:set>
+                                  </p:childTnLst>
+                                </p:cTn>
+                              </p:par>
+                            </p:childTnLst>
+                          </p:cTn>
+                        </p:par>
+                      </p:childTnLst>
+                    </p:cTn>
+                  </p:par>
+                  <p:par>
+                    <p:cTn id="31" fill="hold">
+                      <p:stCondLst>
+                        <p:cond delay="indefinite"/>
+                      </p:stCondLst>
+                      <p:childTnLst>
+                        <p:par>
+                          <p:cTn id="32" fill="hold">
+                            <p:stCondLst>
+                              <p:cond delay="0"/>
+                            </p:stCondLst>
+                            <p:childTnLst>
+                              <p:par>
+                                <p:cTn id="33" presetID="1" presetClass="entr" presetSubtype="0" fill="hold" grpId="0" nodeType="clickEffect">
+                                  <p:stCondLst>
+                                    <p:cond delay="0"/>
+                                  </p:stCondLst>
+                                  <p:childTnLst>
+                                    <p:set>
+                                      <p:cBhvr>
+                                        <p:cTn id="34" dur="1" fill="hold">
+                                          <p:stCondLst>
+                                            <p:cond delay="0"/>
+                                          </p:stCondLst>
+                                        </p:cTn>
+                                        <p:tgtEl>
+                                          <p:spTgt spid="14"/>
+                                        </p:tgtEl>
+                                        <p:attrNameLst>
+                                          <p:attrName>style.visibility</p:attrName>
+                                        </p:attrNameLst>
+                                      </p:cBhvr>
+                                      <p:to>
+                                        <p:strVal val="visible"/>
+                                      </p:to>
+                                    </p:set>
+                                  </p:childTnLst>
+                                </p:cTn>
+                              </p:par>
+                            </p:childTnLst>
+                          </p:cTn>
+                        </p:par>
+                      </p:childTnLst>
+                    </p:cTn>
+                  </p:par>
+                  <p:par>
+                    <p:cTn id="35" fill="hold">
+                      <p:stCondLst>
+                        <p:cond delay="indefinite"/>
+                      </p:stCondLst>
+                      <p:childTnLst>
+                        <p:par>
+                          <p:cTn id="36" fill="hold">
+                            <p:stCondLst>
+                              <p:cond delay="0"/>
+                            </p:stCondLst>
+                            <p:childTnLst>
+                              <p:par>
+                                <p:cTn id="37" presetID="1" presetClass="entr" presetSubtype="0" fill="hold" grpId="0" nodeType="clickEffect">
+                                  <p:stCondLst>
+                                    <p:cond delay="0"/>
+                                  </p:stCondLst>
+                                  <p:childTnLst>
+                                    <p:set>
+                                      <p:cBhvr>
+                                        <p:cTn id="38" dur="1" fill="hold">
+                                          <p:stCondLst>
+                                            <p:cond delay="0"/>
+                                          </p:stCondLst>
+                                        </p:cTn>
+                                        <p:tgtEl>
+                                          <p:spTgt spid="11"/>
+                                        </p:tgtEl>
+                                        <p:attrNameLst>
+                                          <p:attrName>style.visibility</p:attrName>
+                                        </p:attrNameLst>
+                                      </p:cBhvr>
+                                      <p:to>
+                                        <p:strVal val="visible"/>
+                                      </p:to>
+                                    </p:set>
+                                  </p:childTnLst>
+                                </p:cTn>
+                              </p:par>
+                            </p:childTnLst>
+                          </p:cTn>
+                        </p:par>
+                      </p:childTnLst>
+                    </p:cTn>
+                  </p:par>
+                  <p:par>
+                    <p:cTn id="39" fill="hold">
+                      <p:stCondLst>
+                        <p:cond delay="indefinite"/>
+                      </p:stCondLst>
+                      <p:childTnLst>
+                        <p:par>
+                          <p:cTn id="40" fill="hold">
+                            <p:stCondLst>
+                              <p:cond delay="0"/>
+                            </p:stCondLst>
+                            <p:childTnLst>
+                              <p:par>
+                                <p:cTn id="41" presetID="1" presetClass="entr" presetSubtype="0" fill="hold" grpId="0" nodeType="clickEffect">
+                                  <p:stCondLst>
+                                    <p:cond delay="0"/>
+                                  </p:stCondLst>
+                                  <p:childTnLst>
+                                    <p:set>
+                                      <p:cBhvr>
+                                        <p:cTn id="42" dur="1" fill="hold">
+                                          <p:stCondLst>
+                                            <p:cond delay="0"/>
+                                          </p:stCondLst>
+                                        </p:cTn>
+                                        <p:tgtEl>
+                                          <p:spTgt spid="20"/>
+                                        </p:tgtEl>
+                                        <p:attrNameLst>
+                                          <p:attrName>style.visibility</p:attrName>
+                                        </p:attrNameLst>
+                                      </p:cBhvr>
+                                      <p:to>
+                                        <p:strVal val="visible"/>
+                                      </p:to>
+                                    </p:set>
+                                  </p:childTnLst>
+                                </p:cTn>
+                              </p:par>
+                            </p:childTnLst>
+                          </p:cTn>
+                        </p:par>
+                      </p:childTnLst>
+                    </p:cTn>
+                  </p:par>
+                  <p:par>
+                    <p:cTn id="43" fill="hold">
+                      <p:stCondLst>
+                        <p:cond delay="indefinite"/>
+                      </p:stCondLst>
+                      <p:childTnLst>
+                        <p:par>
+                          <p:cTn id="44" fill="hold">
+                            <p:stCondLst>
+                              <p:cond delay="0"/>
+                            </p:stCondLst>
+                            <p:childTnLst>
+                              <p:par>
+                                <p:cTn id="45" presetID="1" presetClass="entr" presetSubtype="0" fill="hold" grpId="0" nodeType="clickEffect">
+                                  <p:stCondLst>
+                                    <p:cond delay="0"/>
+                                  </p:stCondLst>
+                                  <p:childTnLst>
+                                    <p:set>
+                                      <p:cBhvr>
+                                        <p:cTn id="46" dur="1" fill="hold">
+                                          <p:stCondLst>
+                                            <p:cond delay="0"/>
+                                          </p:stCondLst>
+                                        </p:cTn>
+                                        <p:tgtEl>
+                                          <p:spTgt spid="21"/>
+                                        </p:tgtEl>
+                                        <p:attrNameLst>
+                                          <p:attrName>style.visibility</p:attrName>
+                                        </p:attrNameLst>
+                                      </p:cBhvr>
+                                      <p:to>
+                                        <p:strVal val="visible"/>
+                                      </p:to>
+                                    </p:set>
+                                  </p:childTnLst>
+                                </p:cTn>
+                              </p:par>
+                            </p:childTnLst>
+                          </p:cTn>
+                        </p:par>
+                      </p:childTnLst>
+                    </p:cTn>
+                  </p:par>
+                </p:childTnLst>
+              </p:cTn>
+              <p:prevCondLst>
+                <p:cond evt="onPrev" delay="0">
+                  <p:tgtEl>
+                    <p:sldTgt/>
+                  </p:tgtEl>
+                </p:cond>
+              </p:prevCondLst>
+              <p:nextCondLst>
+                <p:cond evt="onNext" delay="0">
+                  <p:tgtEl>
+                    <p:sldTgt/>
+                  </p:tgtEl>
+                </p:cond>
+              </p:nextCondLst>
+            </p:seq>
+          </p:childTnLst>
+        </p:cTn>
+      </p:par>
+    </p:tnLst>
+    <p:bldLst>
+      <p:bldP spid="7" grpId="0" animBg="1"/>
+      <p:bldP spid="9" grpId="0" animBg="1"/>
+      <p:bldP spid="10" grpId="0" animBg="1"/>
+      <p:bldP spid="11" grpId="0" animBg="1"/>
+      <p:bldP spid="12" grpId="0" animBg="1"/>
+      <p:bldP spid="13" grpId="0" animBg="1"/>
+      <p:bldP spid="14" grpId="0" animBg="1"/>
+      <p:bldP spid="20" grpId="0" animBg="1"/>
+      <p:bldP spid="21" grpId="0" animBg="1"/>
+    </p:bldLst>
+  </p:timing>
+</p:sld>
+</file>
+
+<file path=ppt/slides/slide18.xml><?xml version="1.0" encoding="utf-8"?>
 <p:sld xmlns:a="http://schemas.openxmlformats.org/drawingml/2006/main" xmlns:r="http://schemas.openxmlformats.org/officeDocument/2006/relationships" xmlns:p="http://schemas.openxmlformats.org/presentationml/2006/main">
   <p:cSld>
     <p:spTree>
@@ -8004,7 +13040,7 @@
             <a:fld id="{C014DD1E-5D91-48A3-AD6D-45FBA980D106}" type="slidenum">
               <a:rPr lang="en-US" smtClean="0"/>
               <a:pPr/>
-              <a:t>12</a:t>
+              <a:t>18</a:t>
             </a:fld>
             <a:endParaRPr lang="en-US" dirty="0"/>
           </a:p>
@@ -8410,17 +13446,660 @@
               </a:buClr>
             </a:pPr>
             <a:r>
-              <a:rPr lang="en-US" sz="3200" b="1" dirty="0" smtClean="0">
+              <a:rPr lang="bg-BG" sz="2600" b="1" dirty="0" smtClean="0">
                 <a:solidFill>
-                  <a:schemeClr val="bg1">
+                  <a:schemeClr val="bg2"/>
+                </a:solidFill>
+              </a:rPr>
+              <a:t>Настройки</a:t>
+            </a:r>
+            <a:r>
+              <a:rPr lang="bg-BG" sz="2600" dirty="0" smtClean="0">
+                <a:solidFill>
+                  <a:schemeClr val="bg2"/>
+                </a:solidFill>
+              </a:rPr>
+              <a:t> за отпечатване</a:t>
+            </a:r>
+            <a:r>
+              <a:rPr lang="bg-BG" sz="2600" b="1" dirty="0" smtClean="0">
+                <a:solidFill>
+                  <a:schemeClr val="bg2"/>
+                </a:solidFill>
+              </a:rPr>
+              <a:t>:</a:t>
+            </a:r>
+          </a:p>
+          <a:p>
+            <a:pPr marL="888666" lvl="1" indent="-355600">
+              <a:lnSpc>
+                <a:spcPct val="100000"/>
+              </a:lnSpc>
+              <a:buClr>
+                <a:schemeClr val="bg2"/>
+              </a:buClr>
+            </a:pPr>
+            <a:r>
+              <a:rPr lang="en-US" sz="2400" b="1" dirty="0" smtClean="0">
+                <a:solidFill>
+                  <a:schemeClr val="accent1">
                     <a:lumMod val="60000"/>
                     <a:lumOff val="40000"/>
                   </a:schemeClr>
                 </a:solidFill>
               </a:rPr>
-              <a:t>TODO</a:t>
-            </a:r>
-            <a:endParaRPr lang="en-US" sz="2600" b="1" dirty="0" smtClean="0">
+              <a:t>Page</a:t>
+            </a:r>
+          </a:p>
+          <a:p>
+            <a:pPr marL="1421733" lvl="2" indent="-355600">
+              <a:lnSpc>
+                <a:spcPct val="100000"/>
+              </a:lnSpc>
+              <a:buClr>
+                <a:schemeClr val="bg2"/>
+              </a:buClr>
+            </a:pPr>
+            <a:r>
+              <a:rPr lang="ru-RU" sz="2200" b="1" dirty="0">
+                <a:solidFill>
+                  <a:schemeClr val="bg2"/>
+                </a:solidFill>
+              </a:rPr>
+              <a:t>Ориентация</a:t>
+            </a:r>
+          </a:p>
+          <a:p>
+            <a:pPr marL="1421733" lvl="2" indent="-355600">
+              <a:lnSpc>
+                <a:spcPct val="100000"/>
+              </a:lnSpc>
+              <a:buClr>
+                <a:schemeClr val="bg2"/>
+              </a:buClr>
+            </a:pPr>
+            <a:r>
+              <a:rPr lang="ru-RU" sz="2200" b="1" dirty="0">
+                <a:solidFill>
+                  <a:schemeClr val="bg2"/>
+                </a:solidFill>
+              </a:rPr>
+              <a:t>Мащабиране</a:t>
+            </a:r>
+          </a:p>
+          <a:p>
+            <a:pPr marL="1421733" lvl="2" indent="-355600">
+              <a:lnSpc>
+                <a:spcPct val="100000"/>
+              </a:lnSpc>
+              <a:buClr>
+                <a:schemeClr val="bg2"/>
+              </a:buClr>
+            </a:pPr>
+            <a:r>
+              <a:rPr lang="ru-RU" sz="2200" b="1" dirty="0">
+                <a:solidFill>
+                  <a:schemeClr val="bg2"/>
+                </a:solidFill>
+              </a:rPr>
+              <a:t>Размер на хартията</a:t>
+            </a:r>
+          </a:p>
+          <a:p>
+            <a:pPr marL="888666" lvl="1" indent="-355600">
+              <a:lnSpc>
+                <a:spcPct val="100000"/>
+              </a:lnSpc>
+              <a:buClr>
+                <a:schemeClr val="bg2"/>
+              </a:buClr>
+            </a:pPr>
+            <a:r>
+              <a:rPr lang="en-US" sz="2400" b="1" dirty="0" smtClean="0">
+                <a:solidFill>
+                  <a:schemeClr val="accent1">
+                    <a:lumMod val="60000"/>
+                    <a:lumOff val="40000"/>
+                  </a:schemeClr>
+                </a:solidFill>
+              </a:rPr>
+              <a:t>Margins</a:t>
+            </a:r>
+          </a:p>
+          <a:p>
+            <a:pPr marL="1421733" lvl="2" indent="-355600">
+              <a:lnSpc>
+                <a:spcPct val="100000"/>
+              </a:lnSpc>
+              <a:buClr>
+                <a:schemeClr val="bg2"/>
+              </a:buClr>
+            </a:pPr>
+            <a:r>
+              <a:rPr lang="en-US" sz="2200" b="1" dirty="0" smtClean="0">
+                <a:solidFill>
+                  <a:schemeClr val="bg2"/>
+                </a:solidFill>
+              </a:rPr>
+              <a:t>Top, Bottom, Left, Right</a:t>
+            </a:r>
+          </a:p>
+          <a:p>
+            <a:pPr marL="888666" lvl="1" indent="-355600">
+              <a:lnSpc>
+                <a:spcPct val="100000"/>
+              </a:lnSpc>
+              <a:buClr>
+                <a:schemeClr val="bg2"/>
+              </a:buClr>
+            </a:pPr>
+            <a:r>
+              <a:rPr lang="en-US" sz="2400" b="1" dirty="0" smtClean="0">
+                <a:solidFill>
+                  <a:schemeClr val="accent1">
+                    <a:lumMod val="60000"/>
+                    <a:lumOff val="40000"/>
+                  </a:schemeClr>
+                </a:solidFill>
+              </a:rPr>
+              <a:t>Sheet</a:t>
+            </a:r>
+          </a:p>
+          <a:p>
+            <a:pPr marL="1421733" lvl="2" indent="-355600">
+              <a:lnSpc>
+                <a:spcPct val="100000"/>
+              </a:lnSpc>
+              <a:buClr>
+                <a:schemeClr val="bg2"/>
+              </a:buClr>
+            </a:pPr>
+            <a:r>
+              <a:rPr lang="en-US" sz="2200" b="1" dirty="0">
+                <a:solidFill>
+                  <a:schemeClr val="bg2"/>
+                </a:solidFill>
+              </a:rPr>
+              <a:t>Print area</a:t>
+            </a:r>
+          </a:p>
+          <a:p>
+            <a:pPr marL="1421733" lvl="2" indent="-355600">
+              <a:lnSpc>
+                <a:spcPct val="100000"/>
+              </a:lnSpc>
+              <a:buClr>
+                <a:schemeClr val="bg2"/>
+              </a:buClr>
+            </a:pPr>
+            <a:r>
+              <a:rPr lang="en-US" sz="2200" b="1" dirty="0">
+                <a:solidFill>
+                  <a:schemeClr val="bg2"/>
+                </a:solidFill>
+              </a:rPr>
+              <a:t>Print titles</a:t>
+            </a:r>
+          </a:p>
+        </p:txBody>
+      </p:sp>
+      <p:sp>
+        <p:nvSpPr>
+          <p:cNvPr id="13" name="Content Placeholder 4">
+            <a:extLst>
+              <a:ext uri="{FF2B5EF4-FFF2-40B4-BE49-F238E27FC236}">
+                <a16:creationId xmlns:a16="http://schemas.microsoft.com/office/drawing/2014/main" id="{B96A0DF8-27E7-4DC8-BBE3-7238AAAEB845}"/>
+              </a:ext>
+            </a:extLst>
+          </p:cNvPr>
+          <p:cNvSpPr txBox="1">
+            <a:spLocks/>
+          </p:cNvSpPr>
+          <p:nvPr/>
+        </p:nvSpPr>
+        <p:spPr>
+          <a:xfrm>
+            <a:off x="3929921" y="2709000"/>
+            <a:ext cx="5305712" cy="1615294"/>
+          </a:xfrm>
+          <a:prstGeom prst="rect">
+            <a:avLst/>
+          </a:prstGeom>
+        </p:spPr>
+        <p:txBody>
+          <a:bodyPr vert="horz" lIns="108000" tIns="36000" rIns="108000" bIns="36000" rtlCol="0">
+            <a:noAutofit/>
+          </a:bodyPr>
+          <a:lstStyle>
+            <a:lvl1pPr marL="456915" indent="-456915" algn="l" defTabSz="1218438" rtl="0" eaLnBrk="1" latinLnBrk="0" hangingPunct="1">
+              <a:lnSpc>
+                <a:spcPct val="105000"/>
+              </a:lnSpc>
+              <a:spcBef>
+                <a:spcPts val="600"/>
+              </a:spcBef>
+              <a:spcAft>
+                <a:spcPts val="600"/>
+              </a:spcAft>
+              <a:buFont typeface="Wingdings" panose="05000000000000000000" pitchFamily="2" charset="2"/>
+              <a:buChar char="§"/>
+              <a:defRPr sz="3398" kern="1200">
+                <a:solidFill>
+                  <a:schemeClr val="tx1"/>
+                </a:solidFill>
+                <a:latin typeface="+mn-lt"/>
+                <a:ea typeface="+mn-ea"/>
+                <a:cs typeface="+mn-cs"/>
+              </a:defRPr>
+            </a:lvl1pPr>
+            <a:lvl2pPr marL="989981" indent="-380762" algn="l" defTabSz="1218438" rtl="0" eaLnBrk="1" latinLnBrk="0" hangingPunct="1">
+              <a:lnSpc>
+                <a:spcPct val="105000"/>
+              </a:lnSpc>
+              <a:spcBef>
+                <a:spcPts val="600"/>
+              </a:spcBef>
+              <a:spcAft>
+                <a:spcPts val="600"/>
+              </a:spcAft>
+              <a:buFont typeface="Wingdings" panose="05000000000000000000" pitchFamily="2" charset="2"/>
+              <a:buChar char="§"/>
+              <a:defRPr sz="3198" kern="1200">
+                <a:solidFill>
+                  <a:schemeClr val="tx1"/>
+                </a:solidFill>
+                <a:latin typeface="+mn-lt"/>
+                <a:ea typeface="+mn-ea"/>
+                <a:cs typeface="+mn-cs"/>
+              </a:defRPr>
+            </a:lvl2pPr>
+            <a:lvl3pPr marL="1523048" indent="-304610" algn="l" defTabSz="1218438" rtl="0" eaLnBrk="1" latinLnBrk="0" hangingPunct="1">
+              <a:lnSpc>
+                <a:spcPct val="105000"/>
+              </a:lnSpc>
+              <a:spcBef>
+                <a:spcPts val="600"/>
+              </a:spcBef>
+              <a:spcAft>
+                <a:spcPts val="600"/>
+              </a:spcAft>
+              <a:buFont typeface="Wingdings" panose="05000000000000000000" pitchFamily="2" charset="2"/>
+              <a:buChar char="§"/>
+              <a:defRPr sz="2998" kern="1200">
+                <a:solidFill>
+                  <a:schemeClr val="tx1"/>
+                </a:solidFill>
+                <a:latin typeface="+mn-lt"/>
+                <a:ea typeface="+mn-ea"/>
+                <a:cs typeface="+mn-cs"/>
+              </a:defRPr>
+            </a:lvl3pPr>
+            <a:lvl4pPr marL="2132267" indent="-304610" algn="l" defTabSz="1218438" rtl="0" eaLnBrk="1" latinLnBrk="0" hangingPunct="1">
+              <a:lnSpc>
+                <a:spcPct val="105000"/>
+              </a:lnSpc>
+              <a:spcBef>
+                <a:spcPts val="600"/>
+              </a:spcBef>
+              <a:spcAft>
+                <a:spcPts val="600"/>
+              </a:spcAft>
+              <a:buFont typeface="Wingdings" panose="05000000000000000000" pitchFamily="2" charset="2"/>
+              <a:buChar char="§"/>
+              <a:defRPr sz="2798" kern="1200">
+                <a:solidFill>
+                  <a:schemeClr val="tx1"/>
+                </a:solidFill>
+                <a:latin typeface="+mn-lt"/>
+                <a:ea typeface="+mn-ea"/>
+                <a:cs typeface="+mn-cs"/>
+              </a:defRPr>
+            </a:lvl4pPr>
+            <a:lvl5pPr marL="2741485" indent="-304610" algn="l" defTabSz="1218438" rtl="0" eaLnBrk="1" latinLnBrk="0" hangingPunct="1">
+              <a:lnSpc>
+                <a:spcPct val="105000"/>
+              </a:lnSpc>
+              <a:spcBef>
+                <a:spcPts val="600"/>
+              </a:spcBef>
+              <a:spcAft>
+                <a:spcPts val="600"/>
+              </a:spcAft>
+              <a:buFont typeface="Wingdings" panose="05000000000000000000" pitchFamily="2" charset="2"/>
+              <a:buChar char="§"/>
+              <a:defRPr sz="2598" kern="1200">
+                <a:solidFill>
+                  <a:schemeClr val="tx1"/>
+                </a:solidFill>
+                <a:latin typeface="+mn-lt"/>
+                <a:ea typeface="+mn-ea"/>
+                <a:cs typeface="+mn-cs"/>
+              </a:defRPr>
+            </a:lvl5pPr>
+            <a:lvl6pPr marL="3350704" indent="-304610" algn="l" defTabSz="1218438" rtl="0" eaLnBrk="1" latinLnBrk="0" hangingPunct="1">
+              <a:spcBef>
+                <a:spcPct val="20000"/>
+              </a:spcBef>
+              <a:buFont typeface="Arial" pitchFamily="34" charset="0"/>
+              <a:buChar char="•"/>
+              <a:defRPr sz="2665" kern="1200">
+                <a:solidFill>
+                  <a:schemeClr val="tx1"/>
+                </a:solidFill>
+                <a:latin typeface="+mn-lt"/>
+                <a:ea typeface="+mn-ea"/>
+                <a:cs typeface="+mn-cs"/>
+              </a:defRPr>
+            </a:lvl6pPr>
+            <a:lvl7pPr marL="3959924" indent="-304610" algn="l" defTabSz="1218438" rtl="0" eaLnBrk="1" latinLnBrk="0" hangingPunct="1">
+              <a:spcBef>
+                <a:spcPct val="20000"/>
+              </a:spcBef>
+              <a:buFont typeface="Arial" pitchFamily="34" charset="0"/>
+              <a:buChar char="•"/>
+              <a:defRPr sz="2665" kern="1200">
+                <a:solidFill>
+                  <a:schemeClr val="tx1"/>
+                </a:solidFill>
+                <a:latin typeface="+mn-lt"/>
+                <a:ea typeface="+mn-ea"/>
+                <a:cs typeface="+mn-cs"/>
+              </a:defRPr>
+            </a:lvl7pPr>
+            <a:lvl8pPr marL="4569143" indent="-304610" algn="l" defTabSz="1218438" rtl="0" eaLnBrk="1" latinLnBrk="0" hangingPunct="1">
+              <a:spcBef>
+                <a:spcPct val="20000"/>
+              </a:spcBef>
+              <a:buFont typeface="Arial" pitchFamily="34" charset="0"/>
+              <a:buChar char="•"/>
+              <a:defRPr sz="2665" kern="1200">
+                <a:solidFill>
+                  <a:schemeClr val="tx1"/>
+                </a:solidFill>
+                <a:latin typeface="+mn-lt"/>
+                <a:ea typeface="+mn-ea"/>
+                <a:cs typeface="+mn-cs"/>
+              </a:defRPr>
+            </a:lvl8pPr>
+            <a:lvl9pPr marL="5178362" indent="-304610" algn="l" defTabSz="1218438" rtl="0" eaLnBrk="1" latinLnBrk="0" hangingPunct="1">
+              <a:spcBef>
+                <a:spcPct val="20000"/>
+              </a:spcBef>
+              <a:buFont typeface="Arial" pitchFamily="34" charset="0"/>
+              <a:buChar char="•"/>
+              <a:defRPr sz="2665" kern="1200">
+                <a:solidFill>
+                  <a:schemeClr val="tx1"/>
+                </a:solidFill>
+                <a:latin typeface="+mn-lt"/>
+                <a:ea typeface="+mn-ea"/>
+                <a:cs typeface="+mn-cs"/>
+              </a:defRPr>
+            </a:lvl9pPr>
+          </a:lstStyle>
+          <a:p>
+            <a:pPr marL="1421733" lvl="2" indent="-355600">
+              <a:lnSpc>
+                <a:spcPct val="100000"/>
+              </a:lnSpc>
+              <a:buClr>
+                <a:schemeClr val="bg2"/>
+              </a:buClr>
+            </a:pPr>
+            <a:r>
+              <a:rPr lang="ru-RU" sz="2200" b="1" dirty="0">
+                <a:solidFill>
+                  <a:schemeClr val="bg2"/>
+                </a:solidFill>
+              </a:rPr>
+              <a:t>Качество на печат</a:t>
+            </a:r>
+          </a:p>
+          <a:p>
+            <a:pPr marL="1421733" lvl="2" indent="-355600">
+              <a:lnSpc>
+                <a:spcPct val="100000"/>
+              </a:lnSpc>
+              <a:buClr>
+                <a:schemeClr val="bg2"/>
+              </a:buClr>
+            </a:pPr>
+            <a:r>
+              <a:rPr lang="ru-RU" sz="2200" b="1" dirty="0">
+                <a:solidFill>
+                  <a:schemeClr val="bg2"/>
+                </a:solidFill>
+              </a:rPr>
+              <a:t>Номер на първата </a:t>
+            </a:r>
+            <a:r>
+              <a:rPr lang="ru-RU" sz="2200" b="1" dirty="0" smtClean="0">
+                <a:solidFill>
+                  <a:schemeClr val="bg2"/>
+                </a:solidFill>
+              </a:rPr>
+              <a:t>страница</a:t>
+            </a:r>
+            <a:endParaRPr lang="en-US" sz="2200" b="1" dirty="0">
+              <a:solidFill>
+                <a:schemeClr val="bg2"/>
+              </a:solidFill>
+            </a:endParaRPr>
+          </a:p>
+        </p:txBody>
+      </p:sp>
+      <p:sp>
+        <p:nvSpPr>
+          <p:cNvPr id="17" name="Content Placeholder 4">
+            <a:extLst>
+              <a:ext uri="{FF2B5EF4-FFF2-40B4-BE49-F238E27FC236}">
+                <a16:creationId xmlns:a16="http://schemas.microsoft.com/office/drawing/2014/main" id="{B96A0DF8-27E7-4DC8-BBE3-7238AAAEB845}"/>
+              </a:ext>
+            </a:extLst>
+          </p:cNvPr>
+          <p:cNvSpPr txBox="1">
+            <a:spLocks/>
+          </p:cNvSpPr>
+          <p:nvPr/>
+        </p:nvSpPr>
+        <p:spPr>
+          <a:xfrm>
+            <a:off x="3929921" y="5679000"/>
+            <a:ext cx="5305712" cy="825942"/>
+          </a:xfrm>
+          <a:prstGeom prst="rect">
+            <a:avLst/>
+          </a:prstGeom>
+        </p:spPr>
+        <p:txBody>
+          <a:bodyPr vert="horz" lIns="108000" tIns="36000" rIns="108000" bIns="36000" rtlCol="0">
+            <a:noAutofit/>
+          </a:bodyPr>
+          <a:lstStyle>
+            <a:lvl1pPr marL="456915" indent="-456915" algn="l" defTabSz="1218438" rtl="0" eaLnBrk="1" latinLnBrk="0" hangingPunct="1">
+              <a:lnSpc>
+                <a:spcPct val="105000"/>
+              </a:lnSpc>
+              <a:spcBef>
+                <a:spcPts val="600"/>
+              </a:spcBef>
+              <a:spcAft>
+                <a:spcPts val="600"/>
+              </a:spcAft>
+              <a:buFont typeface="Wingdings" panose="05000000000000000000" pitchFamily="2" charset="2"/>
+              <a:buChar char="§"/>
+              <a:defRPr sz="3398" kern="1200">
+                <a:solidFill>
+                  <a:schemeClr val="tx1"/>
+                </a:solidFill>
+                <a:latin typeface="+mn-lt"/>
+                <a:ea typeface="+mn-ea"/>
+                <a:cs typeface="+mn-cs"/>
+              </a:defRPr>
+            </a:lvl1pPr>
+            <a:lvl2pPr marL="989981" indent="-380762" algn="l" defTabSz="1218438" rtl="0" eaLnBrk="1" latinLnBrk="0" hangingPunct="1">
+              <a:lnSpc>
+                <a:spcPct val="105000"/>
+              </a:lnSpc>
+              <a:spcBef>
+                <a:spcPts val="600"/>
+              </a:spcBef>
+              <a:spcAft>
+                <a:spcPts val="600"/>
+              </a:spcAft>
+              <a:buFont typeface="Wingdings" panose="05000000000000000000" pitchFamily="2" charset="2"/>
+              <a:buChar char="§"/>
+              <a:defRPr sz="3198" kern="1200">
+                <a:solidFill>
+                  <a:schemeClr val="tx1"/>
+                </a:solidFill>
+                <a:latin typeface="+mn-lt"/>
+                <a:ea typeface="+mn-ea"/>
+                <a:cs typeface="+mn-cs"/>
+              </a:defRPr>
+            </a:lvl2pPr>
+            <a:lvl3pPr marL="1523048" indent="-304610" algn="l" defTabSz="1218438" rtl="0" eaLnBrk="1" latinLnBrk="0" hangingPunct="1">
+              <a:lnSpc>
+                <a:spcPct val="105000"/>
+              </a:lnSpc>
+              <a:spcBef>
+                <a:spcPts val="600"/>
+              </a:spcBef>
+              <a:spcAft>
+                <a:spcPts val="600"/>
+              </a:spcAft>
+              <a:buFont typeface="Wingdings" panose="05000000000000000000" pitchFamily="2" charset="2"/>
+              <a:buChar char="§"/>
+              <a:defRPr sz="2998" kern="1200">
+                <a:solidFill>
+                  <a:schemeClr val="tx1"/>
+                </a:solidFill>
+                <a:latin typeface="+mn-lt"/>
+                <a:ea typeface="+mn-ea"/>
+                <a:cs typeface="+mn-cs"/>
+              </a:defRPr>
+            </a:lvl3pPr>
+            <a:lvl4pPr marL="2132267" indent="-304610" algn="l" defTabSz="1218438" rtl="0" eaLnBrk="1" latinLnBrk="0" hangingPunct="1">
+              <a:lnSpc>
+                <a:spcPct val="105000"/>
+              </a:lnSpc>
+              <a:spcBef>
+                <a:spcPts val="600"/>
+              </a:spcBef>
+              <a:spcAft>
+                <a:spcPts val="600"/>
+              </a:spcAft>
+              <a:buFont typeface="Wingdings" panose="05000000000000000000" pitchFamily="2" charset="2"/>
+              <a:buChar char="§"/>
+              <a:defRPr sz="2798" kern="1200">
+                <a:solidFill>
+                  <a:schemeClr val="tx1"/>
+                </a:solidFill>
+                <a:latin typeface="+mn-lt"/>
+                <a:ea typeface="+mn-ea"/>
+                <a:cs typeface="+mn-cs"/>
+              </a:defRPr>
+            </a:lvl4pPr>
+            <a:lvl5pPr marL="2741485" indent="-304610" algn="l" defTabSz="1218438" rtl="0" eaLnBrk="1" latinLnBrk="0" hangingPunct="1">
+              <a:lnSpc>
+                <a:spcPct val="105000"/>
+              </a:lnSpc>
+              <a:spcBef>
+                <a:spcPts val="600"/>
+              </a:spcBef>
+              <a:spcAft>
+                <a:spcPts val="600"/>
+              </a:spcAft>
+              <a:buFont typeface="Wingdings" panose="05000000000000000000" pitchFamily="2" charset="2"/>
+              <a:buChar char="§"/>
+              <a:defRPr sz="2598" kern="1200">
+                <a:solidFill>
+                  <a:schemeClr val="tx1"/>
+                </a:solidFill>
+                <a:latin typeface="+mn-lt"/>
+                <a:ea typeface="+mn-ea"/>
+                <a:cs typeface="+mn-cs"/>
+              </a:defRPr>
+            </a:lvl5pPr>
+            <a:lvl6pPr marL="3350704" indent="-304610" algn="l" defTabSz="1218438" rtl="0" eaLnBrk="1" latinLnBrk="0" hangingPunct="1">
+              <a:spcBef>
+                <a:spcPct val="20000"/>
+              </a:spcBef>
+              <a:buFont typeface="Arial" pitchFamily="34" charset="0"/>
+              <a:buChar char="•"/>
+              <a:defRPr sz="2665" kern="1200">
+                <a:solidFill>
+                  <a:schemeClr val="tx1"/>
+                </a:solidFill>
+                <a:latin typeface="+mn-lt"/>
+                <a:ea typeface="+mn-ea"/>
+                <a:cs typeface="+mn-cs"/>
+              </a:defRPr>
+            </a:lvl6pPr>
+            <a:lvl7pPr marL="3959924" indent="-304610" algn="l" defTabSz="1218438" rtl="0" eaLnBrk="1" latinLnBrk="0" hangingPunct="1">
+              <a:spcBef>
+                <a:spcPct val="20000"/>
+              </a:spcBef>
+              <a:buFont typeface="Arial" pitchFamily="34" charset="0"/>
+              <a:buChar char="•"/>
+              <a:defRPr sz="2665" kern="1200">
+                <a:solidFill>
+                  <a:schemeClr val="tx1"/>
+                </a:solidFill>
+                <a:latin typeface="+mn-lt"/>
+                <a:ea typeface="+mn-ea"/>
+                <a:cs typeface="+mn-cs"/>
+              </a:defRPr>
+            </a:lvl7pPr>
+            <a:lvl8pPr marL="4569143" indent="-304610" algn="l" defTabSz="1218438" rtl="0" eaLnBrk="1" latinLnBrk="0" hangingPunct="1">
+              <a:spcBef>
+                <a:spcPct val="20000"/>
+              </a:spcBef>
+              <a:buFont typeface="Arial" pitchFamily="34" charset="0"/>
+              <a:buChar char="•"/>
+              <a:defRPr sz="2665" kern="1200">
+                <a:solidFill>
+                  <a:schemeClr val="tx1"/>
+                </a:solidFill>
+                <a:latin typeface="+mn-lt"/>
+                <a:ea typeface="+mn-ea"/>
+                <a:cs typeface="+mn-cs"/>
+              </a:defRPr>
+            </a:lvl8pPr>
+            <a:lvl9pPr marL="5178362" indent="-304610" algn="l" defTabSz="1218438" rtl="0" eaLnBrk="1" latinLnBrk="0" hangingPunct="1">
+              <a:spcBef>
+                <a:spcPct val="20000"/>
+              </a:spcBef>
+              <a:buFont typeface="Arial" pitchFamily="34" charset="0"/>
+              <a:buChar char="•"/>
+              <a:defRPr sz="2665" kern="1200">
+                <a:solidFill>
+                  <a:schemeClr val="tx1"/>
+                </a:solidFill>
+                <a:latin typeface="+mn-lt"/>
+                <a:ea typeface="+mn-ea"/>
+                <a:cs typeface="+mn-cs"/>
+              </a:defRPr>
+            </a:lvl9pPr>
+          </a:lstStyle>
+          <a:p>
+            <a:pPr marL="1421733" lvl="2" indent="-355600">
+              <a:lnSpc>
+                <a:spcPct val="100000"/>
+              </a:lnSpc>
+              <a:buClr>
+                <a:schemeClr val="bg2"/>
+              </a:buClr>
+            </a:pPr>
+            <a:r>
+              <a:rPr lang="en-US" sz="2200" b="1" dirty="0" smtClean="0">
+                <a:solidFill>
+                  <a:schemeClr val="bg2"/>
+                </a:solidFill>
+              </a:rPr>
+              <a:t>Page order</a:t>
+            </a:r>
+            <a:endParaRPr lang="en-US" sz="2200" b="1" dirty="0">
               <a:solidFill>
                 <a:schemeClr val="bg2"/>
               </a:solidFill>
@@ -8482,6 +14161,545 @@
                                         <p:tgtEl>
                                           <p:spTgt spid="15">
                                             <p:txEl>
+                                              <p:pRg st="1" end="1"/>
+                                            </p:txEl>
+                                          </p:spTgt>
+                                        </p:tgtEl>
+                                        <p:attrNameLst>
+                                          <p:attrName>style.visibility</p:attrName>
+                                        </p:attrNameLst>
+                                      </p:cBhvr>
+                                      <p:to>
+                                        <p:strVal val="visible"/>
+                                      </p:to>
+                                    </p:set>
+                                  </p:childTnLst>
+                                </p:cTn>
+                              </p:par>
+                            </p:childTnLst>
+                          </p:cTn>
+                        </p:par>
+                      </p:childTnLst>
+                    </p:cTn>
+                  </p:par>
+                  <p:par>
+                    <p:cTn id="7" fill="hold">
+                      <p:stCondLst>
+                        <p:cond delay="indefinite"/>
+                      </p:stCondLst>
+                      <p:childTnLst>
+                        <p:par>
+                          <p:cTn id="8" fill="hold">
+                            <p:stCondLst>
+                              <p:cond delay="0"/>
+                            </p:stCondLst>
+                            <p:childTnLst>
+                              <p:par>
+                                <p:cTn id="9" presetID="1" presetClass="entr" presetSubtype="0" fill="hold" nodeType="clickEffect">
+                                  <p:stCondLst>
+                                    <p:cond delay="0"/>
+                                  </p:stCondLst>
+                                  <p:childTnLst>
+                                    <p:set>
+                                      <p:cBhvr>
+                                        <p:cTn id="10" dur="1" fill="hold">
+                                          <p:stCondLst>
+                                            <p:cond delay="0"/>
+                                          </p:stCondLst>
+                                        </p:cTn>
+                                        <p:tgtEl>
+                                          <p:spTgt spid="15">
+                                            <p:txEl>
+                                              <p:pRg st="2" end="2"/>
+                                            </p:txEl>
+                                          </p:spTgt>
+                                        </p:tgtEl>
+                                        <p:attrNameLst>
+                                          <p:attrName>style.visibility</p:attrName>
+                                        </p:attrNameLst>
+                                      </p:cBhvr>
+                                      <p:to>
+                                        <p:strVal val="visible"/>
+                                      </p:to>
+                                    </p:set>
+                                  </p:childTnLst>
+                                </p:cTn>
+                              </p:par>
+                            </p:childTnLst>
+                          </p:cTn>
+                        </p:par>
+                      </p:childTnLst>
+                    </p:cTn>
+                  </p:par>
+                  <p:par>
+                    <p:cTn id="11" fill="hold">
+                      <p:stCondLst>
+                        <p:cond delay="indefinite"/>
+                      </p:stCondLst>
+                      <p:childTnLst>
+                        <p:par>
+                          <p:cTn id="12" fill="hold">
+                            <p:stCondLst>
+                              <p:cond delay="0"/>
+                            </p:stCondLst>
+                            <p:childTnLst>
+                              <p:par>
+                                <p:cTn id="13" presetID="1" presetClass="entr" presetSubtype="0" fill="hold" nodeType="clickEffect">
+                                  <p:stCondLst>
+                                    <p:cond delay="0"/>
+                                  </p:stCondLst>
+                                  <p:childTnLst>
+                                    <p:set>
+                                      <p:cBhvr>
+                                        <p:cTn id="14" dur="1" fill="hold">
+                                          <p:stCondLst>
+                                            <p:cond delay="0"/>
+                                          </p:stCondLst>
+                                        </p:cTn>
+                                        <p:tgtEl>
+                                          <p:spTgt spid="15">
+                                            <p:txEl>
+                                              <p:pRg st="3" end="3"/>
+                                            </p:txEl>
+                                          </p:spTgt>
+                                        </p:tgtEl>
+                                        <p:attrNameLst>
+                                          <p:attrName>style.visibility</p:attrName>
+                                        </p:attrNameLst>
+                                      </p:cBhvr>
+                                      <p:to>
+                                        <p:strVal val="visible"/>
+                                      </p:to>
+                                    </p:set>
+                                  </p:childTnLst>
+                                </p:cTn>
+                              </p:par>
+                            </p:childTnLst>
+                          </p:cTn>
+                        </p:par>
+                      </p:childTnLst>
+                    </p:cTn>
+                  </p:par>
+                  <p:par>
+                    <p:cTn id="15" fill="hold">
+                      <p:stCondLst>
+                        <p:cond delay="indefinite"/>
+                      </p:stCondLst>
+                      <p:childTnLst>
+                        <p:par>
+                          <p:cTn id="16" fill="hold">
+                            <p:stCondLst>
+                              <p:cond delay="0"/>
+                            </p:stCondLst>
+                            <p:childTnLst>
+                              <p:par>
+                                <p:cTn id="17" presetID="1" presetClass="entr" presetSubtype="0" fill="hold" nodeType="clickEffect">
+                                  <p:stCondLst>
+                                    <p:cond delay="0"/>
+                                  </p:stCondLst>
+                                  <p:childTnLst>
+                                    <p:set>
+                                      <p:cBhvr>
+                                        <p:cTn id="18" dur="1" fill="hold">
+                                          <p:stCondLst>
+                                            <p:cond delay="0"/>
+                                          </p:stCondLst>
+                                        </p:cTn>
+                                        <p:tgtEl>
+                                          <p:spTgt spid="15">
+                                            <p:txEl>
+                                              <p:pRg st="4" end="4"/>
+                                            </p:txEl>
+                                          </p:spTgt>
+                                        </p:tgtEl>
+                                        <p:attrNameLst>
+                                          <p:attrName>style.visibility</p:attrName>
+                                        </p:attrNameLst>
+                                      </p:cBhvr>
+                                      <p:to>
+                                        <p:strVal val="visible"/>
+                                      </p:to>
+                                    </p:set>
+                                  </p:childTnLst>
+                                </p:cTn>
+                              </p:par>
+                            </p:childTnLst>
+                          </p:cTn>
+                        </p:par>
+                      </p:childTnLst>
+                    </p:cTn>
+                  </p:par>
+                  <p:par>
+                    <p:cTn id="19" fill="hold">
+                      <p:stCondLst>
+                        <p:cond delay="indefinite"/>
+                      </p:stCondLst>
+                      <p:childTnLst>
+                        <p:par>
+                          <p:cTn id="20" fill="hold">
+                            <p:stCondLst>
+                              <p:cond delay="0"/>
+                            </p:stCondLst>
+                            <p:childTnLst>
+                              <p:par>
+                                <p:cTn id="21" presetID="1" presetClass="entr" presetSubtype="0" fill="hold" nodeType="clickEffect">
+                                  <p:stCondLst>
+                                    <p:cond delay="0"/>
+                                  </p:stCondLst>
+                                  <p:childTnLst>
+                                    <p:set>
+                                      <p:cBhvr>
+                                        <p:cTn id="22" dur="1" fill="hold">
+                                          <p:stCondLst>
+                                            <p:cond delay="0"/>
+                                          </p:stCondLst>
+                                        </p:cTn>
+                                        <p:tgtEl>
+                                          <p:spTgt spid="13">
+                                            <p:txEl>
+                                              <p:pRg st="0" end="0"/>
+                                            </p:txEl>
+                                          </p:spTgt>
+                                        </p:tgtEl>
+                                        <p:attrNameLst>
+                                          <p:attrName>style.visibility</p:attrName>
+                                        </p:attrNameLst>
+                                      </p:cBhvr>
+                                      <p:to>
+                                        <p:strVal val="visible"/>
+                                      </p:to>
+                                    </p:set>
+                                  </p:childTnLst>
+                                </p:cTn>
+                              </p:par>
+                            </p:childTnLst>
+                          </p:cTn>
+                        </p:par>
+                      </p:childTnLst>
+                    </p:cTn>
+                  </p:par>
+                  <p:par>
+                    <p:cTn id="23" fill="hold">
+                      <p:stCondLst>
+                        <p:cond delay="indefinite"/>
+                      </p:stCondLst>
+                      <p:childTnLst>
+                        <p:par>
+                          <p:cTn id="24" fill="hold">
+                            <p:stCondLst>
+                              <p:cond delay="0"/>
+                            </p:stCondLst>
+                            <p:childTnLst>
+                              <p:par>
+                                <p:cTn id="25" presetID="1" presetClass="entr" presetSubtype="0" fill="hold" nodeType="clickEffect">
+                                  <p:stCondLst>
+                                    <p:cond delay="0"/>
+                                  </p:stCondLst>
+                                  <p:childTnLst>
+                                    <p:set>
+                                      <p:cBhvr>
+                                        <p:cTn id="26" dur="1" fill="hold">
+                                          <p:stCondLst>
+                                            <p:cond delay="0"/>
+                                          </p:stCondLst>
+                                        </p:cTn>
+                                        <p:tgtEl>
+                                          <p:spTgt spid="13">
+                                            <p:txEl>
+                                              <p:pRg st="1" end="1"/>
+                                            </p:txEl>
+                                          </p:spTgt>
+                                        </p:tgtEl>
+                                        <p:attrNameLst>
+                                          <p:attrName>style.visibility</p:attrName>
+                                        </p:attrNameLst>
+                                      </p:cBhvr>
+                                      <p:to>
+                                        <p:strVal val="visible"/>
+                                      </p:to>
+                                    </p:set>
+                                  </p:childTnLst>
+                                </p:cTn>
+                              </p:par>
+                            </p:childTnLst>
+                          </p:cTn>
+                        </p:par>
+                      </p:childTnLst>
+                    </p:cTn>
+                  </p:par>
+                  <p:par>
+                    <p:cTn id="27" fill="hold">
+                      <p:stCondLst>
+                        <p:cond delay="indefinite"/>
+                      </p:stCondLst>
+                      <p:childTnLst>
+                        <p:par>
+                          <p:cTn id="28" fill="hold">
+                            <p:stCondLst>
+                              <p:cond delay="0"/>
+                            </p:stCondLst>
+                            <p:childTnLst>
+                              <p:par>
+                                <p:cTn id="29" presetID="1" presetClass="entr" presetSubtype="0" fill="hold" nodeType="clickEffect">
+                                  <p:stCondLst>
+                                    <p:cond delay="0"/>
+                                  </p:stCondLst>
+                                  <p:childTnLst>
+                                    <p:set>
+                                      <p:cBhvr>
+                                        <p:cTn id="30" dur="1" fill="hold">
+                                          <p:stCondLst>
+                                            <p:cond delay="0"/>
+                                          </p:stCondLst>
+                                        </p:cTn>
+                                        <p:tgtEl>
+                                          <p:spTgt spid="15">
+                                            <p:txEl>
+                                              <p:pRg st="5" end="5"/>
+                                            </p:txEl>
+                                          </p:spTgt>
+                                        </p:tgtEl>
+                                        <p:attrNameLst>
+                                          <p:attrName>style.visibility</p:attrName>
+                                        </p:attrNameLst>
+                                      </p:cBhvr>
+                                      <p:to>
+                                        <p:strVal val="visible"/>
+                                      </p:to>
+                                    </p:set>
+                                  </p:childTnLst>
+                                </p:cTn>
+                              </p:par>
+                            </p:childTnLst>
+                          </p:cTn>
+                        </p:par>
+                      </p:childTnLst>
+                    </p:cTn>
+                  </p:par>
+                  <p:par>
+                    <p:cTn id="31" fill="hold">
+                      <p:stCondLst>
+                        <p:cond delay="indefinite"/>
+                      </p:stCondLst>
+                      <p:childTnLst>
+                        <p:par>
+                          <p:cTn id="32" fill="hold">
+                            <p:stCondLst>
+                              <p:cond delay="0"/>
+                            </p:stCondLst>
+                            <p:childTnLst>
+                              <p:par>
+                                <p:cTn id="33" presetID="1" presetClass="entr" presetSubtype="0" fill="hold" nodeType="clickEffect">
+                                  <p:stCondLst>
+                                    <p:cond delay="0"/>
+                                  </p:stCondLst>
+                                  <p:childTnLst>
+                                    <p:set>
+                                      <p:cBhvr>
+                                        <p:cTn id="34" dur="1" fill="hold">
+                                          <p:stCondLst>
+                                            <p:cond delay="0"/>
+                                          </p:stCondLst>
+                                        </p:cTn>
+                                        <p:tgtEl>
+                                          <p:spTgt spid="15">
+                                            <p:txEl>
+                                              <p:pRg st="6" end="6"/>
+                                            </p:txEl>
+                                          </p:spTgt>
+                                        </p:tgtEl>
+                                        <p:attrNameLst>
+                                          <p:attrName>style.visibility</p:attrName>
+                                        </p:attrNameLst>
+                                      </p:cBhvr>
+                                      <p:to>
+                                        <p:strVal val="visible"/>
+                                      </p:to>
+                                    </p:set>
+                                  </p:childTnLst>
+                                </p:cTn>
+                              </p:par>
+                            </p:childTnLst>
+                          </p:cTn>
+                        </p:par>
+                      </p:childTnLst>
+                    </p:cTn>
+                  </p:par>
+                  <p:par>
+                    <p:cTn id="35" fill="hold">
+                      <p:stCondLst>
+                        <p:cond delay="indefinite"/>
+                      </p:stCondLst>
+                      <p:childTnLst>
+                        <p:par>
+                          <p:cTn id="36" fill="hold">
+                            <p:stCondLst>
+                              <p:cond delay="0"/>
+                            </p:stCondLst>
+                            <p:childTnLst>
+                              <p:par>
+                                <p:cTn id="37" presetID="1" presetClass="entr" presetSubtype="0" fill="hold" nodeType="clickEffect">
+                                  <p:stCondLst>
+                                    <p:cond delay="0"/>
+                                  </p:stCondLst>
+                                  <p:childTnLst>
+                                    <p:set>
+                                      <p:cBhvr>
+                                        <p:cTn id="38" dur="1" fill="hold">
+                                          <p:stCondLst>
+                                            <p:cond delay="0"/>
+                                          </p:stCondLst>
+                                        </p:cTn>
+                                        <p:tgtEl>
+                                          <p:spTgt spid="15">
+                                            <p:txEl>
+                                              <p:pRg st="7" end="7"/>
+                                            </p:txEl>
+                                          </p:spTgt>
+                                        </p:tgtEl>
+                                        <p:attrNameLst>
+                                          <p:attrName>style.visibility</p:attrName>
+                                        </p:attrNameLst>
+                                      </p:cBhvr>
+                                      <p:to>
+                                        <p:strVal val="visible"/>
+                                      </p:to>
+                                    </p:set>
+                                  </p:childTnLst>
+                                </p:cTn>
+                              </p:par>
+                            </p:childTnLst>
+                          </p:cTn>
+                        </p:par>
+                      </p:childTnLst>
+                    </p:cTn>
+                  </p:par>
+                  <p:par>
+                    <p:cTn id="39" fill="hold">
+                      <p:stCondLst>
+                        <p:cond delay="indefinite"/>
+                      </p:stCondLst>
+                      <p:childTnLst>
+                        <p:par>
+                          <p:cTn id="40" fill="hold">
+                            <p:stCondLst>
+                              <p:cond delay="0"/>
+                            </p:stCondLst>
+                            <p:childTnLst>
+                              <p:par>
+                                <p:cTn id="41" presetID="1" presetClass="entr" presetSubtype="0" fill="hold" nodeType="clickEffect">
+                                  <p:stCondLst>
+                                    <p:cond delay="0"/>
+                                  </p:stCondLst>
+                                  <p:childTnLst>
+                                    <p:set>
+                                      <p:cBhvr>
+                                        <p:cTn id="42" dur="1" fill="hold">
+                                          <p:stCondLst>
+                                            <p:cond delay="0"/>
+                                          </p:stCondLst>
+                                        </p:cTn>
+                                        <p:tgtEl>
+                                          <p:spTgt spid="15">
+                                            <p:txEl>
+                                              <p:pRg st="8" end="8"/>
+                                            </p:txEl>
+                                          </p:spTgt>
+                                        </p:tgtEl>
+                                        <p:attrNameLst>
+                                          <p:attrName>style.visibility</p:attrName>
+                                        </p:attrNameLst>
+                                      </p:cBhvr>
+                                      <p:to>
+                                        <p:strVal val="visible"/>
+                                      </p:to>
+                                    </p:set>
+                                  </p:childTnLst>
+                                </p:cTn>
+                              </p:par>
+                            </p:childTnLst>
+                          </p:cTn>
+                        </p:par>
+                      </p:childTnLst>
+                    </p:cTn>
+                  </p:par>
+                  <p:par>
+                    <p:cTn id="43" fill="hold">
+                      <p:stCondLst>
+                        <p:cond delay="indefinite"/>
+                      </p:stCondLst>
+                      <p:childTnLst>
+                        <p:par>
+                          <p:cTn id="44" fill="hold">
+                            <p:stCondLst>
+                              <p:cond delay="0"/>
+                            </p:stCondLst>
+                            <p:childTnLst>
+                              <p:par>
+                                <p:cTn id="45" presetID="1" presetClass="entr" presetSubtype="0" fill="hold" nodeType="clickEffect">
+                                  <p:stCondLst>
+                                    <p:cond delay="0"/>
+                                  </p:stCondLst>
+                                  <p:childTnLst>
+                                    <p:set>
+                                      <p:cBhvr>
+                                        <p:cTn id="46" dur="1" fill="hold">
+                                          <p:stCondLst>
+                                            <p:cond delay="0"/>
+                                          </p:stCondLst>
+                                        </p:cTn>
+                                        <p:tgtEl>
+                                          <p:spTgt spid="15">
+                                            <p:txEl>
+                                              <p:pRg st="9" end="9"/>
+                                            </p:txEl>
+                                          </p:spTgt>
+                                        </p:tgtEl>
+                                        <p:attrNameLst>
+                                          <p:attrName>style.visibility</p:attrName>
+                                        </p:attrNameLst>
+                                      </p:cBhvr>
+                                      <p:to>
+                                        <p:strVal val="visible"/>
+                                      </p:to>
+                                    </p:set>
+                                  </p:childTnLst>
+                                </p:cTn>
+                              </p:par>
+                            </p:childTnLst>
+                          </p:cTn>
+                        </p:par>
+                      </p:childTnLst>
+                    </p:cTn>
+                  </p:par>
+                  <p:par>
+                    <p:cTn id="47" fill="hold">
+                      <p:stCondLst>
+                        <p:cond delay="indefinite"/>
+                      </p:stCondLst>
+                      <p:childTnLst>
+                        <p:par>
+                          <p:cTn id="48" fill="hold">
+                            <p:stCondLst>
+                              <p:cond delay="0"/>
+                            </p:stCondLst>
+                            <p:childTnLst>
+                              <p:par>
+                                <p:cTn id="49" presetID="1" presetClass="entr" presetSubtype="0" fill="hold" nodeType="clickEffect">
+                                  <p:stCondLst>
+                                    <p:cond delay="0"/>
+                                  </p:stCondLst>
+                                  <p:childTnLst>
+                                    <p:set>
+                                      <p:cBhvr>
+                                        <p:cTn id="50" dur="1" fill="hold">
+                                          <p:stCondLst>
+                                            <p:cond delay="0"/>
+                                          </p:stCondLst>
+                                        </p:cTn>
+                                        <p:tgtEl>
+                                          <p:spTgt spid="17">
+                                            <p:txEl>
                                               <p:pRg st="0" end="0"/>
                                             </p:txEl>
                                           </p:spTgt>
@@ -8528,7 +14746,7 @@
 </p:sld>
 </file>
 
-<file path=ppt/slides/slide13.xml><?xml version="1.0" encoding="utf-8"?>
+<file path=ppt/slides/slide19.xml><?xml version="1.0" encoding="utf-8"?>
 <p:sld xmlns:a="http://schemas.openxmlformats.org/drawingml/2006/main" xmlns:r="http://schemas.openxmlformats.org/officeDocument/2006/relationships" xmlns:p="http://schemas.openxmlformats.org/presentationml/2006/main">
   <p:cSld>
     <p:spTree>
@@ -8642,7 +14860,7 @@
                 <a:hlinkClick r:id="rId3">
                   <a:extLst>
                     <a:ext uri="{A12FA001-AC4F-418D-AE19-62706E023703}">
-                      <ahyp:hlinkClr xmlns:ahyp="http://schemas.microsoft.com/office/drawing/2018/hyperlinkcolor" xmlns="" val="tx"/>
+                      <ahyp:hlinkClr xmlns="" xmlns:ahyp="http://schemas.microsoft.com/office/drawing/2018/hyperlinkcolor" val="tx"/>
                     </a:ext>
                   </a:extLst>
                 </a:hlinkClick>
@@ -8712,396 +14930,6 @@
       <p:transition spd="slow" p14:dur="2000" advClick="0" advTm="5000"/>
     </mc:Choice>
     <mc:Fallback xmlns="">
-      <p:transition spd="slow" advClick="0" advTm="5000"/>
-    </mc:Fallback>
-  </mc:AlternateContent>
-  <p:timing>
-    <p:tnLst>
-      <p:par>
-        <p:cTn id="1" dur="indefinite" restart="never" nodeType="tmRoot"/>
-      </p:par>
-    </p:tnLst>
-  </p:timing>
-</p:sld>
-</file>
-
-<file path=ppt/slides/slide14.xml><?xml version="1.0" encoding="utf-8"?>
-<p:sld xmlns:a="http://schemas.openxmlformats.org/drawingml/2006/main" xmlns:r="http://schemas.openxmlformats.org/officeDocument/2006/relationships" xmlns:p="http://schemas.openxmlformats.org/presentationml/2006/main" show="0">
-  <p:cSld>
-    <p:spTree>
-      <p:nvGrpSpPr>
-        <p:cNvPr id="1" name=""/>
-        <p:cNvGrpSpPr/>
-        <p:nvPr/>
-      </p:nvGrpSpPr>
-      <p:grpSpPr>
-        <a:xfrm>
-          <a:off x="0" y="0"/>
-          <a:ext cx="0" cy="0"/>
-          <a:chOff x="0" y="0"/>
-          <a:chExt cx="0" cy="0"/>
-        </a:xfrm>
-      </p:grpSpPr>
-      <p:sp>
-        <p:nvSpPr>
-          <p:cNvPr id="5" name="Slide Number">
-            <a:extLst>
-              <a:ext uri="{FF2B5EF4-FFF2-40B4-BE49-F238E27FC236}">
-                <a16:creationId xmlns:a16="http://schemas.microsoft.com/office/drawing/2014/main" id="{F48C3C93-90A1-4D31-BEA6-B54D1106CE31}"/>
-              </a:ext>
-            </a:extLst>
-          </p:cNvPr>
-          <p:cNvSpPr>
-            <a:spLocks noGrp="1"/>
-          </p:cNvSpPr>
-          <p:nvPr>
-            <p:ph type="sldNum" sz="quarter" idx="5"/>
-          </p:nvPr>
-        </p:nvSpPr>
-        <p:spPr>
-          <a:xfrm>
-            <a:off x="11753030" y="6507000"/>
-            <a:ext cx="367414" cy="297000"/>
-          </a:xfrm>
-          <a:prstGeom prst="rect">
-            <a:avLst/>
-          </a:prstGeom>
-        </p:spPr>
-        <p:txBody>
-          <a:bodyPr vert="horz" lIns="91440" tIns="45720" rIns="91440" bIns="45720" rtlCol="0" anchor="b"/>
-          <a:lstStyle>
-            <a:lvl1pPr algn="r">
-              <a:defRPr sz="1000"/>
-            </a:lvl1pPr>
-          </a:lstStyle>
-          <a:p>
-            <a:fld id="{2BF067CD-8E6B-4360-9AA8-C5DF2A48A6D1}" type="slidenum">
-              <a:rPr lang="en-US" smtClean="0"/>
-              <a:pPr/>
-              <a:t>14</a:t>
-            </a:fld>
-            <a:endParaRPr lang="en-US" dirty="0"/>
-          </a:p>
-        </p:txBody>
-      </p:sp>
-      <p:sp>
-        <p:nvSpPr>
-          <p:cNvPr id="2" name="Slide Body">
-            <a:extLst>
-              <a:ext uri="{FF2B5EF4-FFF2-40B4-BE49-F238E27FC236}">
-                <a16:creationId xmlns:a16="http://schemas.microsoft.com/office/drawing/2014/main" id="{980F49B1-E4BE-4389-A747-7AB9B71AD920}"/>
-              </a:ext>
-            </a:extLst>
-          </p:cNvPr>
-          <p:cNvSpPr>
-            <a:spLocks noGrp="1"/>
-          </p:cNvSpPr>
-          <p:nvPr>
-            <p:ph type="body" sz="quarter" idx="10"/>
-          </p:nvPr>
-        </p:nvSpPr>
-        <p:spPr>
-          <a:xfrm>
-            <a:off x="190402" y="1269001"/>
-            <a:ext cx="9865598" cy="2474999"/>
-          </a:xfrm>
-        </p:spPr>
-        <p:txBody>
-          <a:bodyPr>
-            <a:normAutofit/>
-          </a:bodyPr>
-          <a:lstStyle/>
-          <a:p>
-            <a:pPr>
-              <a:lnSpc>
-                <a:spcPct val="120000"/>
-              </a:lnSpc>
-            </a:pPr>
-            <a:r>
-              <a:rPr lang="bg-BG" sz="3200" dirty="0"/>
-              <a:t>Този курс</a:t>
-            </a:r>
-            <a:r>
-              <a:rPr lang="en-US" sz="3200" dirty="0"/>
-              <a:t> (</a:t>
-            </a:r>
-            <a:r>
-              <a:rPr lang="bg-BG" sz="3200" dirty="0"/>
-              <a:t>презентации, примери, демонстрационен код, упражнения, домашни, видео и други активи</a:t>
-            </a:r>
-            <a:r>
-              <a:rPr lang="en-US" sz="3200" dirty="0"/>
-              <a:t>) </a:t>
-            </a:r>
-            <a:r>
-              <a:rPr lang="bg-BG" sz="3200" dirty="0"/>
-              <a:t>представлява</a:t>
-            </a:r>
-            <a:r>
-              <a:rPr lang="en-US" sz="3200" dirty="0"/>
-              <a:t> </a:t>
-            </a:r>
-            <a:r>
-              <a:rPr lang="bg-BG" sz="3200" b="1" dirty="0"/>
-              <a:t>свободно учебно съдържание </a:t>
-            </a:r>
-            <a:r>
-              <a:rPr lang="bg-BG" sz="3200" dirty="0"/>
-              <a:t>и се разпространява под свободен лиценз </a:t>
-            </a:r>
-            <a:r>
-              <a:rPr lang="en-US" sz="3200" b="1" dirty="0"/>
-              <a:t>CC-BY-NC-SA</a:t>
-            </a:r>
-            <a:endParaRPr lang="bg-BG" sz="3200" dirty="0"/>
-          </a:p>
-        </p:txBody>
-      </p:sp>
-      <p:pic>
-        <p:nvPicPr>
-          <p:cNvPr id="6" name="Picture License" descr="License">
-            <a:extLst>
-              <a:ext uri="{FF2B5EF4-FFF2-40B4-BE49-F238E27FC236}">
-                <a16:creationId xmlns:a16="http://schemas.microsoft.com/office/drawing/2014/main" id="{82BA520F-A037-4E01-AA18-27D9F1E930A6}"/>
-              </a:ext>
-            </a:extLst>
-          </p:cNvPr>
-          <p:cNvPicPr>
-            <a:picLocks noChangeAspect="1"/>
-          </p:cNvPicPr>
-          <p:nvPr/>
-        </p:nvPicPr>
-        <p:blipFill>
-          <a:blip r:embed="rId3">
-            <a:clrChange>
-              <a:clrFrom>
-                <a:srgbClr val="FFFFFF"/>
-              </a:clrFrom>
-              <a:clrTo>
-                <a:srgbClr val="FFFFFF">
-                  <a:alpha val="0"/>
-                </a:srgbClr>
-              </a:clrTo>
-            </a:clrChange>
-          </a:blip>
-          <a:stretch>
-            <a:fillRect/>
-          </a:stretch>
-        </p:blipFill>
-        <p:spPr>
-          <a:xfrm>
-            <a:off x="10226175" y="1440120"/>
-            <a:ext cx="1198986" cy="1268880"/>
-          </a:xfrm>
-          <a:prstGeom prst="rect">
-            <a:avLst/>
-          </a:prstGeom>
-        </p:spPr>
-      </p:pic>
-      <p:sp>
-        <p:nvSpPr>
-          <p:cNvPr id="3" name="Slide Title">
-            <a:extLst>
-              <a:ext uri="{FF2B5EF4-FFF2-40B4-BE49-F238E27FC236}">
-                <a16:creationId xmlns:a16="http://schemas.microsoft.com/office/drawing/2014/main" id="{E5F1FB41-80C3-4816-BC47-CCC50632E6E8}"/>
-              </a:ext>
-            </a:extLst>
-          </p:cNvPr>
-          <p:cNvSpPr>
-            <a:spLocks noGrp="1"/>
-          </p:cNvSpPr>
-          <p:nvPr>
-            <p:ph type="title"/>
-          </p:nvPr>
-        </p:nvSpPr>
-        <p:spPr/>
-        <p:txBody>
-          <a:bodyPr/>
-          <a:lstStyle/>
-          <a:p>
-            <a:r>
-              <a:rPr lang="bg-BG" dirty="0"/>
-              <a:t>Лиценз</a:t>
-            </a:r>
-          </a:p>
-        </p:txBody>
-      </p:sp>
-      <p:sp>
-        <p:nvSpPr>
-          <p:cNvPr id="11" name="TextBox 10">
-            <a:extLst>
-              <a:ext uri="{FF2B5EF4-FFF2-40B4-BE49-F238E27FC236}">
-                <a16:creationId xmlns:a16="http://schemas.microsoft.com/office/drawing/2014/main" id="{0C18DF19-B750-4C88-975B-661A6BF61F5E}"/>
-              </a:ext>
-            </a:extLst>
-          </p:cNvPr>
-          <p:cNvSpPr txBox="1"/>
-          <p:nvPr/>
-        </p:nvSpPr>
-        <p:spPr>
-          <a:xfrm>
-            <a:off x="190401" y="3927519"/>
-            <a:ext cx="11710599" cy="1979644"/>
-          </a:xfrm>
-          <a:prstGeom prst="rect">
-            <a:avLst/>
-          </a:prstGeom>
-          <a:noFill/>
-          <a:ln w="12700">
-            <a:noFill/>
-          </a:ln>
-        </p:spPr>
-        <p:txBody>
-          <a:bodyPr wrap="square">
-            <a:spAutoFit/>
-          </a:bodyPr>
-          <a:lstStyle/>
-          <a:p>
-            <a:pPr marL="360363" indent="-360363" defTabSz="1218438">
-              <a:lnSpc>
-                <a:spcPct val="120000"/>
-              </a:lnSpc>
-              <a:spcBef>
-                <a:spcPts val="600"/>
-              </a:spcBef>
-              <a:spcAft>
-                <a:spcPts val="600"/>
-              </a:spcAft>
-              <a:buFont typeface="Wingdings" panose="05000000000000000000" pitchFamily="2" charset="2"/>
-              <a:buChar char="§"/>
-              <a:defRPr/>
-            </a:pPr>
-            <a:r>
-              <a:rPr lang="bg-BG" sz="3200" dirty="0"/>
-              <a:t>Проект "</a:t>
-            </a:r>
-            <a:r>
-              <a:rPr lang="bg-BG" sz="3200" b="1" dirty="0"/>
-              <a:t>Отворено учебно съдържание по програмиране и ИТ</a:t>
-            </a:r>
-            <a:r>
-              <a:rPr lang="bg-BG" sz="3200" dirty="0"/>
-              <a:t>" към Фондация "Софтуерен университет"</a:t>
-            </a:r>
-            <a:r>
-              <a:rPr lang="en-US" sz="3200" dirty="0"/>
-              <a:t>:</a:t>
-            </a:r>
-            <a:endParaRPr lang="bg-BG" sz="3200" dirty="0"/>
-          </a:p>
-          <a:p>
-            <a:pPr marL="817563" lvl="1" indent="-360363" defTabSz="1218438">
-              <a:lnSpc>
-                <a:spcPct val="120000"/>
-              </a:lnSpc>
-              <a:spcBef>
-                <a:spcPts val="600"/>
-              </a:spcBef>
-              <a:spcAft>
-                <a:spcPts val="600"/>
-              </a:spcAft>
-              <a:buFont typeface="Wingdings" panose="05000000000000000000" pitchFamily="2" charset="2"/>
-              <a:buChar char="§"/>
-              <a:defRPr/>
-            </a:pPr>
-            <a:r>
-              <a:rPr kumimoji="0" lang="en-US" sz="3200" b="0" i="0" u="none" strike="noStrike" kern="1200" cap="none" spc="0" normalizeH="0" baseline="0" noProof="0" dirty="0">
-                <a:ln>
-                  <a:noFill/>
-                </a:ln>
-                <a:solidFill>
-                  <a:srgbClr val="234465"/>
-                </a:solidFill>
-                <a:effectLst/>
-                <a:uLnTx/>
-                <a:uFillTx/>
-                <a:latin typeface="Calibri"/>
-                <a:ea typeface="+mn-ea"/>
-                <a:cs typeface="+mn-cs"/>
-                <a:hlinkClick r:id="rId4"/>
-              </a:rPr>
-              <a:t>https://github.com/BG-IT-Edu</a:t>
-            </a:r>
-            <a:endParaRPr kumimoji="0" lang="bg-BG" sz="3200" b="0" i="0" u="none" strike="noStrike" kern="1200" cap="none" spc="0" normalizeH="0" baseline="0" noProof="0" dirty="0">
-              <a:ln>
-                <a:noFill/>
-              </a:ln>
-              <a:solidFill>
-                <a:srgbClr val="234465"/>
-              </a:solidFill>
-              <a:effectLst/>
-              <a:uLnTx/>
-              <a:uFillTx/>
-              <a:latin typeface="Calibri"/>
-              <a:ea typeface="+mn-ea"/>
-              <a:cs typeface="+mn-cs"/>
-            </a:endParaRPr>
-          </a:p>
-        </p:txBody>
-      </p:sp>
-      <p:pic>
-        <p:nvPicPr>
-          <p:cNvPr id="7" name="Picture 6" title="CC-BY-NC-SA License">
-            <a:hlinkClick r:id="rId5" tooltip="This work is licensed under the &quot;Creative Commons Attribution-NonCommercial-ShareAlike 4.0 International&quot; license"/>
-            <a:extLst>
-              <a:ext uri="{FF2B5EF4-FFF2-40B4-BE49-F238E27FC236}">
-                <a16:creationId xmlns:a16="http://schemas.microsoft.com/office/drawing/2014/main" id="{F6C77C47-F7D8-A176-5C69-7FDE5C7E8003}"/>
-              </a:ext>
-            </a:extLst>
-          </p:cNvPr>
-          <p:cNvPicPr>
-            <a:picLocks noChangeAspect="1" noChangeArrowheads="1"/>
-          </p:cNvPicPr>
-          <p:nvPr/>
-        </p:nvPicPr>
-        <p:blipFill>
-          <a:blip r:embed="rId6">
-            <a:extLst>
-              <a:ext uri="{28A0092B-C50C-407E-A947-70E740481C1C}">
-                <a14:useLocalDpi xmlns:a14="http://schemas.microsoft.com/office/drawing/2010/main"/>
-              </a:ext>
-            </a:extLst>
-          </a:blip>
-          <a:srcRect/>
-          <a:stretch>
-            <a:fillRect/>
-          </a:stretch>
-        </p:blipFill>
-        <p:spPr bwMode="auto">
-          <a:xfrm>
-            <a:off x="9831000" y="2908593"/>
-            <a:ext cx="1989336" cy="696022"/>
-          </a:xfrm>
-          <a:prstGeom prst="roundRect">
-            <a:avLst>
-              <a:gd name="adj" fmla="val 3940"/>
-            </a:avLst>
-          </a:prstGeom>
-          <a:solidFill>
-            <a:srgbClr val="231F20">
-              <a:alpha val="50000"/>
-            </a:srgbClr>
-          </a:solidFill>
-          <a:ln>
-            <a:noFill/>
-          </a:ln>
-        </p:spPr>
-      </p:pic>
-    </p:spTree>
-    <p:extLst>
-      <p:ext uri="{BB962C8B-B14F-4D97-AF65-F5344CB8AC3E}">
-        <p14:creationId xmlns:p14="http://schemas.microsoft.com/office/powerpoint/2010/main" val="3879276042"/>
-      </p:ext>
-    </p:extLst>
-  </p:cSld>
-  <p:clrMapOvr>
-    <a:masterClrMapping/>
-  </p:clrMapOvr>
-  <mc:AlternateContent xmlns:mc="http://schemas.openxmlformats.org/markup-compatibility/2006">
-    <mc:Choice xmlns:p14="http://schemas.microsoft.com/office/powerpoint/2010/main" Requires="p14">
-      <p:transition spd="slow" p14:dur="2000" advClick="0" advTm="5000"/>
-    </mc:Choice>
-    <mc:Fallback>
       <p:transition spd="slow" advClick="0" advTm="5000"/>
     </mc:Fallback>
   </mc:AlternateContent>
@@ -9308,7 +15136,6 @@
               <a:rPr lang="bg-BG" dirty="0" smtClean="0"/>
               <a:t> на таблица</a:t>
             </a:r>
-            <a:endParaRPr lang="bg-BG" dirty="0" smtClean="0"/>
           </a:p>
         </p:txBody>
       </p:sp>
@@ -9393,6 +15220,396 @@
     <p:extLst>
       <p:ext uri="{BB962C8B-B14F-4D97-AF65-F5344CB8AC3E}">
         <p14:creationId xmlns:p14="http://schemas.microsoft.com/office/powerpoint/2010/main" val="1646986932"/>
+      </p:ext>
+    </p:extLst>
+  </p:cSld>
+  <p:clrMapOvr>
+    <a:masterClrMapping/>
+  </p:clrMapOvr>
+  <mc:AlternateContent xmlns:mc="http://schemas.openxmlformats.org/markup-compatibility/2006" xmlns:p14="http://schemas.microsoft.com/office/powerpoint/2010/main">
+    <mc:Choice Requires="p14">
+      <p:transition spd="slow" p14:dur="2000" advClick="0" advTm="5000"/>
+    </mc:Choice>
+    <mc:Fallback xmlns="">
+      <p:transition spd="slow" advClick="0" advTm="5000"/>
+    </mc:Fallback>
+  </mc:AlternateContent>
+  <p:timing>
+    <p:tnLst>
+      <p:par>
+        <p:cTn id="1" dur="indefinite" restart="never" nodeType="tmRoot"/>
+      </p:par>
+    </p:tnLst>
+  </p:timing>
+</p:sld>
+</file>
+
+<file path=ppt/slides/slide20.xml><?xml version="1.0" encoding="utf-8"?>
+<p:sld xmlns:a="http://schemas.openxmlformats.org/drawingml/2006/main" xmlns:r="http://schemas.openxmlformats.org/officeDocument/2006/relationships" xmlns:p="http://schemas.openxmlformats.org/presentationml/2006/main" show="0">
+  <p:cSld>
+    <p:spTree>
+      <p:nvGrpSpPr>
+        <p:cNvPr id="1" name=""/>
+        <p:cNvGrpSpPr/>
+        <p:nvPr/>
+      </p:nvGrpSpPr>
+      <p:grpSpPr>
+        <a:xfrm>
+          <a:off x="0" y="0"/>
+          <a:ext cx="0" cy="0"/>
+          <a:chOff x="0" y="0"/>
+          <a:chExt cx="0" cy="0"/>
+        </a:xfrm>
+      </p:grpSpPr>
+      <p:sp>
+        <p:nvSpPr>
+          <p:cNvPr id="5" name="Slide Number">
+            <a:extLst>
+              <a:ext uri="{FF2B5EF4-FFF2-40B4-BE49-F238E27FC236}">
+                <a16:creationId xmlns:a16="http://schemas.microsoft.com/office/drawing/2014/main" id="{F48C3C93-90A1-4D31-BEA6-B54D1106CE31}"/>
+              </a:ext>
+            </a:extLst>
+          </p:cNvPr>
+          <p:cNvSpPr>
+            <a:spLocks noGrp="1"/>
+          </p:cNvSpPr>
+          <p:nvPr>
+            <p:ph type="sldNum" sz="quarter" idx="5"/>
+          </p:nvPr>
+        </p:nvSpPr>
+        <p:spPr>
+          <a:xfrm>
+            <a:off x="11753030" y="6507000"/>
+            <a:ext cx="367414" cy="297000"/>
+          </a:xfrm>
+          <a:prstGeom prst="rect">
+            <a:avLst/>
+          </a:prstGeom>
+        </p:spPr>
+        <p:txBody>
+          <a:bodyPr vert="horz" lIns="91440" tIns="45720" rIns="91440" bIns="45720" rtlCol="0" anchor="b"/>
+          <a:lstStyle>
+            <a:lvl1pPr algn="r">
+              <a:defRPr sz="1000"/>
+            </a:lvl1pPr>
+          </a:lstStyle>
+          <a:p>
+            <a:fld id="{2BF067CD-8E6B-4360-9AA8-C5DF2A48A6D1}" type="slidenum">
+              <a:rPr lang="en-US" smtClean="0"/>
+              <a:pPr/>
+              <a:t>20</a:t>
+            </a:fld>
+            <a:endParaRPr lang="en-US" dirty="0"/>
+          </a:p>
+        </p:txBody>
+      </p:sp>
+      <p:sp>
+        <p:nvSpPr>
+          <p:cNvPr id="2" name="Slide Body">
+            <a:extLst>
+              <a:ext uri="{FF2B5EF4-FFF2-40B4-BE49-F238E27FC236}">
+                <a16:creationId xmlns:a16="http://schemas.microsoft.com/office/drawing/2014/main" id="{980F49B1-E4BE-4389-A747-7AB9B71AD920}"/>
+              </a:ext>
+            </a:extLst>
+          </p:cNvPr>
+          <p:cNvSpPr>
+            <a:spLocks noGrp="1"/>
+          </p:cNvSpPr>
+          <p:nvPr>
+            <p:ph type="body" sz="quarter" idx="10"/>
+          </p:nvPr>
+        </p:nvSpPr>
+        <p:spPr>
+          <a:xfrm>
+            <a:off x="190402" y="1269001"/>
+            <a:ext cx="9865598" cy="2474999"/>
+          </a:xfrm>
+        </p:spPr>
+        <p:txBody>
+          <a:bodyPr>
+            <a:normAutofit/>
+          </a:bodyPr>
+          <a:lstStyle/>
+          <a:p>
+            <a:pPr>
+              <a:lnSpc>
+                <a:spcPct val="120000"/>
+              </a:lnSpc>
+            </a:pPr>
+            <a:r>
+              <a:rPr lang="bg-BG" sz="3200" dirty="0"/>
+              <a:t>Този курс</a:t>
+            </a:r>
+            <a:r>
+              <a:rPr lang="en-US" sz="3200" dirty="0"/>
+              <a:t> (</a:t>
+            </a:r>
+            <a:r>
+              <a:rPr lang="bg-BG" sz="3200" dirty="0"/>
+              <a:t>презентации, примери, демонстрационен код, упражнения, домашни, видео и други активи</a:t>
+            </a:r>
+            <a:r>
+              <a:rPr lang="en-US" sz="3200" dirty="0"/>
+              <a:t>) </a:t>
+            </a:r>
+            <a:r>
+              <a:rPr lang="bg-BG" sz="3200" dirty="0"/>
+              <a:t>представлява</a:t>
+            </a:r>
+            <a:r>
+              <a:rPr lang="en-US" sz="3200" dirty="0"/>
+              <a:t> </a:t>
+            </a:r>
+            <a:r>
+              <a:rPr lang="bg-BG" sz="3200" b="1" dirty="0"/>
+              <a:t>свободно учебно съдържание </a:t>
+            </a:r>
+            <a:r>
+              <a:rPr lang="bg-BG" sz="3200" dirty="0"/>
+              <a:t>и се разпространява под свободен лиценз </a:t>
+            </a:r>
+            <a:r>
+              <a:rPr lang="en-US" sz="3200" b="1" dirty="0"/>
+              <a:t>CC-BY-NC-SA</a:t>
+            </a:r>
+            <a:endParaRPr lang="bg-BG" sz="3200" dirty="0"/>
+          </a:p>
+        </p:txBody>
+      </p:sp>
+      <p:pic>
+        <p:nvPicPr>
+          <p:cNvPr id="6" name="Picture License" descr="License">
+            <a:extLst>
+              <a:ext uri="{FF2B5EF4-FFF2-40B4-BE49-F238E27FC236}">
+                <a16:creationId xmlns:a16="http://schemas.microsoft.com/office/drawing/2014/main" id="{82BA520F-A037-4E01-AA18-27D9F1E930A6}"/>
+              </a:ext>
+            </a:extLst>
+          </p:cNvPr>
+          <p:cNvPicPr>
+            <a:picLocks noChangeAspect="1"/>
+          </p:cNvPicPr>
+          <p:nvPr/>
+        </p:nvPicPr>
+        <p:blipFill>
+          <a:blip r:embed="rId3">
+            <a:clrChange>
+              <a:clrFrom>
+                <a:srgbClr val="FFFFFF"/>
+              </a:clrFrom>
+              <a:clrTo>
+                <a:srgbClr val="FFFFFF">
+                  <a:alpha val="0"/>
+                </a:srgbClr>
+              </a:clrTo>
+            </a:clrChange>
+          </a:blip>
+          <a:stretch>
+            <a:fillRect/>
+          </a:stretch>
+        </p:blipFill>
+        <p:spPr>
+          <a:xfrm>
+            <a:off x="10226175" y="1440120"/>
+            <a:ext cx="1198986" cy="1268880"/>
+          </a:xfrm>
+          <a:prstGeom prst="rect">
+            <a:avLst/>
+          </a:prstGeom>
+        </p:spPr>
+      </p:pic>
+      <p:sp>
+        <p:nvSpPr>
+          <p:cNvPr id="3" name="Slide Title">
+            <a:extLst>
+              <a:ext uri="{FF2B5EF4-FFF2-40B4-BE49-F238E27FC236}">
+                <a16:creationId xmlns:a16="http://schemas.microsoft.com/office/drawing/2014/main" id="{E5F1FB41-80C3-4816-BC47-CCC50632E6E8}"/>
+              </a:ext>
+            </a:extLst>
+          </p:cNvPr>
+          <p:cNvSpPr>
+            <a:spLocks noGrp="1"/>
+          </p:cNvSpPr>
+          <p:nvPr>
+            <p:ph type="title"/>
+          </p:nvPr>
+        </p:nvSpPr>
+        <p:spPr/>
+        <p:txBody>
+          <a:bodyPr/>
+          <a:lstStyle/>
+          <a:p>
+            <a:r>
+              <a:rPr lang="bg-BG" dirty="0"/>
+              <a:t>Лиценз</a:t>
+            </a:r>
+          </a:p>
+        </p:txBody>
+      </p:sp>
+      <p:sp>
+        <p:nvSpPr>
+          <p:cNvPr id="11" name="TextBox 10">
+            <a:extLst>
+              <a:ext uri="{FF2B5EF4-FFF2-40B4-BE49-F238E27FC236}">
+                <a16:creationId xmlns:a16="http://schemas.microsoft.com/office/drawing/2014/main" id="{0C18DF19-B750-4C88-975B-661A6BF61F5E}"/>
+              </a:ext>
+            </a:extLst>
+          </p:cNvPr>
+          <p:cNvSpPr txBox="1"/>
+          <p:nvPr/>
+        </p:nvSpPr>
+        <p:spPr>
+          <a:xfrm>
+            <a:off x="190401" y="3927519"/>
+            <a:ext cx="11710599" cy="1979644"/>
+          </a:xfrm>
+          <a:prstGeom prst="rect">
+            <a:avLst/>
+          </a:prstGeom>
+          <a:noFill/>
+          <a:ln w="12700">
+            <a:noFill/>
+          </a:ln>
+        </p:spPr>
+        <p:txBody>
+          <a:bodyPr wrap="square">
+            <a:spAutoFit/>
+          </a:bodyPr>
+          <a:lstStyle/>
+          <a:p>
+            <a:pPr marL="360363" indent="-360363" defTabSz="1218438">
+              <a:lnSpc>
+                <a:spcPct val="120000"/>
+              </a:lnSpc>
+              <a:spcBef>
+                <a:spcPts val="600"/>
+              </a:spcBef>
+              <a:spcAft>
+                <a:spcPts val="600"/>
+              </a:spcAft>
+              <a:buFont typeface="Wingdings" panose="05000000000000000000" pitchFamily="2" charset="2"/>
+              <a:buChar char="§"/>
+              <a:defRPr/>
+            </a:pPr>
+            <a:r>
+              <a:rPr lang="bg-BG" sz="3200" dirty="0"/>
+              <a:t>Проект "</a:t>
+            </a:r>
+            <a:r>
+              <a:rPr lang="bg-BG" sz="3200" b="1" dirty="0"/>
+              <a:t>Отворено учебно съдържание по програмиране и ИТ</a:t>
+            </a:r>
+            <a:r>
+              <a:rPr lang="bg-BG" sz="3200" dirty="0"/>
+              <a:t>" към Фондация "Софтуерен университет"</a:t>
+            </a:r>
+            <a:r>
+              <a:rPr lang="en-US" sz="3200" dirty="0"/>
+              <a:t>:</a:t>
+            </a:r>
+            <a:endParaRPr lang="bg-BG" sz="3200" dirty="0"/>
+          </a:p>
+          <a:p>
+            <a:pPr marL="817563" lvl="1" indent="-360363" defTabSz="1218438">
+              <a:lnSpc>
+                <a:spcPct val="120000"/>
+              </a:lnSpc>
+              <a:spcBef>
+                <a:spcPts val="600"/>
+              </a:spcBef>
+              <a:spcAft>
+                <a:spcPts val="600"/>
+              </a:spcAft>
+              <a:buFont typeface="Wingdings" panose="05000000000000000000" pitchFamily="2" charset="2"/>
+              <a:buChar char="§"/>
+              <a:defRPr/>
+            </a:pPr>
+            <a:r>
+              <a:rPr kumimoji="0" lang="en-US" sz="3200" b="0" i="0" u="none" strike="noStrike" kern="1200" cap="none" spc="0" normalizeH="0" baseline="0" noProof="0" dirty="0">
+                <a:ln>
+                  <a:noFill/>
+                </a:ln>
+                <a:solidFill>
+                  <a:srgbClr val="234465"/>
+                </a:solidFill>
+                <a:effectLst/>
+                <a:uLnTx/>
+                <a:uFillTx/>
+                <a:latin typeface="Calibri"/>
+                <a:ea typeface="+mn-ea"/>
+                <a:cs typeface="+mn-cs"/>
+                <a:hlinkClick r:id="rId4"/>
+              </a:rPr>
+              <a:t>https://github.com/BG-IT-Edu</a:t>
+            </a:r>
+            <a:endParaRPr kumimoji="0" lang="bg-BG" sz="3200" b="0" i="0" u="none" strike="noStrike" kern="1200" cap="none" spc="0" normalizeH="0" baseline="0" noProof="0" dirty="0">
+              <a:ln>
+                <a:noFill/>
+              </a:ln>
+              <a:solidFill>
+                <a:srgbClr val="234465"/>
+              </a:solidFill>
+              <a:effectLst/>
+              <a:uLnTx/>
+              <a:uFillTx/>
+              <a:latin typeface="Calibri"/>
+              <a:ea typeface="+mn-ea"/>
+              <a:cs typeface="+mn-cs"/>
+            </a:endParaRPr>
+          </a:p>
+        </p:txBody>
+      </p:sp>
+      <p:pic>
+        <p:nvPicPr>
+          <p:cNvPr id="7" name="Picture 6" title="CC-BY-NC-SA License">
+            <a:hlinkClick r:id="rId5" tooltip="This work is licensed under the &quot;Creative Commons Attribution-NonCommercial-ShareAlike 4.0 International&quot; license"/>
+            <a:extLst>
+              <a:ext uri="{FF2B5EF4-FFF2-40B4-BE49-F238E27FC236}">
+                <a16:creationId xmlns:a16="http://schemas.microsoft.com/office/drawing/2014/main" id="{F6C77C47-F7D8-A176-5C69-7FDE5C7E8003}"/>
+              </a:ext>
+            </a:extLst>
+          </p:cNvPr>
+          <p:cNvPicPr>
+            <a:picLocks noChangeAspect="1" noChangeArrowheads="1"/>
+          </p:cNvPicPr>
+          <p:nvPr/>
+        </p:nvPicPr>
+        <p:blipFill>
+          <a:blip r:embed="rId6">
+            <a:extLst>
+              <a:ext uri="{28A0092B-C50C-407E-A947-70E740481C1C}">
+                <a14:useLocalDpi xmlns:a14="http://schemas.microsoft.com/office/drawing/2010/main"/>
+              </a:ext>
+            </a:extLst>
+          </a:blip>
+          <a:srcRect/>
+          <a:stretch>
+            <a:fillRect/>
+          </a:stretch>
+        </p:blipFill>
+        <p:spPr bwMode="auto">
+          <a:xfrm>
+            <a:off x="9831000" y="2908593"/>
+            <a:ext cx="1989336" cy="696022"/>
+          </a:xfrm>
+          <a:prstGeom prst="roundRect">
+            <a:avLst>
+              <a:gd name="adj" fmla="val 3940"/>
+            </a:avLst>
+          </a:prstGeom>
+          <a:solidFill>
+            <a:srgbClr val="231F20">
+              <a:alpha val="50000"/>
+            </a:srgbClr>
+          </a:solidFill>
+          <a:ln>
+            <a:noFill/>
+          </a:ln>
+        </p:spPr>
+      </p:pic>
+    </p:spTree>
+    <p:extLst>
+      <p:ext uri="{BB962C8B-B14F-4D97-AF65-F5344CB8AC3E}">
+        <p14:creationId xmlns:p14="http://schemas.microsoft.com/office/powerpoint/2010/main" val="3879276042"/>
       </p:ext>
     </p:extLst>
   </p:cSld>
@@ -10089,7 +16306,11 @@
               <a:t>От раздела </a:t>
             </a:r>
             <a:r>
-              <a:rPr lang="en-US" b="1" dirty="0" smtClean="0"/>
+              <a:rPr lang="en-US" b="1" dirty="0" smtClean="0">
+                <a:solidFill>
+                  <a:schemeClr val="bg1"/>
+                </a:solidFill>
+              </a:rPr>
               <a:t>Page</a:t>
             </a:r>
             <a:r>
@@ -11030,7 +17251,11 @@
               <a:t>От раздела </a:t>
             </a:r>
             <a:r>
-              <a:rPr lang="en-US" b="1" dirty="0" smtClean="0"/>
+              <a:rPr lang="en-US" b="1" dirty="0" smtClean="0">
+                <a:solidFill>
+                  <a:schemeClr val="bg1"/>
+                </a:solidFill>
+              </a:rPr>
               <a:t>Margins</a:t>
             </a:r>
             <a:r>
@@ -11820,7 +18045,11 @@
               <a:t>От раздела </a:t>
             </a:r>
             <a:r>
-              <a:rPr lang="en-US" b="1" dirty="0" smtClean="0"/>
+              <a:rPr lang="en-US" b="1" dirty="0" smtClean="0">
+                <a:solidFill>
+                  <a:schemeClr val="bg1"/>
+                </a:solidFill>
+              </a:rPr>
               <a:t>Sheet</a:t>
             </a:r>
             <a:r>

--- a/Courses/Computer-Modeling-and-IT/Computer-Modeling-and-IT-6-Class/11-Print-Table/11-Print-Table.pptx
+++ b/Courses/Computer-Modeling-and-IT/Computer-Modeling-and-IT-6-Class/11-Print-Table/11-Print-Table.pptx
@@ -285,7 +285,7 @@
           <a:p>
             <a:fld id="{4E087215-0C8F-4762-A664-737A353EC9A4}" type="datetimeFigureOut">
               <a:rPr lang="bg-BG" smtClean="0"/>
-              <a:t>19.5.2024 г.</a:t>
+              <a:t>23.5.2024 г.</a:t>
             </a:fld>
             <a:endParaRPr lang="bg-BG"/>
           </a:p>
@@ -481,7 +481,7 @@
           <a:p>
             <a:fld id="{72D84649-876A-46C9-8472-14CB09C070D8}" type="datetimeFigureOut">
               <a:rPr lang="en-US" smtClean="0"/>
-              <a:t>5/19/2024</a:t>
+              <a:t>5/23/2024</a:t>
             </a:fld>
             <a:endParaRPr lang="en-US"/>
           </a:p>
@@ -13258,7 +13258,7 @@
         </p:nvSpPr>
         <p:spPr>
           <a:xfrm>
-            <a:off x="741000" y="1610812"/>
+            <a:off x="741000" y="1504870"/>
             <a:ext cx="11040744" cy="4894130"/>
           </a:xfrm>
           <a:prstGeom prst="rect">
@@ -13659,7 +13659,7 @@
         </p:nvSpPr>
         <p:spPr>
           <a:xfrm>
-            <a:off x="3929921" y="2709000"/>
+            <a:off x="3929921" y="2558058"/>
             <a:ext cx="5305712" cy="1615294"/>
           </a:xfrm>
           <a:prstGeom prst="rect">
@@ -13904,7 +13904,7 @@
         </p:nvSpPr>
         <p:spPr>
           <a:xfrm>
-            <a:off x="3929921" y="5679000"/>
+            <a:off x="3929921" y="5528058"/>
             <a:ext cx="5305712" cy="825942"/>
           </a:xfrm>
           <a:prstGeom prst="rect">
@@ -14860,7 +14860,7 @@
                 <a:hlinkClick r:id="rId3">
                   <a:extLst>
                     <a:ext uri="{A12FA001-AC4F-418D-AE19-62706E023703}">
-                      <ahyp:hlinkClr xmlns="" xmlns:ahyp="http://schemas.microsoft.com/office/drawing/2018/hyperlinkcolor" val="tx"/>
+                      <ahyp:hlinkClr xmlns:ahyp="http://schemas.microsoft.com/office/drawing/2018/hyperlinkcolor" xmlns="" val="tx"/>
                     </a:ext>
                   </a:extLst>
                 </a:hlinkClick>

--- a/Courses/Computer-Modeling-and-IT/Computer-Modeling-and-IT-6-Class/11-Print-Table/11-Print-Table.pptx
+++ b/Courses/Computer-Modeling-and-IT/Computer-Modeling-and-IT-6-Class/11-Print-Table/11-Print-Table.pptx
@@ -285,7 +285,7 @@
           <a:p>
             <a:fld id="{4E087215-0C8F-4762-A664-737A353EC9A4}" type="datetimeFigureOut">
               <a:rPr lang="bg-BG" smtClean="0"/>
-              <a:t>23.5.2024 г.</a:t>
+              <a:t>4.06.24 г.</a:t>
             </a:fld>
             <a:endParaRPr lang="bg-BG"/>
           </a:p>
@@ -481,7 +481,7 @@
           <a:p>
             <a:fld id="{72D84649-876A-46C9-8472-14CB09C070D8}" type="datetimeFigureOut">
               <a:rPr lang="en-US" smtClean="0"/>
-              <a:t>5/23/2024</a:t>
+              <a:t>6/4/24</a:t>
             </a:fld>
             <a:endParaRPr lang="en-US"/>
           </a:p>
@@ -6803,16 +6803,12 @@
           <a:lstStyle/>
           <a:p>
             <a:r>
-              <a:rPr lang="en-US" dirty="0" smtClean="0"/>
+              <a:rPr lang="en-US" dirty="0"/>
               <a:t>6</a:t>
             </a:r>
             <a:r>
-              <a:rPr lang="bg-BG" dirty="0" smtClean="0"/>
-              <a:t> </a:t>
-            </a:r>
-            <a:r>
               <a:rPr lang="bg-BG" dirty="0"/>
-              <a:t>клас</a:t>
+              <a:t> клас</a:t>
             </a:r>
           </a:p>
         </p:txBody>
@@ -7051,13 +7047,6 @@
       <p:transition spd="slow" advClick="0" advTm="5000"/>
     </mc:Fallback>
   </mc:AlternateContent>
-  <p:timing>
-    <p:tnLst>
-      <p:par>
-        <p:cTn id="1" dur="indefinite" restart="never" nodeType="tmRoot"/>
-      </p:par>
-    </p:tnLst>
-  </p:timing>
 </p:sld>
 </file>
 
@@ -7118,11 +7107,11 @@
           <a:lstStyle/>
           <a:p>
             <a:r>
-              <a:rPr lang="bg-BG" b="1" dirty="0" smtClean="0"/>
+              <a:rPr lang="bg-BG" b="1" dirty="0"/>
               <a:t>С</a:t>
             </a:r>
             <a:r>
-              <a:rPr lang="bg-BG" dirty="0" smtClean="0"/>
+              <a:rPr lang="bg-BG" dirty="0"/>
               <a:t> </a:t>
             </a:r>
             <a:r>
@@ -7148,11 +7137,11 @@
           <a:lstStyle/>
           <a:p>
             <a:r>
-              <a:rPr lang="bg-BG" b="1" dirty="0" smtClean="0"/>
+              <a:rPr lang="bg-BG" b="1" dirty="0"/>
               <a:t>Без</a:t>
             </a:r>
             <a:r>
-              <a:rPr lang="bg-BG" dirty="0" smtClean="0"/>
+              <a:rPr lang="bg-BG" dirty="0"/>
               <a:t> </a:t>
             </a:r>
             <a:r>
@@ -7178,14 +7167,13 @@
           <a:lstStyle/>
           <a:p>
             <a:r>
+              <a:rPr lang="bg-BG" dirty="0"/>
+              <a:t>Заглавия за печат</a:t>
+            </a:r>
+            <a:r>
               <a:rPr lang="en-US" dirty="0"/>
-              <a:t>Print titles </a:t>
-            </a:r>
-            <a:r>
-              <a:rPr lang="en-US" dirty="0" smtClean="0"/>
-              <a:t>(3)</a:t>
-            </a:r>
-            <a:endParaRPr lang="en-US" dirty="0"/>
+              <a:t> (3)</a:t>
+            </a:r>
           </a:p>
         </p:txBody>
       </p:sp>
@@ -7371,7 +7359,7 @@
           <a:p>
             <a:pPr algn="ctr"/>
             <a:r>
-              <a:rPr lang="bg-BG" sz="2800" b="1" dirty="0" smtClean="0">
+              <a:rPr lang="bg-BG" sz="2800" b="1" dirty="0">
                 <a:solidFill>
                   <a:srgbClr val="FFFFFF"/>
                 </a:solidFill>
@@ -7705,7 +7693,7 @@
           <a:lstStyle/>
           <a:p>
             <a:r>
-              <a:rPr lang="bg-BG" dirty="0" smtClean="0"/>
+              <a:rPr lang="bg-BG" dirty="0"/>
               <a:t>Отпечатване на таблица</a:t>
             </a:r>
             <a:endParaRPr lang="en-US" dirty="0"/>
@@ -7760,13 +7748,6 @@
       <p:transition spd="slow" advClick="0" advTm="5000"/>
     </mc:Fallback>
   </mc:AlternateContent>
-  <p:timing>
-    <p:tnLst>
-      <p:par>
-        <p:cTn id="1" dur="indefinite" restart="never" nodeType="tmRoot"/>
-      </p:par>
-    </p:tnLst>
-  </p:timing>
 </p:sld>
 </file>
 
@@ -7803,7 +7784,7 @@
           <a:lstStyle/>
           <a:p>
             <a:r>
-              <a:rPr lang="bg-BG" dirty="0" smtClean="0"/>
+              <a:rPr lang="bg-BG" dirty="0"/>
               <a:t>Отпечатване на таблица</a:t>
             </a:r>
             <a:endParaRPr lang="en-US" dirty="0"/>
@@ -7901,7 +7882,7 @@
           <a:p>
             <a:pPr algn="ctr"/>
             <a:r>
-              <a:rPr lang="bg-BG" sz="2800" b="1" dirty="0" smtClean="0">
+              <a:rPr lang="bg-BG" sz="2800" b="1" dirty="0">
                 <a:solidFill>
                   <a:srgbClr val="FFFFFF"/>
                 </a:solidFill>
@@ -7916,7 +7897,7 @@
               <a:t>Отваряме менюто </a:t>
             </a:r>
             <a:r>
-              <a:rPr lang="en-US" sz="2800" b="1" dirty="0" smtClean="0">
+              <a:rPr lang="en-US" sz="2800" b="1" dirty="0">
                 <a:solidFill>
                   <a:schemeClr val="accent1">
                     <a:lumMod val="60000"/>
@@ -7933,21 +7914,6 @@
               </a:rPr>
               <a:t>File</a:t>
             </a:r>
-            <a:endParaRPr lang="en-US" sz="2800" b="1" dirty="0">
-              <a:solidFill>
-                <a:schemeClr val="accent1">
-                  <a:lumMod val="60000"/>
-                  <a:lumOff val="40000"/>
-                </a:schemeClr>
-              </a:solidFill>
-              <a:effectLst>
-                <a:outerShdw blurRad="38100" dist="38100" dir="2700000" algn="tl">
-                  <a:srgbClr val="000000">
-                    <a:alpha val="43137"/>
-                  </a:srgbClr>
-                </a:outerShdw>
-              </a:effectLst>
-            </a:endParaRPr>
           </a:p>
         </p:txBody>
       </p:sp>
@@ -8205,7 +8171,7 @@
           <a:p>
             <a:pPr algn="ctr"/>
             <a:r>
-              <a:rPr lang="bg-BG" sz="2800" b="1" dirty="0" smtClean="0">
+              <a:rPr lang="bg-BG" sz="2800" b="1" dirty="0">
                 <a:solidFill>
                   <a:srgbClr val="FFFFFF"/>
                 </a:solidFill>
@@ -8220,7 +8186,7 @@
               <a:t>Избираме командата </a:t>
             </a:r>
             <a:r>
-              <a:rPr lang="en-US" sz="2800" b="1" dirty="0" smtClean="0">
+              <a:rPr lang="en-US" sz="2800" b="1" dirty="0">
                 <a:solidFill>
                   <a:schemeClr val="accent1">
                     <a:lumMod val="60000"/>
@@ -8237,21 +8203,6 @@
               </a:rPr>
               <a:t>Print</a:t>
             </a:r>
-            <a:endParaRPr lang="en-US" sz="2800" b="1" dirty="0">
-              <a:solidFill>
-                <a:schemeClr val="accent1">
-                  <a:lumMod val="60000"/>
-                  <a:lumOff val="40000"/>
-                </a:schemeClr>
-              </a:solidFill>
-              <a:effectLst>
-                <a:outerShdw blurRad="38100" dist="38100" dir="2700000" algn="tl">
-                  <a:srgbClr val="000000">
-                    <a:alpha val="43137"/>
-                  </a:srgbClr>
-                </a:outerShdw>
-              </a:effectLst>
-            </a:endParaRPr>
           </a:p>
         </p:txBody>
       </p:sp>
@@ -8273,13 +8224,6 @@
       <p:transition spd="slow" advClick="0" advTm="5000"/>
     </mc:Fallback>
   </mc:AlternateContent>
-  <p:timing>
-    <p:tnLst>
-      <p:par>
-        <p:cTn id="1" dur="indefinite" restart="never" nodeType="tmRoot"/>
-      </p:par>
-    </p:tnLst>
-  </p:timing>
 </p:sld>
 </file>
 
@@ -8483,7 +8427,7 @@
           <a:p>
             <a:pPr algn="ctr"/>
             <a:r>
-              <a:rPr lang="bg-BG" sz="2800" b="1" dirty="0" smtClean="0">
+              <a:rPr lang="bg-BG" sz="2800" b="1" dirty="0">
                 <a:solidFill>
                   <a:srgbClr val="FFFFFF"/>
                 </a:solidFill>
@@ -8572,21 +8516,6 @@
           <a:p>
             <a:pPr algn="ctr"/>
             <a:r>
-              <a:rPr lang="bg-BG" sz="2800" b="1" dirty="0" smtClean="0">
-                <a:solidFill>
-                  <a:srgbClr val="FFFFFF"/>
-                </a:solidFill>
-                <a:effectLst>
-                  <a:outerShdw blurRad="38100" dist="38100" dir="2700000" algn="tl">
-                    <a:srgbClr val="000000">
-                      <a:alpha val="43137"/>
-                    </a:srgbClr>
-                  </a:outerShdw>
-                </a:effectLst>
-              </a:rPr>
-              <a:t>Дясната част показва как ще изглежда таблицата </a:t>
-            </a:r>
-            <a:r>
               <a:rPr lang="bg-BG" sz="2800" b="1" dirty="0">
                 <a:solidFill>
                   <a:srgbClr val="FFFFFF"/>
@@ -8599,7 +8528,7 @@
                   </a:outerShdw>
                 </a:effectLst>
               </a:rPr>
-              <a:t>след отпечатването ѝ</a:t>
+              <a:t>Дясната част показва как ще изглежда таблицата след отпечатването ѝ</a:t>
             </a:r>
             <a:endParaRPr lang="en-US" sz="2800" b="1" dirty="0">
               <a:solidFill>
@@ -8676,7 +8605,7 @@
           <a:p>
             <a:pPr algn="ctr"/>
             <a:r>
-              <a:rPr lang="bg-BG" sz="2800" b="1" dirty="0" smtClean="0">
+              <a:rPr lang="bg-BG" sz="2800" b="1" dirty="0">
                 <a:solidFill>
                   <a:srgbClr val="FFFFFF"/>
                 </a:solidFill>
@@ -8765,7 +8694,7 @@
           <a:p>
             <a:pPr algn="ctr"/>
             <a:r>
-              <a:rPr lang="bg-BG" sz="2800" b="1" dirty="0" smtClean="0">
+              <a:rPr lang="bg-BG" sz="2800" b="1" dirty="0">
                 <a:solidFill>
                   <a:srgbClr val="FFFFFF"/>
                 </a:solidFill>
@@ -8920,7 +8849,7 @@
           <a:p>
             <a:pPr algn="ctr"/>
             <a:r>
-              <a:rPr lang="bg-BG" sz="2800" b="1" dirty="0" smtClean="0">
+              <a:rPr lang="bg-BG" sz="2800" b="1" dirty="0">
                 <a:solidFill>
                   <a:srgbClr val="FFFFFF"/>
                 </a:solidFill>
@@ -9340,7 +9269,7 @@
           <a:lstStyle/>
           <a:p>
             <a:r>
-              <a:rPr lang="bg-BG" dirty="0" smtClean="0"/>
+              <a:rPr lang="bg-BG" dirty="0"/>
               <a:t>Настройки за печат </a:t>
             </a:r>
             <a:endParaRPr lang="en-US" dirty="0"/>
@@ -9560,7 +9489,7 @@
           <a:p>
             <a:pPr algn="ctr"/>
             <a:r>
-              <a:rPr lang="bg-BG" sz="2800" b="1" dirty="0" smtClean="0">
+              <a:rPr lang="bg-BG" sz="2800" b="1" dirty="0">
                 <a:solidFill>
                   <a:srgbClr val="FFFFFF"/>
                 </a:solidFill>
@@ -9572,11 +9501,32 @@
                   </a:outerShdw>
                 </a:effectLst>
               </a:rPr>
-              <a:t>Отпечатва само активния лист</a:t>
+              <a:t>Отпечатва само </a:t>
+            </a:r>
+            <a:r>
+              <a:rPr lang="bg-BG" sz="2800" b="1" dirty="0">
+                <a:solidFill>
+                  <a:schemeClr val="accent1">
+                    <a:lumMod val="60000"/>
+                    <a:lumOff val="40000"/>
+                  </a:schemeClr>
+                </a:solidFill>
+                <a:effectLst>
+                  <a:outerShdw blurRad="38100" dist="38100" dir="2700000" algn="tl">
+                    <a:srgbClr val="000000">
+                      <a:alpha val="43137"/>
+                    </a:srgbClr>
+                  </a:outerShdw>
+                </a:effectLst>
+              </a:rPr>
+              <a:t>активния лист</a:t>
             </a:r>
             <a:endParaRPr lang="en-US" sz="2800" b="1" dirty="0">
               <a:solidFill>
-                <a:srgbClr val="FFFFFF"/>
+                <a:schemeClr val="accent1">
+                  <a:lumMod val="60000"/>
+                  <a:lumOff val="40000"/>
+                </a:schemeClr>
               </a:solidFill>
               <a:effectLst>
                 <a:outerShdw blurRad="38100" dist="38100" dir="2700000" algn="tl">
@@ -9649,7 +9599,7 @@
           <a:p>
             <a:pPr algn="ctr"/>
             <a:r>
-              <a:rPr lang="bg-BG" sz="2800" b="1" dirty="0" smtClean="0">
+              <a:rPr lang="bg-BG" sz="2800" b="1" dirty="0">
                 <a:solidFill>
                   <a:srgbClr val="FFFFFF"/>
                 </a:solidFill>
@@ -9661,11 +9611,32 @@
                   </a:outerShdw>
                 </a:effectLst>
               </a:rPr>
-              <a:t>Отпечатване на цялата работна книга</a:t>
+              <a:t>Отпечатва </a:t>
+            </a:r>
+            <a:r>
+              <a:rPr lang="bg-BG" sz="2800" b="1" dirty="0">
+                <a:solidFill>
+                  <a:schemeClr val="accent1">
+                    <a:lumMod val="60000"/>
+                    <a:lumOff val="40000"/>
+                  </a:schemeClr>
+                </a:solidFill>
+                <a:effectLst>
+                  <a:outerShdw blurRad="38100" dist="38100" dir="2700000" algn="tl">
+                    <a:srgbClr val="000000">
+                      <a:alpha val="43137"/>
+                    </a:srgbClr>
+                  </a:outerShdw>
+                </a:effectLst>
+              </a:rPr>
+              <a:t>цялата работна книга</a:t>
             </a:r>
             <a:endParaRPr lang="en-US" sz="2800" b="1" dirty="0">
               <a:solidFill>
-                <a:srgbClr val="FFFFFF"/>
+                <a:schemeClr val="accent1">
+                  <a:lumMod val="60000"/>
+                  <a:lumOff val="40000"/>
+                </a:schemeClr>
               </a:solidFill>
               <a:effectLst>
                 <a:outerShdw blurRad="38100" dist="38100" dir="2700000" algn="tl">
@@ -9738,7 +9709,7 @@
           <a:p>
             <a:pPr algn="ctr"/>
             <a:r>
-              <a:rPr lang="bg-BG" sz="2800" b="1" dirty="0" smtClean="0">
+              <a:rPr lang="bg-BG" sz="2800" b="1" dirty="0">
                 <a:solidFill>
                   <a:srgbClr val="FFFFFF"/>
                 </a:solidFill>
@@ -9750,11 +9721,32 @@
                   </a:outerShdw>
                 </a:effectLst>
               </a:rPr>
-              <a:t>Отпечатва само частта от работния лист, която е маркирана</a:t>
+              <a:t>Отпечатва само частта от работния лист, която е </a:t>
+            </a:r>
+            <a:r>
+              <a:rPr lang="bg-BG" sz="2800" b="1" dirty="0">
+                <a:solidFill>
+                  <a:schemeClr val="accent1">
+                    <a:lumMod val="60000"/>
+                    <a:lumOff val="40000"/>
+                  </a:schemeClr>
+                </a:solidFill>
+                <a:effectLst>
+                  <a:outerShdw blurRad="38100" dist="38100" dir="2700000" algn="tl">
+                    <a:srgbClr val="000000">
+                      <a:alpha val="43137"/>
+                    </a:srgbClr>
+                  </a:outerShdw>
+                </a:effectLst>
+              </a:rPr>
+              <a:t>маркирана</a:t>
             </a:r>
             <a:endParaRPr lang="en-US" sz="2800" b="1" dirty="0">
               <a:solidFill>
-                <a:srgbClr val="FFFFFF"/>
+                <a:schemeClr val="accent1">
+                  <a:lumMod val="60000"/>
+                  <a:lumOff val="40000"/>
+                </a:schemeClr>
               </a:solidFill>
               <a:effectLst>
                 <a:outerShdw blurRad="38100" dist="38100" dir="2700000" algn="tl">
@@ -10492,7 +10484,7 @@
           <a:lstStyle/>
           <a:p>
             <a:r>
-              <a:rPr lang="bg-BG" dirty="0" smtClean="0"/>
+              <a:rPr lang="bg-BG" dirty="0"/>
               <a:t>Настройки за печат </a:t>
             </a:r>
             <a:endParaRPr lang="en-US" dirty="0"/>
@@ -10538,13 +10530,13 @@
         </p:nvSpPr>
         <p:spPr bwMode="auto">
           <a:xfrm>
-            <a:off x="7716000" y="1584000"/>
-            <a:ext cx="4320000" cy="1890000"/>
+            <a:off x="7716000" y="1269000"/>
+            <a:ext cx="4320000" cy="1125000"/>
           </a:xfrm>
           <a:prstGeom prst="wedgeRoundRectCallout">
             <a:avLst>
-              <a:gd name="adj1" fmla="val -62959"/>
-              <a:gd name="adj2" fmla="val 5581"/>
+              <a:gd name="adj1" fmla="val -65402"/>
+              <a:gd name="adj2" fmla="val 59506"/>
               <a:gd name="adj3" fmla="val 16667"/>
             </a:avLst>
           </a:prstGeom>
@@ -10589,8 +10581,88 @@
           <a:lstStyle/>
           <a:p>
             <a:pPr algn="ctr"/>
-            <a:r>
-              <a:rPr lang="bg-BG" sz="2800" b="1" dirty="0" smtClean="0">
+            <a:endParaRPr lang="en-US" sz="2800" b="1" dirty="0">
+              <a:solidFill>
+                <a:srgbClr val="FFFFFF"/>
+              </a:solidFill>
+              <a:effectLst>
+                <a:outerShdw blurRad="38100" dist="38100" dir="2700000" algn="tl">
+                  <a:srgbClr val="000000">
+                    <a:alpha val="43137"/>
+                  </a:srgbClr>
+                </a:outerShdw>
+              </a:effectLst>
+            </a:endParaRPr>
+          </a:p>
+        </p:txBody>
+      </p:sp>
+      <p:sp>
+        <p:nvSpPr>
+          <p:cNvPr id="3" name="Rounded Rectangular Callout 2">
+            <a:extLst>
+              <a:ext uri="{FF2B5EF4-FFF2-40B4-BE49-F238E27FC236}">
+                <a16:creationId xmlns:a16="http://schemas.microsoft.com/office/drawing/2014/main" id="{53B396D3-86EF-F957-0DC8-175C4553C4C4}"/>
+              </a:ext>
+            </a:extLst>
+          </p:cNvPr>
+          <p:cNvSpPr/>
+          <p:nvPr/>
+        </p:nvSpPr>
+        <p:spPr bwMode="auto">
+          <a:xfrm>
+            <a:off x="7716000" y="1269000"/>
+            <a:ext cx="4320000" cy="1125000"/>
+          </a:xfrm>
+          <a:prstGeom prst="wedgeRoundRectCallout">
+            <a:avLst>
+              <a:gd name="adj1" fmla="val -95726"/>
+              <a:gd name="adj2" fmla="val 51692"/>
+              <a:gd name="adj3" fmla="val 16667"/>
+            </a:avLst>
+          </a:prstGeom>
+          <a:solidFill>
+            <a:schemeClr val="dk2">
+              <a:alpha val="80000"/>
+            </a:schemeClr>
+          </a:solidFill>
+          <a:ln w="19050">
+            <a:solidFill>
+              <a:schemeClr val="tx1">
+                <a:lumMod val="75000"/>
+                <a:alpha val="80000"/>
+              </a:schemeClr>
+            </a:solidFill>
+          </a:ln>
+          <a:effectLst/>
+        </p:spPr>
+        <p:style>
+          <a:lnRef idx="2">
+            <a:schemeClr val="accent1">
+              <a:shade val="50000"/>
+            </a:schemeClr>
+          </a:lnRef>
+          <a:fillRef idx="1001">
+            <a:schemeClr val="dk2"/>
+          </a:fillRef>
+          <a:effectRef idx="0">
+            <a:schemeClr val="accent1"/>
+          </a:effectRef>
+          <a:fontRef idx="minor">
+            <a:schemeClr val="lt1"/>
+          </a:fontRef>
+        </p:style>
+        <p:txBody>
+          <a:bodyPr rot="0" spcFirstLastPara="0" vertOverflow="overflow" horzOverflow="overflow" vert="horz" wrap="square" lIns="91440" tIns="45720" rIns="91440" bIns="45720" numCol="1" spcCol="0" rtlCol="0" fromWordArt="0" anchor="ctr" anchorCtr="0" forceAA="0" compatLnSpc="1">
+            <a:prstTxWarp prst="textNoShape">
+              <a:avLst/>
+            </a:prstTxWarp>
+            <a:noAutofit/>
+          </a:bodyPr>
+          <a:lstStyle/>
+          <a:p>
+            <a:pPr algn="ctr"/>
+            <a:r>
+              <a:rPr lang="bg-BG" sz="2800" b="1" dirty="0">
                 <a:solidFill>
                   <a:srgbClr val="FFFFFF"/>
                 </a:solidFill>
@@ -10602,148 +10674,7 @@
                   </a:outerShdw>
                 </a:effectLst>
               </a:rPr>
-              <a:t>От числовите кутии </a:t>
-            </a:r>
-            <a:r>
-              <a:rPr lang="en-US" sz="2800" b="1" dirty="0" smtClean="0">
-                <a:solidFill>
-                  <a:schemeClr val="accent1">
-                    <a:lumMod val="60000"/>
-                    <a:lumOff val="40000"/>
-                  </a:schemeClr>
-                </a:solidFill>
-                <a:effectLst>
-                  <a:outerShdw blurRad="38100" dist="38100" dir="2700000" algn="tl">
-                    <a:srgbClr val="000000">
-                      <a:alpha val="43137"/>
-                    </a:srgbClr>
-                  </a:outerShdw>
-                </a:effectLst>
-              </a:rPr>
-              <a:t>Pages</a:t>
-            </a:r>
-            <a:r>
-              <a:rPr lang="en-US" sz="2800" b="1" dirty="0" smtClean="0">
-                <a:solidFill>
-                  <a:schemeClr val="bg2"/>
-                </a:solidFill>
-                <a:effectLst>
-                  <a:outerShdw blurRad="38100" dist="38100" dir="2700000" algn="tl">
-                    <a:srgbClr val="000000">
-                      <a:alpha val="43137"/>
-                    </a:srgbClr>
-                  </a:outerShdw>
-                </a:effectLst>
-              </a:rPr>
-              <a:t>…</a:t>
-            </a:r>
-            <a:r>
-              <a:rPr lang="en-US" sz="2800" b="1" dirty="0" smtClean="0">
-                <a:solidFill>
-                  <a:schemeClr val="accent1">
-                    <a:lumMod val="60000"/>
-                    <a:lumOff val="40000"/>
-                  </a:schemeClr>
-                </a:solidFill>
-                <a:effectLst>
-                  <a:outerShdw blurRad="38100" dist="38100" dir="2700000" algn="tl">
-                    <a:srgbClr val="000000">
-                      <a:alpha val="43137"/>
-                    </a:srgbClr>
-                  </a:outerShdw>
-                </a:effectLst>
-              </a:rPr>
-              <a:t>to</a:t>
-            </a:r>
-            <a:r>
-              <a:rPr lang="en-US" sz="2800" b="1" dirty="0" smtClean="0">
-                <a:solidFill>
-                  <a:schemeClr val="bg2"/>
-                </a:solidFill>
-                <a:effectLst>
-                  <a:outerShdw blurRad="38100" dist="38100" dir="2700000" algn="tl">
-                    <a:srgbClr val="000000">
-                      <a:alpha val="43137"/>
-                    </a:srgbClr>
-                  </a:outerShdw>
-                </a:effectLst>
-              </a:rPr>
-              <a:t>…</a:t>
-            </a:r>
-            <a:r>
-              <a:rPr lang="bg-BG" sz="2800" b="1" dirty="0" smtClean="0">
-                <a:solidFill>
-                  <a:srgbClr val="FFFFFF"/>
-                </a:solidFill>
-                <a:effectLst>
-                  <a:outerShdw blurRad="38100" dist="38100" dir="2700000" algn="tl">
-                    <a:srgbClr val="000000">
-                      <a:alpha val="43137"/>
-                    </a:srgbClr>
-                  </a:outerShdw>
-                </a:effectLst>
-              </a:rPr>
-              <a:t> </a:t>
-            </a:r>
-            <a:r>
-              <a:rPr lang="en-US" sz="2800" b="1" dirty="0" smtClean="0">
-                <a:solidFill>
-                  <a:srgbClr val="FFFFFF"/>
-                </a:solidFill>
-                <a:effectLst>
-                  <a:outerShdw blurRad="38100" dist="38100" dir="2700000" algn="tl">
-                    <a:srgbClr val="000000">
-                      <a:alpha val="43137"/>
-                    </a:srgbClr>
-                  </a:outerShdw>
-                </a:effectLst>
-              </a:rPr>
-              <a:t>(</a:t>
-            </a:r>
-            <a:r>
-              <a:rPr lang="bg-BG" sz="2800" b="1" dirty="0" smtClean="0">
-                <a:solidFill>
-                  <a:srgbClr val="FFFFFF"/>
-                </a:solidFill>
-                <a:effectLst>
-                  <a:outerShdw blurRad="38100" dist="38100" dir="2700000" algn="tl">
-                    <a:srgbClr val="000000">
-                      <a:alpha val="43137"/>
-                    </a:srgbClr>
-                  </a:outerShdw>
-                </a:effectLst>
-              </a:rPr>
-              <a:t>Станици</a:t>
-            </a:r>
-            <a:r>
-              <a:rPr lang="en-US" sz="2800" b="1" dirty="0" smtClean="0">
-                <a:solidFill>
-                  <a:srgbClr val="FFFFFF"/>
-                </a:solidFill>
-                <a:effectLst>
-                  <a:outerShdw blurRad="38100" dist="38100" dir="2700000" algn="tl">
-                    <a:srgbClr val="000000">
-                      <a:alpha val="43137"/>
-                    </a:srgbClr>
-                  </a:outerShdw>
-                </a:effectLst>
-              </a:rPr>
-              <a:t>)</a:t>
-            </a:r>
-            <a:r>
-              <a:rPr lang="bg-BG" sz="2800" b="1" dirty="0" smtClean="0">
-                <a:solidFill>
-                  <a:srgbClr val="FFFFFF"/>
-                </a:solidFill>
-                <a:effectLst>
-                  <a:outerShdw blurRad="38100" dist="38100" dir="2700000" algn="tl">
-                    <a:srgbClr val="000000">
-                      <a:alpha val="43137"/>
-                    </a:srgbClr>
-                  </a:outerShdw>
-                </a:effectLst>
-              </a:rPr>
-              <a:t> можетеда изберете кои страници ще отпечатвате</a:t>
+              <a:t>Избор кои страници да отпечатате</a:t>
             </a:r>
             <a:endParaRPr lang="en-US" sz="2800" b="1" dirty="0">
               <a:solidFill>
@@ -10820,7 +10751,7 @@
           <a:p>
             <a:pPr algn="ctr"/>
             <a:r>
-              <a:rPr lang="bg-BG" sz="2800" b="1" dirty="0" smtClean="0">
+              <a:rPr lang="bg-BG" sz="2800" b="1" dirty="0">
                 <a:solidFill>
                   <a:srgbClr val="FFFFFF"/>
                 </a:solidFill>
@@ -10909,7 +10840,7 @@
           <a:p>
             <a:pPr algn="ctr"/>
             <a:r>
-              <a:rPr lang="bg-BG" sz="2800" b="1" dirty="0" smtClean="0">
+              <a:rPr lang="bg-BG" sz="2800" b="1" dirty="0">
                 <a:solidFill>
                   <a:srgbClr val="FFFFFF"/>
                 </a:solidFill>
@@ -10998,7 +10929,7 @@
           <a:p>
             <a:pPr algn="ctr"/>
             <a:r>
-              <a:rPr lang="bg-BG" sz="2800" b="1" dirty="0" smtClean="0">
+              <a:rPr lang="bg-BG" sz="2800" b="1" dirty="0">
                 <a:solidFill>
                   <a:srgbClr val="FFFFFF"/>
                 </a:solidFill>
@@ -11092,6 +11023,33 @@
                                   </p:childTnLst>
                                 </p:cTn>
                               </p:par>
+                              <p:par>
+                                <p:cTn id="7" presetID="1" presetClass="entr" presetSubtype="0" fill="hold" grpId="0" nodeType="withEffect">
+                                  <p:stCondLst>
+                                    <p:cond delay="0"/>
+                                  </p:stCondLst>
+                                  <p:childTnLst>
+                                    <p:set>
+                                      <p:cBhvr>
+                                        <p:cTn id="8" dur="1" fill="hold">
+                                          <p:stCondLst>
+                                            <p:cond delay="0"/>
+                                          </p:stCondLst>
+                                        </p:cTn>
+                                        <p:tgtEl>
+                                          <p:spTgt spid="3"/>
+                                        </p:tgtEl>
+                                        <p:attrNameLst>
+                                          <p:attrName>style.visibility</p:attrName>
+                                        </p:attrNameLst>
+                                      </p:cBhvr>
+                                      <p:to>
+                                        <p:strVal val="visible"/>
+                                      </p:to>
+                                    </p:set>
+                                  </p:childTnLst>
+                                </p:cTn>
+                              </p:par>
                             </p:childTnLst>
                           </p:cTn>
                         </p:par>
@@ -11099,26 +11057,26 @@
                     </p:cTn>
                   </p:par>
                   <p:par>
-                    <p:cTn id="7" fill="hold">
+                    <p:cTn id="9" fill="hold">
                       <p:stCondLst>
                         <p:cond delay="indefinite"/>
                       </p:stCondLst>
                       <p:childTnLst>
                         <p:par>
-                          <p:cTn id="8" fill="hold">
+                          <p:cTn id="10" fill="hold">
                             <p:stCondLst>
                               <p:cond delay="0"/>
                             </p:stCondLst>
                             <p:childTnLst>
                               <p:par>
-                                <p:cTn id="9" presetID="1" presetClass="entr" presetSubtype="0" fill="hold" grpId="0" nodeType="clickEffect">
+                                <p:cTn id="11" presetID="1" presetClass="entr" presetSubtype="0" fill="hold" grpId="0" nodeType="clickEffect">
                                   <p:stCondLst>
                                     <p:cond delay="0"/>
                                   </p:stCondLst>
                                   <p:childTnLst>
                                     <p:set>
                                       <p:cBhvr>
-                                        <p:cTn id="10" dur="1" fill="hold">
+                                        <p:cTn id="12" dur="1" fill="hold">
                                           <p:stCondLst>
                                             <p:cond delay="0"/>
                                           </p:stCondLst>
@@ -11144,26 +11102,26 @@
                     </p:cTn>
                   </p:par>
                   <p:par>
-                    <p:cTn id="11" fill="hold">
+                    <p:cTn id="13" fill="hold">
                       <p:stCondLst>
                         <p:cond delay="indefinite"/>
                       </p:stCondLst>
                       <p:childTnLst>
                         <p:par>
-                          <p:cTn id="12" fill="hold">
+                          <p:cTn id="14" fill="hold">
                             <p:stCondLst>
                               <p:cond delay="0"/>
                             </p:stCondLst>
                             <p:childTnLst>
                               <p:par>
-                                <p:cTn id="13" presetID="1" presetClass="entr" presetSubtype="0" fill="hold" grpId="0" nodeType="clickEffect">
+                                <p:cTn id="15" presetID="1" presetClass="entr" presetSubtype="0" fill="hold" grpId="0" nodeType="clickEffect">
                                   <p:stCondLst>
                                     <p:cond delay="0"/>
                                   </p:stCondLst>
                                   <p:childTnLst>
                                     <p:set>
                                       <p:cBhvr>
-                                        <p:cTn id="14" dur="1" fill="hold">
+                                        <p:cTn id="16" dur="1" fill="hold">
                                           <p:stCondLst>
                                             <p:cond delay="0"/>
                                           </p:stCondLst>
@@ -11189,26 +11147,26 @@
                     </p:cTn>
                   </p:par>
                   <p:par>
-                    <p:cTn id="15" fill="hold">
+                    <p:cTn id="17" fill="hold">
                       <p:stCondLst>
                         <p:cond delay="indefinite"/>
                       </p:stCondLst>
                       <p:childTnLst>
                         <p:par>
-                          <p:cTn id="16" fill="hold">
+                          <p:cTn id="18" fill="hold">
                             <p:stCondLst>
                               <p:cond delay="0"/>
                             </p:stCondLst>
                             <p:childTnLst>
                               <p:par>
-                                <p:cTn id="17" presetID="1" presetClass="entr" presetSubtype="0" fill="hold" grpId="0" nodeType="clickEffect">
+                                <p:cTn id="19" presetID="1" presetClass="entr" presetSubtype="0" fill="hold" grpId="0" nodeType="clickEffect">
                                   <p:stCondLst>
                                     <p:cond delay="0"/>
                                   </p:stCondLst>
                                   <p:childTnLst>
                                     <p:set>
                                       <p:cBhvr>
-                                        <p:cTn id="18" dur="1" fill="hold">
+                                        <p:cTn id="20" dur="1" fill="hold">
                                           <p:stCondLst>
                                             <p:cond delay="0"/>
                                           </p:stCondLst>
@@ -11256,6 +11214,7 @@
     </p:tnLst>
     <p:bldLst>
       <p:bldP spid="8" grpId="0" animBg="1"/>
+      <p:bldP spid="3" grpId="0" animBg="1"/>
       <p:bldP spid="18" grpId="0" animBg="1"/>
       <p:bldP spid="19" grpId="0" animBg="1"/>
       <p:bldP spid="20" grpId="0" animBg="1"/>
@@ -11353,11 +11312,7 @@
           <a:p>
             <a:r>
               <a:rPr lang="bg-BG" dirty="0"/>
-              <a:t>Настройки за печат </a:t>
-            </a:r>
-            <a:r>
-              <a:rPr lang="bg-BG" dirty="0" smtClean="0"/>
-              <a:t>– мащабиране</a:t>
+              <a:t>Настройки за печат – мащабиране</a:t>
             </a:r>
             <a:endParaRPr lang="en-US" dirty="0"/>
           </a:p>
@@ -11553,7 +11508,7 @@
           <a:p>
             <a:pPr algn="ctr"/>
             <a:r>
-              <a:rPr lang="bg-BG" sz="2800" b="1" dirty="0" smtClean="0">
+              <a:rPr lang="bg-BG" sz="2800" b="1" dirty="0">
                 <a:solidFill>
                   <a:srgbClr val="FFFFFF"/>
                 </a:solidFill>
@@ -11568,7 +11523,7 @@
               <a:t>Отпечатва таблицата в </a:t>
             </a:r>
             <a:r>
-              <a:rPr lang="bg-BG" sz="2800" b="1" dirty="0" smtClean="0">
+              <a:rPr lang="bg-BG" sz="2800" b="1" dirty="0">
                 <a:solidFill>
                   <a:schemeClr val="accent1">
                     <a:lumMod val="60000"/>
@@ -11663,7 +11618,7 @@
           <a:p>
             <a:pPr algn="ctr"/>
             <a:r>
-              <a:rPr lang="bg-BG" sz="2800" b="1" dirty="0" smtClean="0">
+              <a:rPr lang="bg-BG" sz="2800" b="1" dirty="0">
                 <a:solidFill>
                   <a:srgbClr val="FFFFFF"/>
                 </a:solidFill>
@@ -11678,7 +11633,7 @@
               <a:t>Свива таблицата така, че да се събере в </a:t>
             </a:r>
             <a:r>
-              <a:rPr lang="bg-BG" sz="2800" b="1" dirty="0" smtClean="0">
+              <a:rPr lang="bg-BG" sz="2800" b="1" dirty="0">
                 <a:solidFill>
                   <a:schemeClr val="accent1">
                     <a:lumMod val="60000"/>
@@ -11773,7 +11728,7 @@
           <a:p>
             <a:pPr algn="ctr"/>
             <a:r>
-              <a:rPr lang="bg-BG" sz="2800" b="1" dirty="0" smtClean="0">
+              <a:rPr lang="bg-BG" sz="2800" b="1" dirty="0">
                 <a:solidFill>
                   <a:srgbClr val="FFFFFF"/>
                 </a:solidFill>
@@ -11788,7 +11743,7 @@
               <a:t>Намалява размера така, че да се събере на </a:t>
             </a:r>
             <a:r>
-              <a:rPr lang="bg-BG" sz="2800" b="1" dirty="0" smtClean="0">
+              <a:rPr lang="bg-BG" sz="2800" b="1" dirty="0">
                 <a:solidFill>
                   <a:schemeClr val="accent1">
                     <a:lumMod val="60000"/>
@@ -11806,7 +11761,7 @@
               <a:t>широчина</a:t>
             </a:r>
             <a:r>
-              <a:rPr lang="bg-BG" sz="2800" b="1" dirty="0" smtClean="0">
+              <a:rPr lang="bg-BG" sz="2800" b="1" dirty="0">
                 <a:solidFill>
                   <a:srgbClr val="FFFFFF"/>
                 </a:solidFill>
@@ -12159,7 +12114,7 @@
           <a:p>
             <a:pPr algn="ctr"/>
             <a:r>
-              <a:rPr lang="bg-BG" sz="2800" b="1" dirty="0" smtClean="0">
+              <a:rPr lang="bg-BG" sz="2800" b="1" dirty="0">
                 <a:solidFill>
                   <a:srgbClr val="FFFFFF"/>
                 </a:solidFill>
@@ -12174,7 +12129,7 @@
               <a:t>Намалява размера така, че да се събере на </a:t>
             </a:r>
             <a:r>
-              <a:rPr lang="bg-BG" sz="2800" b="1" dirty="0" smtClean="0">
+              <a:rPr lang="bg-BG" sz="2800" b="1" dirty="0">
                 <a:solidFill>
                   <a:schemeClr val="accent1">
                     <a:lumMod val="60000"/>
@@ -12192,7 +12147,7 @@
               <a:t>височина</a:t>
             </a:r>
             <a:r>
-              <a:rPr lang="bg-BG" sz="2800" b="1" dirty="0" smtClean="0">
+              <a:rPr lang="bg-BG" sz="2800" b="1" dirty="0">
                 <a:solidFill>
                   <a:srgbClr val="FFFFFF"/>
                 </a:solidFill>
@@ -13446,7 +13401,7 @@
               </a:buClr>
             </a:pPr>
             <a:r>
-              <a:rPr lang="bg-BG" sz="2600" b="1" dirty="0" smtClean="0">
+              <a:rPr lang="bg-BG" sz="2600" b="1" dirty="0">
                 <a:solidFill>
                   <a:schemeClr val="bg2"/>
                 </a:solidFill>
@@ -13454,7 +13409,7 @@
               <a:t>Настройки</a:t>
             </a:r>
             <a:r>
-              <a:rPr lang="bg-BG" sz="2600" dirty="0" smtClean="0">
+              <a:rPr lang="bg-BG" sz="2600" dirty="0">
                 <a:solidFill>
                   <a:schemeClr val="bg2"/>
                 </a:solidFill>
@@ -13462,7 +13417,7 @@
               <a:t> за отпечатване</a:t>
             </a:r>
             <a:r>
-              <a:rPr lang="bg-BG" sz="2600" b="1" dirty="0" smtClean="0">
+              <a:rPr lang="bg-BG" sz="2600" b="1" dirty="0">
                 <a:solidFill>
                   <a:schemeClr val="bg2"/>
                 </a:solidFill>
@@ -13480,7 +13435,7 @@
               </a:buClr>
             </a:pPr>
             <a:r>
-              <a:rPr lang="en-US" sz="2400" b="1" dirty="0" smtClean="0">
+              <a:rPr lang="en-US" sz="2400" b="1" dirty="0">
                 <a:solidFill>
                   <a:schemeClr val="accent1">
                     <a:lumMod val="60000"/>
@@ -13555,7 +13510,7 @@
               </a:buClr>
             </a:pPr>
             <a:r>
-              <a:rPr lang="en-US" sz="2400" b="1" dirty="0" smtClean="0">
+              <a:rPr lang="en-US" sz="2400" b="1" dirty="0">
                 <a:solidFill>
                   <a:schemeClr val="accent1">
                     <a:lumMod val="60000"/>
@@ -13576,7 +13531,7 @@
               </a:buClr>
             </a:pPr>
             <a:r>
-              <a:rPr lang="en-US" sz="2200" b="1" dirty="0" smtClean="0">
+              <a:rPr lang="en-US" sz="2200" b="1" dirty="0">
                 <a:solidFill>
                   <a:schemeClr val="bg2"/>
                 </a:solidFill>
@@ -13594,7 +13549,7 @@
               </a:buClr>
             </a:pPr>
             <a:r>
-              <a:rPr lang="en-US" sz="2400" b="1" dirty="0" smtClean="0">
+              <a:rPr lang="en-US" sz="2400" b="1" dirty="0">
                 <a:solidFill>
                   <a:schemeClr val="accent1">
                     <a:lumMod val="60000"/>
@@ -13870,15 +13825,7 @@
                   <a:schemeClr val="bg2"/>
                 </a:solidFill>
               </a:rPr>
-              <a:t>Номер на първата </a:t>
-            </a:r>
-            <a:r>
-              <a:rPr lang="ru-RU" sz="2200" b="1" dirty="0" smtClean="0">
-                <a:solidFill>
-                  <a:schemeClr val="bg2"/>
-                </a:solidFill>
-              </a:rPr>
-              <a:t>страница</a:t>
+              <a:t>Номер на първата страница</a:t>
             </a:r>
             <a:endParaRPr lang="en-US" sz="2200" b="1" dirty="0">
               <a:solidFill>
@@ -14092,18 +14039,13 @@
               </a:buClr>
             </a:pPr>
             <a:r>
-              <a:rPr lang="en-US" sz="2200" b="1" dirty="0" smtClean="0">
+              <a:rPr lang="en-US" sz="2200" b="1" dirty="0">
                 <a:solidFill>
                   <a:schemeClr val="bg2"/>
                 </a:solidFill>
               </a:rPr>
               <a:t>Page order</a:t>
             </a:r>
-            <a:endParaRPr lang="en-US" sz="2200" b="1" dirty="0">
-              <a:solidFill>
-                <a:schemeClr val="bg2"/>
-              </a:solidFill>
-            </a:endParaRPr>
           </a:p>
         </p:txBody>
       </p:sp>
@@ -14860,7 +14802,7 @@
                 <a:hlinkClick r:id="rId3">
                   <a:extLst>
                     <a:ext uri="{A12FA001-AC4F-418D-AE19-62706E023703}">
-                      <ahyp:hlinkClr xmlns:ahyp="http://schemas.microsoft.com/office/drawing/2018/hyperlinkcolor" xmlns="" val="tx"/>
+                      <ahyp:hlinkClr xmlns:ahyp="http://schemas.microsoft.com/office/drawing/2018/hyperlinkcolor" val="tx"/>
                     </a:ext>
                   </a:extLst>
                 </a:hlinkClick>
@@ -14933,13 +14875,6 @@
       <p:transition spd="slow" advClick="0" advTm="5000"/>
     </mc:Fallback>
   </mc:AlternateContent>
-  <p:timing>
-    <p:tnLst>
-      <p:par>
-        <p:cTn id="1" dur="indefinite" restart="never" nodeType="tmRoot"/>
-      </p:par>
-    </p:tnLst>
-  </p:timing>
 </p:sld>
 </file>
 
@@ -15111,29 +15046,29 @@
           <a:lstStyle/>
           <a:p>
             <a:r>
-              <a:rPr lang="bg-BG" dirty="0" smtClean="0"/>
+              <a:rPr lang="bg-BG" dirty="0"/>
               <a:t>͏</a:t>
             </a:r>
             <a:r>
-              <a:rPr lang="bg-BG" b="1" dirty="0" smtClean="0"/>
+              <a:rPr lang="bg-BG" b="1" dirty="0"/>
               <a:t>Настройки</a:t>
             </a:r>
             <a:r>
-              <a:rPr lang="bg-BG" dirty="0" smtClean="0"/>
+              <a:rPr lang="bg-BG" dirty="0"/>
               <a:t> за отпечатване на таблица</a:t>
             </a:r>
           </a:p>
           <a:p>
             <a:r>
-              <a:rPr lang="bg-BG" dirty="0" smtClean="0"/>
+              <a:rPr lang="bg-BG" dirty="0"/>
               <a:t>͏</a:t>
             </a:r>
             <a:r>
-              <a:rPr lang="bg-BG" b="1" dirty="0" smtClean="0"/>
+              <a:rPr lang="bg-BG" b="1" dirty="0"/>
               <a:t>Отпечатване</a:t>
             </a:r>
             <a:r>
-              <a:rPr lang="bg-BG" dirty="0" smtClean="0"/>
+              <a:rPr lang="bg-BG" dirty="0"/>
               <a:t> на таблица</a:t>
             </a:r>
           </a:p>
@@ -15237,7 +15172,79 @@
   <p:timing>
     <p:tnLst>
       <p:par>
-        <p:cTn id="1" dur="indefinite" restart="never" nodeType="tmRoot"/>
+        <p:cTn id="1" dur="indefinite" restart="never" nodeType="tmRoot">
+          <p:childTnLst>
+            <p:seq concurrent="1" nextAc="seek">
+              <p:cTn id="2" dur="indefinite" nodeType="mainSeq">
+                <p:childTnLst>
+                  <p:par>
+                    <p:cTn id="3" fill="hold">
+                      <p:stCondLst>
+                        <p:cond delay="indefinite"/>
+                      </p:stCondLst>
+                      <p:childTnLst>
+                        <p:par>
+                          <p:cTn id="4" fill="hold">
+                            <p:stCondLst>
+                              <p:cond delay="0"/>
+                            </p:stCondLst>
+                            <p:childTnLst>
+                              <p:par>
+                                <p:cTn id="5" presetID="1" presetClass="entr" presetSubtype="0" fill="hold" nodeType="clickEffect">
+                                  <p:stCondLst>
+                                    <p:cond delay="0"/>
+                                  </p:stCondLst>
+                                  <p:childTnLst>
+                                    <p:set>
+                                      <p:cBhvr>
+                                        <p:cTn id="6" dur="1" fill="hold">
+                                          <p:stCondLst>
+                                            <p:cond delay="0"/>
+                                          </p:stCondLst>
+                                        </p:cTn>
+                                        <p:tgtEl>
+                                          <p:spTgt spid="444419">
+                                            <p:txEl>
+                                              <p:pRg st="1" end="1"/>
+                                            </p:txEl>
+                                          </p:spTgt>
+                                        </p:tgtEl>
+                                        <p:attrNameLst>
+                                          <p:attrName>style.visibility</p:attrName>
+                                        </p:attrNameLst>
+                                      </p:cBhvr>
+                                      <p:to>
+                                        <p:strVal val="visible"/>
+                                      </p:to>
+                                    </p:set>
+                                  </p:childTnLst>
+                                </p:cTn>
+                              </p:par>
+                            </p:childTnLst>
+                          </p:cTn>
+                        </p:par>
+                      </p:childTnLst>
+                    </p:cTn>
+                  </p:par>
+                </p:childTnLst>
+              </p:cTn>
+              <p:prevCondLst>
+                <p:cond evt="onPrev" delay="0">
+                  <p:tgtEl>
+                    <p:sldTgt/>
+                  </p:tgtEl>
+                </p:cond>
+              </p:prevCondLst>
+              <p:nextCondLst>
+                <p:cond evt="onNext" delay="0">
+                  <p:tgtEl>
+                    <p:sldTgt/>
+                  </p:tgtEl>
+                </p:cond>
+              </p:nextCondLst>
+            </p:seq>
+          </p:childTnLst>
+        </p:cTn>
       </p:par>
     </p:tnLst>
   </p:timing>
@@ -15624,13 +15631,6 @@
       <p:transition spd="slow" advClick="0" advTm="5000"/>
     </mc:Fallback>
   </mc:AlternateContent>
-  <p:timing>
-    <p:tnLst>
-      <p:par>
-        <p:cTn id="1" dur="indefinite" restart="never" nodeType="tmRoot"/>
-      </p:par>
-    </p:tnLst>
-  </p:timing>
 </p:sld>
 </file>
 
@@ -15727,13 +15727,6 @@
       <p:transition spd="slow" advClick="0" advTm="5000"/>
     </mc:Fallback>
   </mc:AlternateContent>
-  <p:timing>
-    <p:tnLst>
-      <p:par>
-        <p:cTn id="1" dur="indefinite" restart="never" nodeType="tmRoot"/>
-      </p:par>
-    </p:tnLst>
-  </p:timing>
 </p:sld>
 </file>
 
@@ -15775,37 +15768,37 @@
           <a:lstStyle/>
           <a:p>
             <a:r>
-              <a:rPr lang="bg-BG" dirty="0" smtClean="0"/>
+              <a:rPr lang="bg-BG" dirty="0"/>
               <a:t>Електронните таблици могат да бъдат </a:t>
             </a:r>
             <a:r>
-              <a:rPr lang="bg-BG" b="1" dirty="0" smtClean="0"/>
+              <a:rPr lang="bg-BG" b="1" dirty="0"/>
               <a:t>отпечатвани</a:t>
             </a:r>
             <a:r>
-              <a:rPr lang="bg-BG" dirty="0" smtClean="0"/>
+              <a:rPr lang="bg-BG" dirty="0"/>
               <a:t> на </a:t>
             </a:r>
             <a:r>
-              <a:rPr lang="bg-BG" b="1" dirty="0" smtClean="0"/>
+              <a:rPr lang="bg-BG" b="1" dirty="0"/>
               <a:t>хартия</a:t>
             </a:r>
           </a:p>
           <a:p>
             <a:r>
-              <a:rPr lang="bg-BG" b="1" dirty="0" smtClean="0"/>
+              <a:rPr lang="bg-BG" b="1" dirty="0"/>
               <a:t>Настройките</a:t>
             </a:r>
             <a:r>
-              <a:rPr lang="bg-BG" dirty="0" smtClean="0"/>
+              <a:rPr lang="bg-BG" dirty="0"/>
               <a:t> за отпечатването могат да се задават от </a:t>
             </a:r>
             <a:r>
-              <a:rPr lang="bg-BG" b="1" dirty="0" smtClean="0"/>
+              <a:rPr lang="bg-BG" b="1" dirty="0"/>
               <a:t>панела </a:t>
             </a:r>
             <a:r>
-              <a:rPr lang="en-US" b="1" dirty="0" smtClean="0">
+              <a:rPr lang="en-US" b="1" dirty="0">
                 <a:solidFill>
                   <a:schemeClr val="bg1"/>
                 </a:solidFill>
@@ -15813,26 +15806,26 @@
               <a:t>Page Setup</a:t>
             </a:r>
             <a:r>
-              <a:rPr lang="en-US" dirty="0" smtClean="0"/>
+              <a:rPr lang="en-US" dirty="0"/>
               <a:t> </a:t>
             </a:r>
             <a:r>
-              <a:rPr lang="bg-BG" dirty="0" smtClean="0"/>
+              <a:rPr lang="bg-BG" dirty="0"/>
               <a:t>на </a:t>
             </a:r>
             <a:r>
-              <a:rPr lang="bg-BG" b="1" dirty="0" smtClean="0"/>
+              <a:rPr lang="bg-BG" b="1" dirty="0"/>
               <a:t>менюто </a:t>
             </a:r>
             <a:r>
-              <a:rPr lang="en-US" b="1" dirty="0" smtClean="0">
+              <a:rPr lang="en-US" b="1" dirty="0">
                 <a:solidFill>
                   <a:schemeClr val="bg1"/>
                 </a:solidFill>
               </a:rPr>
               <a:t>Page Layout</a:t>
             </a:r>
-            <a:endParaRPr lang="bg-BG" b="1" dirty="0" smtClean="0">
+            <a:endParaRPr lang="bg-BG" b="1" dirty="0">
               <a:solidFill>
                 <a:schemeClr val="bg1"/>
               </a:solidFill>
@@ -15840,11 +15833,11 @@
           </a:p>
           <a:p>
             <a:r>
-              <a:rPr lang="bg-BG" dirty="0" smtClean="0"/>
+              <a:rPr lang="bg-BG" dirty="0"/>
               <a:t>Друг вариант е от диалоговия прозорец </a:t>
             </a:r>
             <a:r>
-              <a:rPr lang="en-US" b="1" dirty="0" smtClean="0">
+              <a:rPr lang="en-US" b="1" dirty="0">
                 <a:solidFill>
                   <a:schemeClr val="bg1"/>
                 </a:solidFill>
@@ -15860,11 +15853,11 @@
           <a:p>
             <a:pPr lvl="1"/>
             <a:r>
-              <a:rPr lang="bg-BG" dirty="0" smtClean="0"/>
+              <a:rPr lang="bg-BG" dirty="0"/>
               <a:t>Той се отваря от стрелката в </a:t>
             </a:r>
             <a:r>
-              <a:rPr lang="bg-BG" b="1" dirty="0" smtClean="0"/>
+              <a:rPr lang="bg-BG" b="1" dirty="0"/>
               <a:t>долния десен ъгъл </a:t>
             </a:r>
             <a:endParaRPr lang="en-US" b="1" dirty="0"/>
@@ -15887,7 +15880,7 @@
           <a:lstStyle/>
           <a:p>
             <a:r>
-              <a:rPr lang="bg-BG" dirty="0" smtClean="0"/>
+              <a:rPr lang="bg-BG" dirty="0"/>
               <a:t>Настройки</a:t>
             </a:r>
             <a:endParaRPr lang="en-US" dirty="0"/>
@@ -16302,11 +16295,11 @@
           <a:lstStyle/>
           <a:p>
             <a:r>
-              <a:rPr lang="bg-BG" dirty="0" smtClean="0"/>
+              <a:rPr lang="bg-BG" dirty="0"/>
               <a:t>От раздела </a:t>
             </a:r>
             <a:r>
-              <a:rPr lang="en-US" b="1" dirty="0" smtClean="0">
+              <a:rPr lang="en-US" b="1" dirty="0">
                 <a:solidFill>
                   <a:schemeClr val="bg1"/>
                 </a:solidFill>
@@ -16314,54 +16307,54 @@
               <a:t>Page</a:t>
             </a:r>
             <a:r>
-              <a:rPr lang="en-US" dirty="0" smtClean="0"/>
+              <a:rPr lang="en-US" dirty="0"/>
               <a:t> </a:t>
             </a:r>
             <a:r>
-              <a:rPr lang="bg-BG" dirty="0" smtClean="0"/>
+              <a:rPr lang="bg-BG" dirty="0"/>
               <a:t>(Страница) се задават </a:t>
             </a:r>
             <a:r>
-              <a:rPr lang="bg-BG" b="1" dirty="0" smtClean="0"/>
+              <a:rPr lang="bg-BG" b="1" dirty="0"/>
               <a:t>общите характеристики</a:t>
             </a:r>
             <a:r>
-              <a:rPr lang="bg-BG" dirty="0" smtClean="0"/>
+              <a:rPr lang="bg-BG" dirty="0"/>
               <a:t> на страницата</a:t>
             </a:r>
           </a:p>
           <a:p>
             <a:pPr lvl="1"/>
             <a:r>
-              <a:rPr lang="bg-BG" dirty="0" smtClean="0"/>
+              <a:rPr lang="bg-BG" dirty="0"/>
               <a:t>Ориентация</a:t>
             </a:r>
           </a:p>
           <a:p>
             <a:pPr lvl="1"/>
             <a:r>
-              <a:rPr lang="bg-BG" dirty="0" smtClean="0"/>
+              <a:rPr lang="bg-BG" dirty="0"/>
               <a:t>Мащабиране</a:t>
             </a:r>
           </a:p>
           <a:p>
             <a:pPr lvl="1"/>
             <a:r>
-              <a:rPr lang="bg-BG" dirty="0" smtClean="0"/>
+              <a:rPr lang="bg-BG" dirty="0"/>
               <a:t>Размер на хартията</a:t>
             </a:r>
           </a:p>
           <a:p>
             <a:pPr lvl="1"/>
             <a:r>
-              <a:rPr lang="bg-BG" dirty="0" smtClean="0"/>
+              <a:rPr lang="bg-BG" dirty="0"/>
               <a:t>Качество на печат</a:t>
             </a:r>
           </a:p>
           <a:p>
             <a:pPr lvl="1"/>
             <a:r>
-              <a:rPr lang="bg-BG" dirty="0" smtClean="0"/>
+              <a:rPr lang="bg-BG" dirty="0"/>
               <a:t>Номер на първата страница</a:t>
             </a:r>
             <a:endParaRPr lang="en-US" dirty="0"/>
@@ -16384,10 +16377,9 @@
           <a:lstStyle/>
           <a:p>
             <a:r>
-              <a:rPr lang="en-US" dirty="0" smtClean="0"/>
+              <a:rPr lang="en-US" dirty="0"/>
               <a:t>Page</a:t>
             </a:r>
-            <a:endParaRPr lang="en-US" dirty="0"/>
           </a:p>
         </p:txBody>
       </p:sp>
@@ -17247,11 +17239,11 @@
           <a:lstStyle/>
           <a:p>
             <a:r>
-              <a:rPr lang="bg-BG" dirty="0" smtClean="0"/>
+              <a:rPr lang="bg-BG" dirty="0"/>
               <a:t>От раздела </a:t>
             </a:r>
             <a:r>
-              <a:rPr lang="en-US" b="1" dirty="0" smtClean="0">
+              <a:rPr lang="en-US" b="1" dirty="0">
                 <a:solidFill>
                   <a:schemeClr val="bg1"/>
                 </a:solidFill>
@@ -17259,87 +17251,87 @@
               <a:t>Margins</a:t>
             </a:r>
             <a:r>
-              <a:rPr lang="en-US" dirty="0" smtClean="0"/>
+              <a:rPr lang="en-US" dirty="0"/>
               <a:t> (</a:t>
             </a:r>
             <a:r>
-              <a:rPr lang="bg-BG" dirty="0" smtClean="0"/>
+              <a:rPr lang="bg-BG" dirty="0"/>
               <a:t>Полета</a:t>
             </a:r>
             <a:r>
-              <a:rPr lang="en-US" dirty="0" smtClean="0"/>
+              <a:rPr lang="en-US" dirty="0"/>
               <a:t>)</a:t>
             </a:r>
             <a:r>
-              <a:rPr lang="bg-BG" dirty="0" smtClean="0"/>
+              <a:rPr lang="bg-BG" dirty="0"/>
               <a:t> се задава </a:t>
             </a:r>
             <a:r>
-              <a:rPr lang="bg-BG" b="1" dirty="0" smtClean="0"/>
+              <a:rPr lang="bg-BG" b="1" dirty="0"/>
               <a:t>размера</a:t>
             </a:r>
             <a:r>
-              <a:rPr lang="bg-BG" dirty="0" smtClean="0"/>
+              <a:rPr lang="bg-BG" dirty="0"/>
               <a:t> на </a:t>
             </a:r>
             <a:r>
-              <a:rPr lang="bg-BG" b="1" dirty="0" smtClean="0"/>
+              <a:rPr lang="bg-BG" b="1" dirty="0"/>
               <a:t>белите полета </a:t>
             </a:r>
             <a:r>
-              <a:rPr lang="bg-BG" dirty="0" smtClean="0"/>
+              <a:rPr lang="bg-BG" dirty="0"/>
               <a:t>на листа</a:t>
             </a:r>
           </a:p>
           <a:p>
             <a:pPr lvl="1"/>
             <a:r>
-              <a:rPr lang="en-US" dirty="0" smtClean="0"/>
+              <a:rPr lang="en-US" dirty="0"/>
               <a:t>Top, Bottom, Left, Right</a:t>
             </a:r>
-            <a:endParaRPr lang="bg-BG" dirty="0" smtClean="0"/>
-          </a:p>
-          <a:p>
-            <a:r>
-              <a:rPr lang="bg-BG" dirty="0" smtClean="0"/>
+            <a:endParaRPr lang="bg-BG" dirty="0"/>
+          </a:p>
+          <a:p>
+            <a:r>
+              <a:rPr lang="bg-BG" dirty="0"/>
               <a:t>От секциата </a:t>
             </a:r>
             <a:r>
-              <a:rPr lang="en-US" b="1" dirty="0" smtClean="0"/>
+              <a:rPr lang="en-US" b="1" dirty="0"/>
               <a:t>Center page </a:t>
             </a:r>
             <a:r>
-              <a:rPr lang="bg-BG" dirty="0" smtClean="0"/>
+              <a:rPr lang="bg-BG" dirty="0"/>
               <a:t>(Центриране в страницата) може да изберете таблицата да се </a:t>
             </a:r>
             <a:r>
-              <a:rPr lang="bg-BG" b="1" dirty="0" smtClean="0"/>
+              <a:rPr lang="bg-BG" b="1" dirty="0"/>
               <a:t>центрира</a:t>
             </a:r>
             <a:r>
-              <a:rPr lang="bg-BG" dirty="0" smtClean="0"/>
+              <a:rPr lang="bg-BG" dirty="0"/>
               <a:t> по</a:t>
             </a:r>
             <a:r>
-              <a:rPr lang="en-US" dirty="0" smtClean="0"/>
+              <a:rPr lang="en-US" dirty="0"/>
               <a:t>:</a:t>
             </a:r>
           </a:p>
           <a:p>
             <a:pPr lvl="1"/>
             <a:r>
-              <a:rPr lang="bg-BG" dirty="0" smtClean="0"/>
+              <a:rPr lang="bg-BG" dirty="0"/>
               <a:t>Хоризонтала</a:t>
             </a:r>
-            <a:endParaRPr lang="en-US" dirty="0" smtClean="0"/>
+            <a:endParaRPr lang="en-US" dirty="0"/>
           </a:p>
           <a:p>
             <a:pPr lvl="1"/>
             <a:r>
-              <a:rPr lang="bg-BG" dirty="0" smtClean="0"/>
+              <a:rPr lang="bg-BG" dirty="0"/>
               <a:t>Вертикала</a:t>
             </a:r>
-            <a:endParaRPr lang="en-US" dirty="0" smtClean="0"/>
+            <a:endParaRPr lang="en-US" dirty="0"/>
           </a:p>
           <a:p>
             <a:endParaRPr lang="en-US" dirty="0"/>
@@ -17362,10 +17354,9 @@
           <a:lstStyle/>
           <a:p>
             <a:r>
-              <a:rPr lang="en-US" dirty="0" smtClean="0"/>
+              <a:rPr lang="en-US" dirty="0"/>
               <a:t>Margins</a:t>
             </a:r>
-            <a:endParaRPr lang="en-US" dirty="0"/>
           </a:p>
         </p:txBody>
       </p:sp>
@@ -18041,11 +18032,11 @@
           <a:lstStyle/>
           <a:p>
             <a:r>
-              <a:rPr lang="bg-BG" dirty="0" smtClean="0"/>
+              <a:rPr lang="bg-BG" dirty="0"/>
               <a:t>От раздела </a:t>
             </a:r>
             <a:r>
-              <a:rPr lang="en-US" b="1" dirty="0" smtClean="0">
+              <a:rPr lang="en-US" b="1" dirty="0">
                 <a:solidFill>
                   <a:schemeClr val="bg1"/>
                 </a:solidFill>
@@ -18053,87 +18044,87 @@
               <a:t>Sheet</a:t>
             </a:r>
             <a:r>
-              <a:rPr lang="en-US" dirty="0" smtClean="0"/>
+              <a:rPr lang="en-US" dirty="0"/>
               <a:t> </a:t>
             </a:r>
             <a:r>
-              <a:rPr lang="bg-BG" dirty="0" smtClean="0"/>
+              <a:rPr lang="bg-BG" dirty="0"/>
               <a:t>(Лист) се задава областта за печат и печатане на заглавия</a:t>
             </a:r>
           </a:p>
           <a:p>
             <a:r>
-              <a:rPr lang="en-US" b="1" dirty="0" smtClean="0"/>
+              <a:rPr lang="en-US" b="1" dirty="0"/>
               <a:t>Print area </a:t>
             </a:r>
             <a:r>
-              <a:rPr lang="en-US" dirty="0" smtClean="0"/>
+              <a:rPr lang="en-US" dirty="0"/>
               <a:t>(</a:t>
             </a:r>
             <a:r>
-              <a:rPr lang="bg-BG" dirty="0" smtClean="0"/>
+              <a:rPr lang="bg-BG" dirty="0"/>
               <a:t>Област за печат</a:t>
             </a:r>
             <a:r>
-              <a:rPr lang="en-US" dirty="0" smtClean="0"/>
+              <a:rPr lang="en-US" dirty="0"/>
               <a:t>)</a:t>
             </a:r>
-            <a:endParaRPr lang="bg-BG" dirty="0" smtClean="0"/>
+            <a:endParaRPr lang="bg-BG" dirty="0"/>
           </a:p>
           <a:p>
             <a:pPr lvl="1"/>
             <a:r>
-              <a:rPr lang="bg-BG" dirty="0" smtClean="0"/>
+              <a:rPr lang="bg-BG" dirty="0"/>
               <a:t>Задавате областта на работния лист, която искате да се отпечата</a:t>
             </a:r>
-            <a:endParaRPr lang="en-US" dirty="0" smtClean="0"/>
-          </a:p>
-          <a:p>
-            <a:r>
-              <a:rPr lang="en-US" b="1" dirty="0" smtClean="0"/>
+            <a:endParaRPr lang="en-US" dirty="0"/>
+          </a:p>
+          <a:p>
+            <a:r>
+              <a:rPr lang="en-US" b="1" dirty="0"/>
               <a:t>Print titles </a:t>
             </a:r>
             <a:r>
-              <a:rPr lang="bg-BG" dirty="0" smtClean="0"/>
+              <a:rPr lang="bg-BG" dirty="0"/>
               <a:t>(Заглавия за печат)</a:t>
             </a:r>
-            <a:endParaRPr lang="en-US" dirty="0" smtClean="0"/>
-          </a:p>
-          <a:p>
-            <a:r>
-              <a:rPr lang="en-US" b="1" dirty="0" smtClean="0"/>
+            <a:endParaRPr lang="en-US" dirty="0"/>
+          </a:p>
+          <a:p>
+            <a:r>
+              <a:rPr lang="en-US" b="1" dirty="0"/>
               <a:t>Page Order </a:t>
             </a:r>
             <a:r>
-              <a:rPr lang="bg-BG" dirty="0" smtClean="0"/>
+              <a:rPr lang="bg-BG" dirty="0"/>
               <a:t>(Ред на страниците)</a:t>
             </a:r>
           </a:p>
           <a:p>
             <a:pPr lvl="1"/>
             <a:r>
-              <a:rPr lang="bg-BG" dirty="0" smtClean="0"/>
+              <a:rPr lang="bg-BG" dirty="0"/>
               <a:t>Избирате </a:t>
             </a:r>
             <a:r>
-              <a:rPr lang="bg-BG" b="1" dirty="0" smtClean="0"/>
+              <a:rPr lang="bg-BG" b="1" dirty="0"/>
               <a:t>последователността</a:t>
             </a:r>
             <a:r>
-              <a:rPr lang="bg-BG" dirty="0" smtClean="0"/>
+              <a:rPr lang="bg-BG" dirty="0"/>
               <a:t> на </a:t>
             </a:r>
             <a:r>
-              <a:rPr lang="bg-BG" b="1" dirty="0" smtClean="0"/>
+              <a:rPr lang="bg-BG" b="1" dirty="0"/>
               <a:t>печатане</a:t>
             </a:r>
             <a:r>
-              <a:rPr lang="bg-BG" dirty="0" smtClean="0"/>
+              <a:rPr lang="bg-BG" dirty="0"/>
               <a:t> на страниците</a:t>
             </a:r>
           </a:p>
           <a:p>
-            <a:endParaRPr lang="bg-BG" dirty="0" smtClean="0"/>
+            <a:endParaRPr lang="bg-BG" dirty="0"/>
           </a:p>
         </p:txBody>
       </p:sp>
@@ -18153,10 +18144,9 @@
           <a:lstStyle/>
           <a:p>
             <a:r>
-              <a:rPr lang="en-US" dirty="0" smtClean="0"/>
+              <a:rPr lang="en-US" dirty="0"/>
               <a:t>Sheet</a:t>
             </a:r>
-            <a:endParaRPr lang="en-US" dirty="0"/>
           </a:p>
         </p:txBody>
       </p:sp>
@@ -18735,46 +18725,30 @@
           <a:p>
             <a:r>
               <a:rPr lang="bg-BG" dirty="0"/>
-              <a:t>Когато </a:t>
-            </a:r>
-            <a:r>
-              <a:rPr lang="bg-BG" dirty="0" smtClean="0"/>
-              <a:t>таблицата </a:t>
-            </a:r>
-            <a:r>
-              <a:rPr lang="bg-BG" b="1" dirty="0" smtClean="0"/>
+              <a:t>Когато таблицата </a:t>
+            </a:r>
+            <a:r>
+              <a:rPr lang="bg-BG" b="1" dirty="0"/>
               <a:t>голяма</a:t>
             </a:r>
             <a:r>
-              <a:rPr lang="bg-BG" dirty="0" smtClean="0"/>
-              <a:t>, се </a:t>
-            </a:r>
-            <a:r>
               <a:rPr lang="bg-BG" dirty="0"/>
-              <a:t>отпечатва на </a:t>
+              <a:t>, се отпечатва на </a:t>
             </a:r>
             <a:r>
               <a:rPr lang="bg-BG" b="1" dirty="0"/>
-              <a:t>няколко </a:t>
-            </a:r>
-            <a:r>
-              <a:rPr lang="bg-BG" b="1" dirty="0" smtClean="0"/>
-              <a:t>страници</a:t>
+              <a:t>няколко страници</a:t>
             </a:r>
           </a:p>
           <a:p>
             <a:pPr lvl="1"/>
             <a:r>
-              <a:rPr lang="bg-BG" dirty="0" smtClean="0"/>
-              <a:t>Редовете </a:t>
-            </a:r>
-            <a:r>
               <a:rPr lang="bg-BG" dirty="0"/>
-              <a:t>и колоните, които са </a:t>
+              <a:t>Редовете и колоните, които са </a:t>
             </a:r>
             <a:r>
               <a:rPr lang="bg-BG" b="1" dirty="0"/>
-              <a:t>заглавни</a:t>
+              <a:t>заглавни,</a:t>
             </a:r>
             <a:r>
               <a:rPr lang="bg-BG" dirty="0"/>
@@ -18790,13 +18764,9 @@
             </a:r>
             <a:r>
               <a:rPr lang="bg-BG" b="1" dirty="0"/>
-              <a:t>първата </a:t>
-            </a:r>
-            <a:r>
-              <a:rPr lang="bg-BG" b="1" dirty="0" smtClean="0"/>
-              <a:t>страница</a:t>
-            </a:r>
-            <a:endParaRPr lang="en-US" b="1" dirty="0" smtClean="0"/>
+              <a:t>първата страница</a:t>
+            </a:r>
+            <a:endParaRPr lang="en-US" b="1" dirty="0"/>
           </a:p>
         </p:txBody>
       </p:sp>
@@ -18815,11 +18785,19 @@
           <a:bodyPr/>
           <a:lstStyle/>
           <a:p>
-            <a:r>
-              <a:rPr lang="en-US" dirty="0" smtClean="0"/>
-              <a:t>Print titles (1)</a:t>
-            </a:r>
-            <a:endParaRPr lang="en-US" dirty="0"/>
+            <a:pPr>
+              <a:tabLst>
+                <a:tab pos="2881313" algn="l"/>
+              </a:tabLst>
+            </a:pPr>
+            <a:r>
+              <a:rPr lang="bg-BG" dirty="0"/>
+              <a:t>Заглавия за печат</a:t>
+            </a:r>
+            <a:r>
+              <a:rPr lang="en-US" dirty="0"/>
+              <a:t> (1)</a:t>
+            </a:r>
           </a:p>
         </p:txBody>
       </p:sp>
@@ -18931,7 +18909,7 @@
           <a:p>
             <a:pPr algn="ctr"/>
             <a:r>
-              <a:rPr lang="bg-BG" sz="2800" b="1" dirty="0" smtClean="0">
+              <a:rPr lang="bg-BG" sz="2800" b="1" dirty="0">
                 <a:solidFill>
                   <a:srgbClr val="FFFFFF"/>
                 </a:solidFill>
@@ -19020,7 +18998,7 @@
           <a:p>
             <a:pPr algn="ctr"/>
             <a:r>
-              <a:rPr lang="bg-BG" sz="2800" b="1" dirty="0" smtClean="0">
+              <a:rPr lang="bg-BG" sz="2800" b="1" dirty="0">
                 <a:solidFill>
                   <a:srgbClr val="FFFFFF"/>
                 </a:solidFill>
@@ -19391,22 +19369,14 @@
           <a:p>
             <a:r>
               <a:rPr lang="bg-BG" dirty="0"/>
-              <a:t>Текстовите </a:t>
-            </a:r>
-            <a:r>
-              <a:rPr lang="bg-BG" dirty="0" smtClean="0"/>
-              <a:t>кутии:</a:t>
+              <a:t>Текстовите кутии:</a:t>
             </a:r>
           </a:p>
           <a:p>
             <a:pPr lvl="1"/>
             <a:r>
-              <a:rPr lang="en-US" b="1" dirty="0" smtClean="0"/>
-              <a:t>Rows </a:t>
-            </a:r>
-            <a:r>
               <a:rPr lang="en-US" b="1" dirty="0"/>
-              <a:t>to repeat at top </a:t>
+              <a:t>Rows to repeat at top </a:t>
             </a:r>
             <a:r>
               <a:rPr lang="en-US" dirty="0"/>
@@ -19417,20 +19387,16 @@
               <a:t>Повтаряни редове отгоре</a:t>
             </a:r>
             <a:r>
-              <a:rPr lang="en-US" dirty="0" smtClean="0"/>
+              <a:rPr lang="en-US" dirty="0"/>
               <a:t>)</a:t>
             </a:r>
-            <a:endParaRPr lang="bg-BG" dirty="0" smtClean="0"/>
+            <a:endParaRPr lang="bg-BG" dirty="0"/>
           </a:p>
           <a:p>
             <a:pPr lvl="1"/>
             <a:r>
-              <a:rPr lang="en-US" b="1" dirty="0" smtClean="0"/>
-              <a:t>Columns </a:t>
-            </a:r>
-            <a:r>
               <a:rPr lang="en-US" b="1" dirty="0"/>
-              <a:t>to repeat at left </a:t>
+              <a:t>Columns to repeat at left </a:t>
             </a:r>
             <a:r>
               <a:rPr lang="en-US" dirty="0"/>
@@ -19438,18 +19404,14 @@
             </a:r>
             <a:r>
               <a:rPr lang="bg-BG" dirty="0"/>
-              <a:t>Повтаряни колони </a:t>
-            </a:r>
-            <a:r>
-              <a:rPr lang="bg-BG" dirty="0" smtClean="0"/>
-              <a:t>отляво</a:t>
-            </a:r>
-            <a:r>
-              <a:rPr lang="en-US" dirty="0" smtClean="0"/>
+              <a:t>Повтаряни колони отляво</a:t>
+            </a:r>
+            <a:r>
+              <a:rPr lang="en-US" dirty="0"/>
               <a:t>)</a:t>
             </a:r>
             <a:r>
-              <a:rPr lang="bg-BG" dirty="0" smtClean="0"/>
+              <a:rPr lang="bg-BG" dirty="0"/>
               <a:t> </a:t>
             </a:r>
           </a:p>
@@ -19458,7 +19420,7 @@
               <a:buNone/>
             </a:pPr>
             <a:r>
-              <a:rPr lang="bg-BG" dirty="0" smtClean="0"/>
+              <a:rPr lang="bg-BG" dirty="0"/>
               <a:t>позволяват отпечатването на </a:t>
             </a:r>
             <a:r>
@@ -19522,14 +19484,13 @@
           <a:lstStyle/>
           <a:p>
             <a:r>
+              <a:rPr lang="bg-BG" dirty="0"/>
+              <a:t>Заглавия за печат</a:t>
+            </a:r>
+            <a:r>
               <a:rPr lang="en-US" dirty="0"/>
-              <a:t>Print </a:t>
-            </a:r>
-            <a:r>
-              <a:rPr lang="en-US" dirty="0" smtClean="0"/>
-              <a:t>titles (2)</a:t>
-            </a:r>
-            <a:endParaRPr lang="en-US" dirty="0"/>
+              <a:t> (2)</a:t>
+            </a:r>
           </a:p>
         </p:txBody>
       </p:sp>

--- a/Courses/Computer-Modeling-and-IT/Computer-Modeling-and-IT-6-Class/11-Print-Table/11-Print-Table.pptx
+++ b/Courses/Computer-Modeling-and-IT/Computer-Modeling-and-IT-6-Class/11-Print-Table/11-Print-Table.pptx
@@ -285,7 +285,7 @@
           <a:p>
             <a:fld id="{4E087215-0C8F-4762-A664-737A353EC9A4}" type="datetimeFigureOut">
               <a:rPr lang="bg-BG" smtClean="0"/>
-              <a:t>4.06.24 г.</a:t>
+              <a:t>28.5.2025 г.</a:t>
             </a:fld>
             <a:endParaRPr lang="bg-BG"/>
           </a:p>
@@ -481,7 +481,7 @@
           <a:p>
             <a:fld id="{72D84649-876A-46C9-8472-14CB09C070D8}" type="datetimeFigureOut">
               <a:rPr lang="en-US" smtClean="0"/>
-              <a:t>6/4/24</a:t>
+              <a:t>5/28/2025</a:t>
             </a:fld>
             <a:endParaRPr lang="en-US"/>
           </a:p>
@@ -7800,15 +7800,20 @@
           <p:nvPr/>
         </p:nvPicPr>
         <p:blipFill>
-          <a:blip r:embed="rId2"/>
-          <a:stretch>
-            <a:fillRect/>
-          </a:stretch>
+          <a:blip r:embed="rId2">
+            <a:extLst>
+              <a:ext uri="{28A0092B-C50C-407E-A947-70E740481C1C}">
+                <a14:useLocalDpi xmlns:a14="http://schemas.microsoft.com/office/drawing/2010/main" val="0"/>
+              </a:ext>
+            </a:extLst>
+          </a:blip>
+          <a:srcRect/>
+          <a:stretch/>
         </p:blipFill>
         <p:spPr>
           <a:xfrm>
-            <a:off x="1641000" y="1359000"/>
-            <a:ext cx="8910000" cy="5240592"/>
+            <a:off x="1919663" y="1359000"/>
+            <a:ext cx="8352673" cy="5240592"/>
           </a:xfrm>
           <a:prstGeom prst="rect">
             <a:avLst/>
@@ -7830,7 +7835,7 @@
         </p:nvSpPr>
         <p:spPr bwMode="auto">
           <a:xfrm>
-            <a:off x="2721000" y="2439000"/>
+            <a:off x="2901000" y="2574000"/>
             <a:ext cx="2114999" cy="1080000"/>
           </a:xfrm>
           <a:prstGeom prst="wedgeRoundRectCallout">
@@ -8089,15 +8094,20 @@
           <p:nvPr/>
         </p:nvPicPr>
         <p:blipFill>
-          <a:blip r:embed="rId2"/>
-          <a:stretch>
-            <a:fillRect/>
-          </a:stretch>
+          <a:blip r:embed="rId2">
+            <a:extLst>
+              <a:ext uri="{28A0092B-C50C-407E-A947-70E740481C1C}">
+                <a14:useLocalDpi xmlns:a14="http://schemas.microsoft.com/office/drawing/2010/main" val="0"/>
+              </a:ext>
+            </a:extLst>
+          </a:blip>
+          <a:srcRect/>
+          <a:stretch/>
         </p:blipFill>
         <p:spPr>
           <a:xfrm>
-            <a:off x="1762861" y="1269000"/>
-            <a:ext cx="8666279" cy="5398794"/>
+            <a:off x="1793589" y="1269000"/>
+            <a:ext cx="8604822" cy="5398794"/>
           </a:xfrm>
           <a:prstGeom prst="rect">
             <a:avLst/>
@@ -8119,13 +8129,13 @@
         </p:nvSpPr>
         <p:spPr bwMode="auto">
           <a:xfrm>
-            <a:off x="3261000" y="2259000"/>
+            <a:off x="3306000" y="3114000"/>
             <a:ext cx="2925000" cy="1125000"/>
           </a:xfrm>
           <a:prstGeom prst="wedgeRoundRectCallout">
             <a:avLst>
-              <a:gd name="adj1" fmla="val -79410"/>
-              <a:gd name="adj2" fmla="val 53820"/>
+              <a:gd name="adj1" fmla="val -71074"/>
+              <a:gd name="adj2" fmla="val 174837"/>
               <a:gd name="adj3" fmla="val 16667"/>
             </a:avLst>
           </a:prstGeom>
@@ -8291,82 +8301,42 @@
           </a:p>
         </p:txBody>
       </p:sp>
-      <p:grpSp>
-        <p:nvGrpSpPr>
-          <p:cNvPr id="7" name="Group 6"/>
-          <p:cNvGrpSpPr/>
+      <p:pic>
+        <p:nvPicPr>
+          <p:cNvPr id="5" name="Picture 4"/>
+          <p:cNvPicPr>
+            <a:picLocks noChangeAspect="1"/>
+          </p:cNvPicPr>
           <p:nvPr/>
-        </p:nvGrpSpPr>
-        <p:grpSpPr>
+        </p:nvPicPr>
+        <p:blipFill>
+          <a:blip r:embed="rId2">
+            <a:extLst>
+              <a:ext uri="{28A0092B-C50C-407E-A947-70E740481C1C}">
+                <a14:useLocalDpi xmlns:a14="http://schemas.microsoft.com/office/drawing/2010/main" val="0"/>
+              </a:ext>
+            </a:extLst>
+          </a:blip>
+          <a:srcRect/>
+          <a:stretch/>
+        </p:blipFill>
+        <p:spPr>
           <a:xfrm>
-            <a:off x="808500" y="1404000"/>
-            <a:ext cx="10575000" cy="5277904"/>
-            <a:chOff x="808500" y="1404000"/>
-            <a:chExt cx="10575000" cy="5277904"/>
+            <a:off x="1244823" y="1230596"/>
+            <a:ext cx="9702354" cy="5424904"/>
           </a:xfrm>
-        </p:grpSpPr>
-        <p:pic>
-          <p:nvPicPr>
-            <p:cNvPr id="5" name="Picture 4"/>
-            <p:cNvPicPr>
-              <a:picLocks noChangeAspect="1"/>
-            </p:cNvPicPr>
-            <p:nvPr/>
-          </p:nvPicPr>
-          <p:blipFill>
-            <a:blip r:embed="rId2"/>
-            <a:stretch>
-              <a:fillRect/>
-            </a:stretch>
-          </p:blipFill>
-          <p:spPr>
-            <a:xfrm>
-              <a:off x="808500" y="1404000"/>
-              <a:ext cx="10575000" cy="5277904"/>
-            </a:xfrm>
-            <a:prstGeom prst="rect">
-              <a:avLst/>
-            </a:prstGeom>
-            <a:ln>
-              <a:solidFill>
-                <a:schemeClr val="bg2">
-                  <a:lumMod val="75000"/>
-                </a:schemeClr>
-              </a:solidFill>
-            </a:ln>
-          </p:spPr>
-        </p:pic>
-        <p:pic>
-          <p:nvPicPr>
-            <p:cNvPr id="6" name="Picture 5"/>
-            <p:cNvPicPr>
-              <a:picLocks noChangeAspect="1"/>
-            </p:cNvPicPr>
-            <p:nvPr/>
-          </p:nvPicPr>
-          <p:blipFill rotWithShape="1">
-            <a:blip r:embed="rId2"/>
-            <a:srcRect l="9041" t="8164" r="74731" b="12387"/>
-            <a:stretch/>
-          </p:blipFill>
-          <p:spPr>
-            <a:xfrm>
-              <a:off x="1596000" y="1404000"/>
-              <a:ext cx="2160000" cy="5277904"/>
-            </a:xfrm>
-            <a:prstGeom prst="rect">
-              <a:avLst/>
-            </a:prstGeom>
-            <a:ln>
-              <a:solidFill>
-                <a:schemeClr val="bg2">
-                  <a:lumMod val="75000"/>
-                </a:schemeClr>
-              </a:solidFill>
-            </a:ln>
-          </p:spPr>
-        </p:pic>
-      </p:grpSp>
+          <a:prstGeom prst="rect">
+            <a:avLst/>
+          </a:prstGeom>
+          <a:ln>
+            <a:solidFill>
+              <a:schemeClr val="bg2">
+                <a:lumMod val="75000"/>
+              </a:schemeClr>
+            </a:solidFill>
+          </a:ln>
+        </p:spPr>
+      </p:pic>
       <p:sp>
         <p:nvSpPr>
           <p:cNvPr id="8" name="Rounded Rectangular Callout 7"/>
@@ -8375,7 +8345,7 @@
         </p:nvSpPr>
         <p:spPr bwMode="auto">
           <a:xfrm>
-            <a:off x="7666735" y="1461000"/>
+            <a:off x="7695240" y="1416468"/>
             <a:ext cx="4095000" cy="1035000"/>
           </a:xfrm>
           <a:prstGeom prst="wedgeRoundRectCallout">
@@ -8553,13 +8523,13 @@
         </p:nvSpPr>
         <p:spPr bwMode="auto">
           <a:xfrm>
-            <a:off x="4026000" y="1629000"/>
+            <a:off x="4640311" y="1437677"/>
             <a:ext cx="2835000" cy="639596"/>
           </a:xfrm>
           <a:prstGeom prst="wedgeRoundRectCallout">
             <a:avLst>
-              <a:gd name="adj1" fmla="val -65182"/>
-              <a:gd name="adj2" fmla="val 10906"/>
+              <a:gd name="adj1" fmla="val -54789"/>
+              <a:gd name="adj2" fmla="val 64915"/>
               <a:gd name="adj3" fmla="val 16667"/>
             </a:avLst>
           </a:prstGeom>
@@ -8642,13 +8612,13 @@
         </p:nvSpPr>
         <p:spPr bwMode="auto">
           <a:xfrm>
-            <a:off x="3936000" y="2844000"/>
-            <a:ext cx="3510000" cy="1035000"/>
+            <a:off x="5176070" y="3063584"/>
+            <a:ext cx="3575510" cy="1035000"/>
           </a:xfrm>
           <a:prstGeom prst="wedgeRoundRectCallout">
             <a:avLst>
-              <a:gd name="adj1" fmla="val -57039"/>
-              <a:gd name="adj2" fmla="val -22167"/>
+              <a:gd name="adj1" fmla="val -68974"/>
+              <a:gd name="adj2" fmla="val -35910"/>
               <a:gd name="adj3" fmla="val 16667"/>
             </a:avLst>
           </a:prstGeom>
@@ -8731,8 +8701,8 @@
         </p:nvSpPr>
         <p:spPr bwMode="auto">
           <a:xfrm>
-            <a:off x="1596000" y="3519000"/>
-            <a:ext cx="2160000" cy="3162904"/>
+            <a:off x="2594350" y="3594346"/>
+            <a:ext cx="2114441" cy="3061154"/>
           </a:xfrm>
           <a:prstGeom prst="rect">
             <a:avLst/>
@@ -8797,7 +8767,7 @@
         </p:nvSpPr>
         <p:spPr bwMode="auto">
           <a:xfrm>
-            <a:off x="4185490" y="4454404"/>
+            <a:off x="5197990" y="4230460"/>
             <a:ext cx="3326020" cy="646048"/>
           </a:xfrm>
           <a:prstGeom prst="wedgeRoundRectCallout">
@@ -9285,15 +9255,20 @@
           <p:nvPr/>
         </p:nvPicPr>
         <p:blipFill>
-          <a:blip r:embed="rId2"/>
-          <a:stretch>
-            <a:fillRect/>
-          </a:stretch>
+          <a:blip r:embed="rId2">
+            <a:extLst>
+              <a:ext uri="{28A0092B-C50C-407E-A947-70E740481C1C}">
+                <a14:useLocalDpi xmlns:a14="http://schemas.microsoft.com/office/drawing/2010/main" val="0"/>
+              </a:ext>
+            </a:extLst>
+          </a:blip>
+          <a:srcRect/>
+          <a:stretch/>
         </p:blipFill>
         <p:spPr>
           <a:xfrm>
-            <a:off x="1191000" y="1373428"/>
-            <a:ext cx="3240000" cy="5126747"/>
+            <a:off x="1233924" y="1373428"/>
+            <a:ext cx="3154151" cy="5126747"/>
           </a:xfrm>
           <a:prstGeom prst="rect">
             <a:avLst/>
@@ -9316,14 +9291,20 @@
           <p:nvPr/>
         </p:nvPicPr>
         <p:blipFill rotWithShape="1">
-          <a:blip r:embed="rId3"/>
-          <a:srcRect t="21040"/>
+          <a:blip r:embed="rId3">
+            <a:extLst>
+              <a:ext uri="{28A0092B-C50C-407E-A947-70E740481C1C}">
+                <a14:useLocalDpi xmlns:a14="http://schemas.microsoft.com/office/drawing/2010/main" val="0"/>
+              </a:ext>
+            </a:extLst>
+          </a:blip>
+          <a:srcRect t="-736" b="169"/>
           <a:stretch/>
         </p:blipFill>
         <p:spPr>
           <a:xfrm>
-            <a:off x="6186000" y="2934000"/>
-            <a:ext cx="4095000" cy="2871078"/>
+            <a:off x="6186002" y="2464053"/>
+            <a:ext cx="4095000" cy="4005000"/>
           </a:xfrm>
           <a:prstGeom prst="rect">
             <a:avLst/>
@@ -9338,8 +9319,8 @@
         </p:nvSpPr>
         <p:spPr bwMode="auto">
           <a:xfrm>
-            <a:off x="1271475" y="1764000"/>
-            <a:ext cx="3060000" cy="630000"/>
+            <a:off x="1370999" y="1718999"/>
+            <a:ext cx="2835001" cy="553827"/>
           </a:xfrm>
           <a:prstGeom prst="rect">
             <a:avLst/>
@@ -9437,13 +9418,13 @@
         </p:nvSpPr>
         <p:spPr bwMode="auto">
           <a:xfrm>
-            <a:off x="5325699" y="1378321"/>
+            <a:off x="4813502" y="1291192"/>
             <a:ext cx="2745000" cy="1080000"/>
           </a:xfrm>
           <a:prstGeom prst="wedgeRoundRectCallout">
             <a:avLst>
-              <a:gd name="adj1" fmla="val -8341"/>
-              <a:gd name="adj2" fmla="val 90722"/>
+              <a:gd name="adj1" fmla="val -5380"/>
+              <a:gd name="adj2" fmla="val 80374"/>
               <a:gd name="adj3" fmla="val 16667"/>
             </a:avLst>
           </a:prstGeom>
@@ -9547,13 +9528,13 @@
         </p:nvSpPr>
         <p:spPr bwMode="auto">
           <a:xfrm>
-            <a:off x="8224241" y="1854000"/>
+            <a:off x="8235542" y="1336338"/>
             <a:ext cx="3712496" cy="1014863"/>
           </a:xfrm>
           <a:prstGeom prst="wedgeRoundRectCallout">
             <a:avLst>
-              <a:gd name="adj1" fmla="val 1927"/>
-              <a:gd name="adj2" fmla="val 144995"/>
+              <a:gd name="adj1" fmla="val 1380"/>
+              <a:gd name="adj2" fmla="val 175029"/>
               <a:gd name="adj3" fmla="val 16667"/>
             </a:avLst>
           </a:prstGeom>
@@ -9657,7 +9638,7 @@
         </p:nvSpPr>
         <p:spPr bwMode="auto">
           <a:xfrm>
-            <a:off x="5511000" y="5661150"/>
+            <a:off x="5916000" y="5247014"/>
             <a:ext cx="5737496" cy="1052850"/>
           </a:xfrm>
           <a:prstGeom prst="wedgeRoundRectCallout">
@@ -9767,8 +9748,8 @@
         </p:nvSpPr>
         <p:spPr bwMode="auto">
           <a:xfrm>
-            <a:off x="6231000" y="2934000"/>
-            <a:ext cx="4050000" cy="807373"/>
+            <a:off x="6199241" y="2508334"/>
+            <a:ext cx="4050000" cy="877964"/>
           </a:xfrm>
           <a:prstGeom prst="rect">
             <a:avLst/>
@@ -9833,8 +9814,8 @@
         </p:nvSpPr>
         <p:spPr bwMode="auto">
           <a:xfrm>
-            <a:off x="6231000" y="3741373"/>
-            <a:ext cx="4050000" cy="767627"/>
+            <a:off x="6199241" y="3392030"/>
+            <a:ext cx="4050000" cy="830658"/>
           </a:xfrm>
           <a:prstGeom prst="rect">
             <a:avLst/>
@@ -9899,7 +9880,7 @@
         </p:nvSpPr>
         <p:spPr bwMode="auto">
           <a:xfrm>
-            <a:off x="6231000" y="4509709"/>
+            <a:off x="6208502" y="4222688"/>
             <a:ext cx="4050000" cy="767627"/>
           </a:xfrm>
           <a:prstGeom prst="rect">
@@ -10500,15 +10481,20 @@
           <p:nvPr/>
         </p:nvPicPr>
         <p:blipFill>
-          <a:blip r:embed="rId2"/>
-          <a:stretch>
-            <a:fillRect/>
-          </a:stretch>
+          <a:blip r:embed="rId2">
+            <a:extLst>
+              <a:ext uri="{28A0092B-C50C-407E-A947-70E740481C1C}">
+                <a14:useLocalDpi xmlns:a14="http://schemas.microsoft.com/office/drawing/2010/main" val="0"/>
+              </a:ext>
+            </a:extLst>
+          </a:blip>
+          <a:srcRect/>
+          <a:stretch/>
         </p:blipFill>
         <p:spPr>
           <a:xfrm>
-            <a:off x="4296000" y="1388971"/>
-            <a:ext cx="3240000" cy="5126747"/>
+            <a:off x="4332472" y="1388971"/>
+            <a:ext cx="3167056" cy="5126747"/>
           </a:xfrm>
           <a:prstGeom prst="rect">
             <a:avLst/>
@@ -10535,8 +10521,8 @@
           </a:xfrm>
           <a:prstGeom prst="wedgeRoundRectCallout">
             <a:avLst>
-              <a:gd name="adj1" fmla="val -65402"/>
-              <a:gd name="adj2" fmla="val 59506"/>
+              <a:gd name="adj1" fmla="val -63521"/>
+              <a:gd name="adj2" fmla="val 54990"/>
               <a:gd name="adj3" fmla="val 16667"/>
             </a:avLst>
           </a:prstGeom>
@@ -10615,8 +10601,8 @@
           </a:xfrm>
           <a:prstGeom prst="wedgeRoundRectCallout">
             <a:avLst>
-              <a:gd name="adj1" fmla="val -95726"/>
-              <a:gd name="adj2" fmla="val 51692"/>
+              <a:gd name="adj1" fmla="val -92669"/>
+              <a:gd name="adj2" fmla="val 48080"/>
               <a:gd name="adj3" fmla="val 16667"/>
             </a:avLst>
           </a:prstGeom>
@@ -11327,15 +11313,20 @@
           <p:nvPr/>
         </p:nvPicPr>
         <p:blipFill>
-          <a:blip r:embed="rId3"/>
-          <a:stretch>
-            <a:fillRect/>
-          </a:stretch>
+          <a:blip r:embed="rId3">
+            <a:extLst>
+              <a:ext uri="{28A0092B-C50C-407E-A947-70E740481C1C}">
+                <a14:useLocalDpi xmlns:a14="http://schemas.microsoft.com/office/drawing/2010/main" val="0"/>
+              </a:ext>
+            </a:extLst>
+          </a:blip>
+          <a:srcRect/>
+          <a:stretch/>
         </p:blipFill>
         <p:spPr>
           <a:xfrm>
-            <a:off x="630018" y="1449000"/>
-            <a:ext cx="3240000" cy="5126747"/>
+            <a:off x="666490" y="1449000"/>
+            <a:ext cx="3167056" cy="5126747"/>
           </a:xfrm>
           <a:prstGeom prst="rect">
             <a:avLst/>
@@ -11357,8 +11348,8 @@
         </p:nvSpPr>
         <p:spPr bwMode="auto">
           <a:xfrm>
-            <a:off x="711053" y="5611365"/>
-            <a:ext cx="3060000" cy="630000"/>
+            <a:off x="813608" y="5577442"/>
+            <a:ext cx="2840273" cy="596558"/>
           </a:xfrm>
           <a:prstGeom prst="rect">
             <a:avLst/>
@@ -15896,14 +15887,20 @@
           <p:nvPr/>
         </p:nvPicPr>
         <p:blipFill rotWithShape="1">
-          <a:blip r:embed="rId2"/>
-          <a:srcRect r="919" b="3704"/>
+          <a:blip r:embed="rId2">
+            <a:extLst>
+              <a:ext uri="{28A0092B-C50C-407E-A947-70E740481C1C}">
+                <a14:useLocalDpi xmlns:a14="http://schemas.microsoft.com/office/drawing/2010/main" val="0"/>
+              </a:ext>
+            </a:extLst>
+          </a:blip>
+          <a:srcRect t="224" b="99"/>
           <a:stretch/>
         </p:blipFill>
         <p:spPr>
           <a:xfrm>
-            <a:off x="3216000" y="4689000"/>
-            <a:ext cx="5703214" cy="1842577"/>
+            <a:off x="3216000" y="4644000"/>
+            <a:ext cx="5703214" cy="1935000"/>
           </a:xfrm>
           <a:prstGeom prst="rect">
             <a:avLst/>
